--- a/CoreGuideLinesStudy_2.pptx
+++ b/CoreGuideLinesStudy_2.pptx
@@ -5,7 +5,7 @@
     <p:sldMasterId id="2147483648" r:id="rId1"/>
   </p:sldMasterIdLst>
   <p:notesMasterIdLst>
-    <p:notesMasterId r:id="rId8"/>
+    <p:notesMasterId r:id="rId10"/>
   </p:notesMasterIdLst>
   <p:sldIdLst>
     <p:sldId id="304" r:id="rId2"/>
@@ -13,43 +13,45 @@
     <p:sldId id="319" r:id="rId4"/>
     <p:sldId id="320" r:id="rId5"/>
     <p:sldId id="321" r:id="rId6"/>
-    <p:sldId id="318" r:id="rId7"/>
+    <p:sldId id="322" r:id="rId7"/>
+    <p:sldId id="323" r:id="rId8"/>
+    <p:sldId id="318" r:id="rId9"/>
   </p:sldIdLst>
   <p:sldSz cx="9144000" cy="6858000" type="screen4x3"/>
   <p:notesSz cx="6858000" cy="9144000"/>
   <p:embeddedFontLst>
     <p:embeddedFont>
       <p:font typeface="HY강B" charset="-127"/>
-      <p:regular r:id="rId9"/>
+      <p:regular r:id="rId11"/>
+    </p:embeddedFont>
+    <p:embeddedFont>
+      <p:font typeface="Consolas" pitchFamily="49" charset="0"/>
+      <p:regular r:id="rId12"/>
+      <p:bold r:id="rId13"/>
+      <p:italic r:id="rId14"/>
+      <p:boldItalic r:id="rId15"/>
+    </p:embeddedFont>
+    <p:embeddedFont>
+      <p:font typeface="HY헤드라인M" pitchFamily="18" charset="-127"/>
+      <p:regular r:id="rId16"/>
     </p:embeddedFont>
     <p:embeddedFont>
       <p:font typeface="Segoe UI Black" pitchFamily="34" charset="0"/>
-      <p:bold r:id="rId10"/>
-      <p:boldItalic r:id="rId11"/>
-    </p:embeddedFont>
-    <p:embeddedFont>
-      <p:font typeface="HY헤드라인M" pitchFamily="18" charset="-127"/>
-      <p:regular r:id="rId12"/>
+      <p:bold r:id="rId17"/>
+      <p:boldItalic r:id="rId18"/>
     </p:embeddedFont>
     <p:embeddedFont>
       <p:font typeface="HY중고딕" pitchFamily="18" charset="-127"/>
-      <p:regular r:id="rId13"/>
+      <p:regular r:id="rId19"/>
     </p:embeddedFont>
     <p:embeddedFont>
       <p:font typeface="HY견고딕" pitchFamily="18" charset="-127"/>
-      <p:regular r:id="rId14"/>
+      <p:regular r:id="rId20"/>
     </p:embeddedFont>
     <p:embeddedFont>
       <p:font typeface="맑은 고딕" pitchFamily="50" charset="-127"/>
-      <p:regular r:id="rId15"/>
-      <p:bold r:id="rId16"/>
-    </p:embeddedFont>
-    <p:embeddedFont>
-      <p:font typeface="Consolas" pitchFamily="49" charset="0"/>
-      <p:regular r:id="rId17"/>
-      <p:bold r:id="rId18"/>
-      <p:italic r:id="rId19"/>
-      <p:boldItalic r:id="rId20"/>
+      <p:regular r:id="rId21"/>
+      <p:bold r:id="rId22"/>
     </p:embeddedFont>
   </p:embeddedFontLst>
   <p:defaultTextStyle>
@@ -233,7 +235,7 @@
             <a:fld id="{E2E81C77-485D-47AA-9839-DA75671EEAD7}" type="datetimeFigureOut">
               <a:rPr lang="ko-KR" altLang="en-US" smtClean="0"/>
               <a:pPr/>
-              <a:t>2024-08-21</a:t>
+              <a:t>2024-09-08</a:t>
             </a:fld>
             <a:endParaRPr lang="ko-KR" altLang="en-US"/>
           </a:p>
@@ -686,7 +688,7 @@
             <a:fld id="{3A302466-FE76-40E8-BE5D-598A609EDD2B}" type="datetimeFigureOut">
               <a:rPr lang="ko-KR" altLang="en-US" smtClean="0"/>
               <a:pPr/>
-              <a:t>2024-08-21</a:t>
+              <a:t>2024-09-08</a:t>
             </a:fld>
             <a:endParaRPr lang="ko-KR" altLang="en-US"/>
           </a:p>
@@ -858,7 +860,7 @@
             <a:fld id="{3A302466-FE76-40E8-BE5D-598A609EDD2B}" type="datetimeFigureOut">
               <a:rPr lang="ko-KR" altLang="en-US" smtClean="0"/>
               <a:pPr/>
-              <a:t>2024-08-21</a:t>
+              <a:t>2024-09-08</a:t>
             </a:fld>
             <a:endParaRPr lang="ko-KR" altLang="en-US"/>
           </a:p>
@@ -1040,7 +1042,7 @@
             <a:fld id="{3A302466-FE76-40E8-BE5D-598A609EDD2B}" type="datetimeFigureOut">
               <a:rPr lang="ko-KR" altLang="en-US" smtClean="0"/>
               <a:pPr/>
-              <a:t>2024-08-21</a:t>
+              <a:t>2024-09-08</a:t>
             </a:fld>
             <a:endParaRPr lang="ko-KR" altLang="en-US"/>
           </a:p>
@@ -1212,7 +1214,7 @@
             <a:fld id="{3A302466-FE76-40E8-BE5D-598A609EDD2B}" type="datetimeFigureOut">
               <a:rPr lang="ko-KR" altLang="en-US" smtClean="0"/>
               <a:pPr/>
-              <a:t>2024-08-21</a:t>
+              <a:t>2024-09-08</a:t>
             </a:fld>
             <a:endParaRPr lang="ko-KR" altLang="en-US"/>
           </a:p>
@@ -1460,7 +1462,7 @@
             <a:fld id="{3A302466-FE76-40E8-BE5D-598A609EDD2B}" type="datetimeFigureOut">
               <a:rPr lang="ko-KR" altLang="en-US" smtClean="0"/>
               <a:pPr/>
-              <a:t>2024-08-21</a:t>
+              <a:t>2024-09-08</a:t>
             </a:fld>
             <a:endParaRPr lang="ko-KR" altLang="en-US"/>
           </a:p>
@@ -1750,7 +1752,7 @@
             <a:fld id="{3A302466-FE76-40E8-BE5D-598A609EDD2B}" type="datetimeFigureOut">
               <a:rPr lang="ko-KR" altLang="en-US" smtClean="0"/>
               <a:pPr/>
-              <a:t>2024-08-21</a:t>
+              <a:t>2024-09-08</a:t>
             </a:fld>
             <a:endParaRPr lang="ko-KR" altLang="en-US"/>
           </a:p>
@@ -2174,7 +2176,7 @@
             <a:fld id="{3A302466-FE76-40E8-BE5D-598A609EDD2B}" type="datetimeFigureOut">
               <a:rPr lang="ko-KR" altLang="en-US" smtClean="0"/>
               <a:pPr/>
-              <a:t>2024-08-21</a:t>
+              <a:t>2024-09-08</a:t>
             </a:fld>
             <a:endParaRPr lang="ko-KR" altLang="en-US"/>
           </a:p>
@@ -2294,7 +2296,7 @@
             <a:fld id="{3A302466-FE76-40E8-BE5D-598A609EDD2B}" type="datetimeFigureOut">
               <a:rPr lang="ko-KR" altLang="en-US" smtClean="0"/>
               <a:pPr/>
-              <a:t>2024-08-21</a:t>
+              <a:t>2024-09-08</a:t>
             </a:fld>
             <a:endParaRPr lang="ko-KR" altLang="en-US"/>
           </a:p>
@@ -2391,7 +2393,7 @@
             <a:fld id="{3A302466-FE76-40E8-BE5D-598A609EDD2B}" type="datetimeFigureOut">
               <a:rPr lang="ko-KR" altLang="en-US" smtClean="0"/>
               <a:pPr/>
-              <a:t>2024-08-21</a:t>
+              <a:t>2024-09-08</a:t>
             </a:fld>
             <a:endParaRPr lang="ko-KR" altLang="en-US"/>
           </a:p>
@@ -2670,7 +2672,7 @@
             <a:fld id="{3A302466-FE76-40E8-BE5D-598A609EDD2B}" type="datetimeFigureOut">
               <a:rPr lang="ko-KR" altLang="en-US" smtClean="0"/>
               <a:pPr/>
-              <a:t>2024-08-21</a:t>
+              <a:t>2024-09-08</a:t>
             </a:fld>
             <a:endParaRPr lang="ko-KR" altLang="en-US"/>
           </a:p>
@@ -2925,7 +2927,7 @@
             <a:fld id="{3A302466-FE76-40E8-BE5D-598A609EDD2B}" type="datetimeFigureOut">
               <a:rPr lang="ko-KR" altLang="en-US" smtClean="0"/>
               <a:pPr/>
-              <a:t>2024-08-21</a:t>
+              <a:t>2024-09-08</a:t>
             </a:fld>
             <a:endParaRPr lang="ko-KR" altLang="en-US"/>
           </a:p>
@@ -3140,7 +3142,7 @@
             <a:fld id="{3A302466-FE76-40E8-BE5D-598A609EDD2B}" type="datetimeFigureOut">
               <a:rPr lang="ko-KR" altLang="en-US" smtClean="0"/>
               <a:pPr/>
-              <a:t>2024-08-21</a:t>
+              <a:t>2024-09-08</a:t>
             </a:fld>
             <a:endParaRPr lang="ko-KR" altLang="en-US"/>
           </a:p>
@@ -3650,47 +3652,8 @@
                 <a:ea typeface="HY헤드라인M" pitchFamily="18" charset="-127"/>
                 <a:cs typeface="Segoe UI Black" pitchFamily="34" charset="0"/>
               </a:rPr>
-              <a:t>Chapter </a:t>
-            </a:r>
-            <a:r>
-              <a:rPr lang="en-US" altLang="ko-KR" sz="3200" b="1" dirty="0" smtClean="0">
-                <a:ln>
-                  <a:solidFill>
-                    <a:schemeClr val="bg1">
-                      <a:lumMod val="85000"/>
-                      <a:alpha val="30000"/>
-                    </a:schemeClr>
-                  </a:solidFill>
-                </a:ln>
-                <a:solidFill>
-                  <a:schemeClr val="bg1">
-                    <a:lumMod val="95000"/>
-                  </a:schemeClr>
-                </a:solidFill>
-                <a:latin typeface="HY헤드라인M" pitchFamily="18" charset="-127"/>
-                <a:ea typeface="HY헤드라인M" pitchFamily="18" charset="-127"/>
-                <a:cs typeface="Segoe UI Black" pitchFamily="34" charset="0"/>
-              </a:rPr>
-              <a:t>5</a:t>
-            </a:r>
-            <a:endParaRPr lang="en-US" altLang="ko-KR" sz="3200" b="1" dirty="0" smtClean="0">
-              <a:ln>
-                <a:solidFill>
-                  <a:schemeClr val="bg1">
-                    <a:lumMod val="85000"/>
-                    <a:alpha val="30000"/>
-                  </a:schemeClr>
-                </a:solidFill>
-              </a:ln>
-              <a:solidFill>
-                <a:schemeClr val="bg1">
-                  <a:lumMod val="95000"/>
-                </a:schemeClr>
-              </a:solidFill>
-              <a:latin typeface="HY헤드라인M" pitchFamily="18" charset="-127"/>
-              <a:ea typeface="HY헤드라인M" pitchFamily="18" charset="-127"/>
-              <a:cs typeface="Segoe UI Black" pitchFamily="34" charset="0"/>
-            </a:endParaRPr>
+              <a:t>Chapter 5</a:t>
+            </a:r>
           </a:p>
         </p:txBody>
       </p:sp>
@@ -3958,10 +3921,23 @@
                 <a:latin typeface="HY견고딕" pitchFamily="18" charset="-127"/>
                 <a:ea typeface="HY견고딕" pitchFamily="18" charset="-127"/>
               </a:rPr>
-              <a:t>기본 </a:t>
-            </a:r>
-            <a:r>
-              <a:rPr lang="ko-KR" altLang="en-US" sz="2000" dirty="0" smtClean="0">
+              <a:t>기본 연산자들</a:t>
+            </a:r>
+            <a:endParaRPr lang="en-US" altLang="ko-KR" sz="2000" dirty="0" smtClean="0">
+              <a:ln>
+                <a:solidFill>
+                  <a:schemeClr val="tx1">
+                    <a:alpha val="30000"/>
+                  </a:schemeClr>
+                </a:solidFill>
+              </a:ln>
+              <a:latin typeface="HY견고딕" pitchFamily="18" charset="-127"/>
+              <a:ea typeface="HY견고딕" pitchFamily="18" charset="-127"/>
+            </a:endParaRPr>
+          </a:p>
+          <a:p>
+            <a:r>
+              <a:rPr lang="en-US" altLang="ko-KR" sz="1400" dirty="0">
                 <a:ln>
                   <a:solidFill>
                     <a:schemeClr val="tx1">
@@ -3969,26 +3945,13 @@
                     </a:schemeClr>
                   </a:solidFill>
                 </a:ln>
-                <a:latin typeface="HY견고딕" pitchFamily="18" charset="-127"/>
-                <a:ea typeface="HY견고딕" pitchFamily="18" charset="-127"/>
-              </a:rPr>
-              <a:t>연산자들</a:t>
-            </a:r>
-            <a:endParaRPr lang="en-US" altLang="ko-KR" sz="2000" dirty="0" smtClean="0">
-              <a:ln>
-                <a:solidFill>
-                  <a:schemeClr val="tx1">
-                    <a:alpha val="30000"/>
-                  </a:schemeClr>
-                </a:solidFill>
-              </a:ln>
-              <a:latin typeface="HY견고딕" pitchFamily="18" charset="-127"/>
-              <a:ea typeface="HY견고딕" pitchFamily="18" charset="-127"/>
-            </a:endParaRPr>
-          </a:p>
-          <a:p>
-            <a:r>
-              <a:rPr lang="en-US" altLang="ko-KR" sz="1400" dirty="0">
+                <a:latin typeface="HY중고딕" pitchFamily="18" charset="-127"/>
+                <a:ea typeface="HY중고딕" pitchFamily="18" charset="-127"/>
+              </a:rPr>
+              <a:t>	</a:t>
+            </a:r>
+            <a:r>
+              <a:rPr lang="en-US" altLang="ko-KR" sz="1400" dirty="0" smtClean="0">
                 <a:ln>
                   <a:solidFill>
                     <a:schemeClr val="tx1">
@@ -3999,10 +3962,10 @@
                 <a:latin typeface="HY중고딕" pitchFamily="18" charset="-127"/>
                 <a:ea typeface="HY중고딕" pitchFamily="18" charset="-127"/>
               </a:rPr>
-              <a:t>	</a:t>
-            </a:r>
-            <a:r>
-              <a:rPr lang="en-US" altLang="ko-KR" sz="1400" dirty="0" smtClean="0">
+              <a:t>Class</a:t>
+            </a:r>
+            <a:r>
+              <a:rPr lang="ko-KR" altLang="en-US" sz="1400" dirty="0" smtClean="0">
                 <a:ln>
                   <a:solidFill>
                     <a:schemeClr val="tx1">
@@ -4013,10 +3976,10 @@
                 <a:latin typeface="HY중고딕" pitchFamily="18" charset="-127"/>
                 <a:ea typeface="HY중고딕" pitchFamily="18" charset="-127"/>
               </a:rPr>
-              <a:t>Class</a:t>
-            </a:r>
-            <a:r>
-              <a:rPr lang="ko-KR" altLang="en-US" sz="1400" dirty="0" smtClean="0">
+              <a:t>에는 컴파일 시점에서 자동으로 만들어주는 </a:t>
+            </a:r>
+            <a:r>
+              <a:rPr lang="en-US" altLang="ko-KR" sz="1400" b="1" dirty="0" smtClean="0">
                 <a:ln>
                   <a:solidFill>
                     <a:schemeClr val="tx1">
@@ -4024,13 +3987,16 @@
                     </a:schemeClr>
                   </a:solidFill>
                 </a:ln>
+                <a:solidFill>
+                  <a:schemeClr val="tx2"/>
+                </a:solidFill>
                 <a:latin typeface="HY중고딕" pitchFamily="18" charset="-127"/>
                 <a:ea typeface="HY중고딕" pitchFamily="18" charset="-127"/>
               </a:rPr>
-              <a:t>에는 컴파일 시점에서 자동으로 만들어주는 </a:t>
-            </a:r>
-            <a:r>
-              <a:rPr lang="en-US" altLang="ko-KR" sz="1400" b="1" dirty="0" smtClean="0">
+              <a:t>6</a:t>
+            </a:r>
+            <a:r>
+              <a:rPr lang="ko-KR" altLang="en-US" sz="1400" b="1" dirty="0" smtClean="0">
                 <a:ln>
                   <a:solidFill>
                     <a:schemeClr val="tx1">
@@ -4044,10 +4010,10 @@
                 <a:latin typeface="HY중고딕" pitchFamily="18" charset="-127"/>
                 <a:ea typeface="HY중고딕" pitchFamily="18" charset="-127"/>
               </a:rPr>
-              <a:t>6</a:t>
-            </a:r>
-            <a:r>
-              <a:rPr lang="ko-KR" altLang="en-US" sz="1400" b="1" dirty="0" smtClean="0">
+              <a:t>대 연산자</a:t>
+            </a:r>
+            <a:r>
+              <a:rPr lang="ko-KR" altLang="en-US" sz="1400" dirty="0" smtClean="0">
                 <a:ln>
                   <a:solidFill>
                     <a:schemeClr val="tx1">
@@ -4055,16 +4021,13 @@
                     </a:schemeClr>
                   </a:solidFill>
                 </a:ln>
-                <a:solidFill>
-                  <a:schemeClr val="tx2"/>
-                </a:solidFill>
                 <a:latin typeface="HY중고딕" pitchFamily="18" charset="-127"/>
                 <a:ea typeface="HY중고딕" pitchFamily="18" charset="-127"/>
               </a:rPr>
-              <a:t>대 연산자</a:t>
-            </a:r>
-            <a:r>
-              <a:rPr lang="ko-KR" altLang="en-US" sz="1400" dirty="0" smtClean="0">
+              <a:t>가 존재한다</a:t>
+            </a:r>
+            <a:r>
+              <a:rPr lang="en-US" altLang="ko-KR" sz="1400" dirty="0" smtClean="0">
                 <a:ln>
                   <a:solidFill>
                     <a:schemeClr val="tx1">
@@ -4075,10 +4038,12 @@
                 <a:latin typeface="HY중고딕" pitchFamily="18" charset="-127"/>
                 <a:ea typeface="HY중고딕" pitchFamily="18" charset="-127"/>
               </a:rPr>
-              <a:t>가 존재한다</a:t>
-            </a:r>
-            <a:r>
-              <a:rPr lang="en-US" altLang="ko-KR" sz="1400" dirty="0" smtClean="0">
+              <a:t>.</a:t>
+            </a:r>
+          </a:p>
+          <a:p>
+            <a:r>
+              <a:rPr lang="en-US" altLang="ko-KR" sz="1400" b="1" dirty="0">
                 <a:ln>
                   <a:solidFill>
                     <a:schemeClr val="tx1">
@@ -4089,12 +4054,10 @@
                 <a:latin typeface="HY중고딕" pitchFamily="18" charset="-127"/>
                 <a:ea typeface="HY중고딕" pitchFamily="18" charset="-127"/>
               </a:rPr>
-              <a:t>.</a:t>
-            </a:r>
-          </a:p>
-          <a:p>
-            <a:r>
-              <a:rPr lang="en-US" altLang="ko-KR" sz="1400" b="1" dirty="0">
+              <a:t>	</a:t>
+            </a:r>
+            <a:r>
+              <a:rPr lang="en-US" altLang="ko-KR" sz="1400" b="1" dirty="0" smtClean="0">
                 <a:ln>
                   <a:solidFill>
                     <a:schemeClr val="tx1">
@@ -4105,10 +4068,10 @@
                 <a:latin typeface="HY중고딕" pitchFamily="18" charset="-127"/>
                 <a:ea typeface="HY중고딕" pitchFamily="18" charset="-127"/>
               </a:rPr>
-              <a:t>	</a:t>
-            </a:r>
-            <a:r>
-              <a:rPr lang="en-US" altLang="ko-KR" sz="1400" b="1" dirty="0" smtClean="0">
+              <a:t>-</a:t>
+            </a:r>
+            <a:r>
+              <a:rPr lang="ko-KR" altLang="en-US" sz="1400" b="1" dirty="0" smtClean="0">
                 <a:ln>
                   <a:solidFill>
                     <a:schemeClr val="tx1">
@@ -4119,10 +4082,10 @@
                 <a:latin typeface="HY중고딕" pitchFamily="18" charset="-127"/>
                 <a:ea typeface="HY중고딕" pitchFamily="18" charset="-127"/>
               </a:rPr>
-              <a:t>-</a:t>
-            </a:r>
-            <a:r>
-              <a:rPr lang="ko-KR" altLang="en-US" sz="1400" b="1" dirty="0" smtClean="0">
+              <a:t>기본 </a:t>
+            </a:r>
+            <a:r>
+              <a:rPr lang="ko-KR" altLang="en-US" sz="1400" b="1" dirty="0" err="1" smtClean="0">
                 <a:ln>
                   <a:solidFill>
                     <a:schemeClr val="tx1">
@@ -4133,10 +4096,10 @@
                 <a:latin typeface="HY중고딕" pitchFamily="18" charset="-127"/>
                 <a:ea typeface="HY중고딕" pitchFamily="18" charset="-127"/>
               </a:rPr>
-              <a:t>기본 </a:t>
-            </a:r>
-            <a:r>
-              <a:rPr lang="ko-KR" altLang="en-US" sz="1400" b="1" dirty="0" err="1" smtClean="0">
+              <a:t>생성자</a:t>
+            </a:r>
+            <a:r>
+              <a:rPr lang="ko-KR" altLang="en-US" sz="1400" b="1" dirty="0" smtClean="0">
                 <a:ln>
                   <a:solidFill>
                     <a:schemeClr val="tx1">
@@ -4147,10 +4110,10 @@
                 <a:latin typeface="HY중고딕" pitchFamily="18" charset="-127"/>
                 <a:ea typeface="HY중고딕" pitchFamily="18" charset="-127"/>
               </a:rPr>
-              <a:t>생성자</a:t>
-            </a:r>
-            <a:r>
-              <a:rPr lang="ko-KR" altLang="en-US" sz="1400" b="1" dirty="0" smtClean="0">
+              <a:t> </a:t>
+            </a:r>
+            <a:r>
+              <a:rPr lang="en-US" altLang="ko-KR" sz="1400" b="1" dirty="0" smtClean="0">
                 <a:ln>
                   <a:solidFill>
                     <a:schemeClr val="tx1">
@@ -4161,10 +4124,12 @@
                 <a:latin typeface="HY중고딕" pitchFamily="18" charset="-127"/>
                 <a:ea typeface="HY중고딕" pitchFamily="18" charset="-127"/>
               </a:rPr>
-              <a:t> </a:t>
-            </a:r>
-            <a:r>
-              <a:rPr lang="en-US" altLang="ko-KR" sz="1400" b="1" dirty="0" smtClean="0">
+              <a:t>: T()</a:t>
+            </a:r>
+          </a:p>
+          <a:p>
+            <a:r>
+              <a:rPr lang="en-US" altLang="ko-KR" sz="1400" b="1" dirty="0">
                 <a:ln>
                   <a:solidFill>
                     <a:schemeClr val="tx1">
@@ -4175,12 +4140,10 @@
                 <a:latin typeface="HY중고딕" pitchFamily="18" charset="-127"/>
                 <a:ea typeface="HY중고딕" pitchFamily="18" charset="-127"/>
               </a:rPr>
-              <a:t>: T()</a:t>
-            </a:r>
-          </a:p>
-          <a:p>
-            <a:r>
-              <a:rPr lang="en-US" altLang="ko-KR" sz="1400" b="1" dirty="0">
+              <a:t>	</a:t>
+            </a:r>
+            <a:r>
+              <a:rPr lang="en-US" altLang="ko-KR" sz="1400" b="1" dirty="0" smtClean="0">
                 <a:ln>
                   <a:solidFill>
                     <a:schemeClr val="tx1">
@@ -4191,10 +4154,10 @@
                 <a:latin typeface="HY중고딕" pitchFamily="18" charset="-127"/>
                 <a:ea typeface="HY중고딕" pitchFamily="18" charset="-127"/>
               </a:rPr>
-              <a:t>	</a:t>
-            </a:r>
-            <a:r>
-              <a:rPr lang="en-US" altLang="ko-KR" sz="1400" b="1" dirty="0" smtClean="0">
+              <a:t>-</a:t>
+            </a:r>
+            <a:r>
+              <a:rPr lang="ko-KR" altLang="en-US" sz="1400" b="1" dirty="0" smtClean="0">
                 <a:ln>
                   <a:solidFill>
                     <a:schemeClr val="tx1">
@@ -4205,10 +4168,10 @@
                 <a:latin typeface="HY중고딕" pitchFamily="18" charset="-127"/>
                 <a:ea typeface="HY중고딕" pitchFamily="18" charset="-127"/>
               </a:rPr>
-              <a:t>-</a:t>
-            </a:r>
-            <a:r>
-              <a:rPr lang="ko-KR" altLang="en-US" sz="1400" b="1" dirty="0" smtClean="0">
+              <a:t>복사 </a:t>
+            </a:r>
+            <a:r>
+              <a:rPr lang="ko-KR" altLang="en-US" sz="1400" b="1" dirty="0" err="1" smtClean="0">
                 <a:ln>
                   <a:solidFill>
                     <a:schemeClr val="tx1">
@@ -4219,10 +4182,10 @@
                 <a:latin typeface="HY중고딕" pitchFamily="18" charset="-127"/>
                 <a:ea typeface="HY중고딕" pitchFamily="18" charset="-127"/>
               </a:rPr>
-              <a:t>복사 </a:t>
-            </a:r>
-            <a:r>
-              <a:rPr lang="ko-KR" altLang="en-US" sz="1400" b="1" dirty="0" err="1" smtClean="0">
+              <a:t>생성자</a:t>
+            </a:r>
+            <a:r>
+              <a:rPr lang="ko-KR" altLang="en-US" sz="1400" b="1" dirty="0" smtClean="0">
                 <a:ln>
                   <a:solidFill>
                     <a:schemeClr val="tx1">
@@ -4233,10 +4196,10 @@
                 <a:latin typeface="HY중고딕" pitchFamily="18" charset="-127"/>
                 <a:ea typeface="HY중고딕" pitchFamily="18" charset="-127"/>
               </a:rPr>
-              <a:t>생성자</a:t>
-            </a:r>
-            <a:r>
-              <a:rPr lang="ko-KR" altLang="en-US" sz="1400" b="1" dirty="0" smtClean="0">
+              <a:t> </a:t>
+            </a:r>
+            <a:r>
+              <a:rPr lang="en-US" altLang="ko-KR" sz="1400" b="1" dirty="0" smtClean="0">
                 <a:ln>
                   <a:solidFill>
                     <a:schemeClr val="tx1">
@@ -4247,35 +4210,7 @@
                 <a:latin typeface="HY중고딕" pitchFamily="18" charset="-127"/>
                 <a:ea typeface="HY중고딕" pitchFamily="18" charset="-127"/>
               </a:rPr>
-              <a:t> </a:t>
-            </a:r>
-            <a:r>
-              <a:rPr lang="en-US" altLang="ko-KR" sz="1400" b="1" dirty="0" smtClean="0">
-                <a:ln>
-                  <a:solidFill>
-                    <a:schemeClr val="tx1">
-                      <a:alpha val="30000"/>
-                    </a:schemeClr>
-                  </a:solidFill>
-                </a:ln>
-                <a:latin typeface="HY중고딕" pitchFamily="18" charset="-127"/>
-                <a:ea typeface="HY중고딕" pitchFamily="18" charset="-127"/>
-              </a:rPr>
-              <a:t>: </a:t>
-            </a:r>
-            <a:r>
-              <a:rPr lang="en-US" altLang="ko-KR" sz="1400" b="1" dirty="0" smtClean="0">
-                <a:ln>
-                  <a:solidFill>
-                    <a:schemeClr val="tx1">
-                      <a:alpha val="30000"/>
-                    </a:schemeClr>
-                  </a:solidFill>
-                </a:ln>
-                <a:latin typeface="HY중고딕" pitchFamily="18" charset="-127"/>
-                <a:ea typeface="HY중고딕" pitchFamily="18" charset="-127"/>
-              </a:rPr>
-              <a:t>T(</a:t>
+              <a:t>: T(</a:t>
             </a:r>
             <a:r>
               <a:rPr lang="en-US" altLang="ko-KR" sz="1400" b="1" dirty="0" err="1" smtClean="0">
@@ -5008,21 +4943,7 @@
                 <a:latin typeface="HY견고딕" pitchFamily="18" charset="-127"/>
                 <a:ea typeface="HY견고딕" pitchFamily="18" charset="-127"/>
               </a:rPr>
-              <a:t>기본 </a:t>
-            </a:r>
-            <a:r>
-              <a:rPr lang="ko-KR" altLang="en-US" sz="2000" dirty="0" smtClean="0">
-                <a:ln>
-                  <a:solidFill>
-                    <a:schemeClr val="tx1">
-                      <a:alpha val="30000"/>
-                    </a:schemeClr>
-                  </a:solidFill>
-                </a:ln>
-                <a:latin typeface="HY견고딕" pitchFamily="18" charset="-127"/>
-                <a:ea typeface="HY견고딕" pitchFamily="18" charset="-127"/>
-              </a:rPr>
-              <a:t>연산자를 하나라도 정의하거나 </a:t>
+              <a:t>기본 연산자를 하나라도 정의하거나 </a:t>
             </a:r>
             <a:r>
               <a:rPr lang="en-US" altLang="ko-KR" sz="2000" dirty="0" smtClean="0">
@@ -5581,21 +5502,7 @@
                 <a:latin typeface="HY견고딕" pitchFamily="18" charset="-127"/>
                 <a:ea typeface="HY견고딕" pitchFamily="18" charset="-127"/>
               </a:rPr>
-              <a:t>기본 </a:t>
-            </a:r>
-            <a:r>
-              <a:rPr lang="ko-KR" altLang="en-US" sz="2000" dirty="0" smtClean="0">
-                <a:ln>
-                  <a:solidFill>
-                    <a:schemeClr val="tx1">
-                      <a:alpha val="30000"/>
-                    </a:schemeClr>
-                  </a:solidFill>
-                </a:ln>
-                <a:latin typeface="HY견고딕" pitchFamily="18" charset="-127"/>
-                <a:ea typeface="HY견고딕" pitchFamily="18" charset="-127"/>
-              </a:rPr>
-              <a:t>연산자를 하나라도 정의하거나 </a:t>
+              <a:t>기본 연산자를 하나라도 정의하거나 </a:t>
             </a:r>
             <a:r>
               <a:rPr lang="en-US" altLang="ko-KR" sz="2000" dirty="0" smtClean="0">
@@ -12930,6 +12837,7572 @@
 </file>
 
 <file path=ppt/slides/slide6.xml><?xml version="1.0" encoding="utf-8"?>
+<p:sld xmlns:a="http://schemas.openxmlformats.org/drawingml/2006/main" xmlns:r="http://schemas.openxmlformats.org/officeDocument/2006/relationships" xmlns:p="http://schemas.openxmlformats.org/presentationml/2006/main">
+  <p:cSld>
+    <p:spTree>
+      <p:nvGrpSpPr>
+        <p:cNvPr id="1" name=""/>
+        <p:cNvGrpSpPr/>
+        <p:nvPr/>
+      </p:nvGrpSpPr>
+      <p:grpSpPr>
+        <a:xfrm>
+          <a:off x="0" y="0"/>
+          <a:ext cx="0" cy="0"/>
+          <a:chOff x="0" y="0"/>
+          <a:chExt cx="0" cy="0"/>
+        </a:xfrm>
+      </p:grpSpPr>
+      <p:cxnSp>
+        <p:nvCxnSpPr>
+          <p:cNvPr id="5" name="직선 연결선 4"/>
+          <p:cNvCxnSpPr/>
+          <p:nvPr/>
+        </p:nvCxnSpPr>
+        <p:spPr>
+          <a:xfrm flipH="1">
+            <a:off x="-252536" y="548680"/>
+            <a:ext cx="10240872" cy="0"/>
+          </a:xfrm>
+          <a:prstGeom prst="line">
+            <a:avLst/>
+          </a:prstGeom>
+          <a:ln>
+            <a:solidFill>
+              <a:schemeClr val="bg1">
+                <a:lumMod val="65000"/>
+                <a:alpha val="50000"/>
+              </a:schemeClr>
+            </a:solidFill>
+          </a:ln>
+        </p:spPr>
+        <p:style>
+          <a:lnRef idx="1">
+            <a:schemeClr val="accent1"/>
+          </a:lnRef>
+          <a:fillRef idx="0">
+            <a:schemeClr val="accent1"/>
+          </a:fillRef>
+          <a:effectRef idx="0">
+            <a:schemeClr val="accent1"/>
+          </a:effectRef>
+          <a:fontRef idx="minor">
+            <a:schemeClr val="tx1"/>
+          </a:fontRef>
+        </p:style>
+      </p:cxnSp>
+      <p:sp>
+        <p:nvSpPr>
+          <p:cNvPr id="21" name="TextBox 20"/>
+          <p:cNvSpPr txBox="1"/>
+          <p:nvPr/>
+        </p:nvSpPr>
+        <p:spPr>
+          <a:xfrm>
+            <a:off x="236725" y="56518"/>
+            <a:ext cx="1959011" cy="400110"/>
+          </a:xfrm>
+          <a:prstGeom prst="rect">
+            <a:avLst/>
+          </a:prstGeom>
+          <a:noFill/>
+        </p:spPr>
+        <p:txBody>
+          <a:bodyPr wrap="square" rtlCol="0">
+            <a:spAutoFit/>
+          </a:bodyPr>
+          <a:lstStyle/>
+          <a:p>
+            <a:pPr algn="ctr"/>
+            <a:r>
+              <a:rPr lang="en-US" altLang="ko-KR" sz="2000" b="1" dirty="0" smtClean="0">
+                <a:ln>
+                  <a:solidFill>
+                    <a:schemeClr val="tx1">
+                      <a:alpha val="30000"/>
+                    </a:schemeClr>
+                  </a:solidFill>
+                </a:ln>
+                <a:solidFill>
+                  <a:srgbClr val="272123"/>
+                </a:solidFill>
+                <a:latin typeface="HY강B" pitchFamily="18" charset="-127"/>
+                <a:ea typeface="HY강B" pitchFamily="18" charset="-127"/>
+              </a:rPr>
+              <a:t>explicit</a:t>
+            </a:r>
+            <a:endParaRPr lang="en-US" altLang="ko-KR" sz="2000" b="1" dirty="0" smtClean="0">
+              <a:ln>
+                <a:solidFill>
+                  <a:schemeClr val="tx1">
+                    <a:alpha val="30000"/>
+                  </a:schemeClr>
+                </a:solidFill>
+              </a:ln>
+              <a:solidFill>
+                <a:srgbClr val="272123"/>
+              </a:solidFill>
+              <a:latin typeface="HY강B" pitchFamily="18" charset="-127"/>
+              <a:ea typeface="HY강B" pitchFamily="18" charset="-127"/>
+            </a:endParaRPr>
+          </a:p>
+        </p:txBody>
+      </p:sp>
+      <p:sp>
+        <p:nvSpPr>
+          <p:cNvPr id="22" name="TextBox 21"/>
+          <p:cNvSpPr txBox="1"/>
+          <p:nvPr/>
+        </p:nvSpPr>
+        <p:spPr>
+          <a:xfrm>
+            <a:off x="467544" y="620688"/>
+            <a:ext cx="8640962" cy="1046440"/>
+          </a:xfrm>
+          <a:prstGeom prst="rect">
+            <a:avLst/>
+          </a:prstGeom>
+          <a:noFill/>
+        </p:spPr>
+        <p:txBody>
+          <a:bodyPr wrap="square" rtlCol="0">
+            <a:spAutoFit/>
+          </a:bodyPr>
+          <a:lstStyle/>
+          <a:p>
+            <a:pPr marL="285750" indent="-285750">
+              <a:buFont typeface="Arial" pitchFamily="34" charset="0"/>
+              <a:buChar char="•"/>
+            </a:pPr>
+            <a:r>
+              <a:rPr lang="en-US" altLang="ko-KR" sz="2000" dirty="0" smtClean="0">
+                <a:ln>
+                  <a:solidFill>
+                    <a:schemeClr val="tx1">
+                      <a:alpha val="30000"/>
+                    </a:schemeClr>
+                  </a:solidFill>
+                </a:ln>
+                <a:latin typeface="HY견고딕" pitchFamily="18" charset="-127"/>
+                <a:ea typeface="HY견고딕" pitchFamily="18" charset="-127"/>
+              </a:rPr>
+              <a:t>C.46 </a:t>
+            </a:r>
+            <a:r>
+              <a:rPr lang="ko-KR" altLang="en-US" sz="2000" dirty="0" smtClean="0">
+                <a:ln>
+                  <a:solidFill>
+                    <a:schemeClr val="tx1">
+                      <a:alpha val="30000"/>
+                    </a:schemeClr>
+                  </a:solidFill>
+                </a:ln>
+                <a:latin typeface="HY견고딕" pitchFamily="18" charset="-127"/>
+                <a:ea typeface="HY견고딕" pitchFamily="18" charset="-127"/>
+              </a:rPr>
+              <a:t>기본적으로</a:t>
+            </a:r>
+            <a:r>
+              <a:rPr lang="en-US" altLang="ko-KR" sz="2000" dirty="0" smtClean="0">
+                <a:ln>
+                  <a:solidFill>
+                    <a:schemeClr val="tx1">
+                      <a:alpha val="30000"/>
+                    </a:schemeClr>
+                  </a:solidFill>
+                </a:ln>
+                <a:latin typeface="HY견고딕" pitchFamily="18" charset="-127"/>
+                <a:ea typeface="HY견고딕" pitchFamily="18" charset="-127"/>
+              </a:rPr>
+              <a:t>, </a:t>
+            </a:r>
+            <a:r>
+              <a:rPr lang="ko-KR" altLang="en-US" sz="2000" dirty="0" smtClean="0">
+                <a:ln>
+                  <a:solidFill>
+                    <a:schemeClr val="tx1">
+                      <a:alpha val="30000"/>
+                    </a:schemeClr>
+                  </a:solidFill>
+                </a:ln>
+                <a:latin typeface="HY견고딕" pitchFamily="18" charset="-127"/>
+                <a:ea typeface="HY견고딕" pitchFamily="18" charset="-127"/>
+              </a:rPr>
+              <a:t>단일 인수 </a:t>
+            </a:r>
+            <a:r>
+              <a:rPr lang="ko-KR" altLang="en-US" sz="2000" dirty="0" err="1" smtClean="0">
+                <a:ln>
+                  <a:solidFill>
+                    <a:schemeClr val="tx1">
+                      <a:alpha val="30000"/>
+                    </a:schemeClr>
+                  </a:solidFill>
+                </a:ln>
+                <a:latin typeface="HY견고딕" pitchFamily="18" charset="-127"/>
+                <a:ea typeface="HY견고딕" pitchFamily="18" charset="-127"/>
+              </a:rPr>
+              <a:t>생성자는</a:t>
+            </a:r>
+            <a:r>
+              <a:rPr lang="ko-KR" altLang="en-US" sz="2000" dirty="0" smtClean="0">
+                <a:ln>
+                  <a:solidFill>
+                    <a:schemeClr val="tx1">
+                      <a:alpha val="30000"/>
+                    </a:schemeClr>
+                  </a:solidFill>
+                </a:ln>
+                <a:latin typeface="HY견고딕" pitchFamily="18" charset="-127"/>
+                <a:ea typeface="HY견고딕" pitchFamily="18" charset="-127"/>
+              </a:rPr>
+              <a:t> </a:t>
+            </a:r>
+            <a:r>
+              <a:rPr lang="en-US" altLang="ko-KR" sz="2000" dirty="0" smtClean="0">
+                <a:ln>
+                  <a:solidFill>
+                    <a:schemeClr val="tx1">
+                      <a:alpha val="30000"/>
+                    </a:schemeClr>
+                  </a:solidFill>
+                </a:ln>
+                <a:latin typeface="HY견고딕" pitchFamily="18" charset="-127"/>
+                <a:ea typeface="HY견고딕" pitchFamily="18" charset="-127"/>
+              </a:rPr>
+              <a:t>explicit</a:t>
+            </a:r>
+            <a:r>
+              <a:rPr lang="ko-KR" altLang="en-US" sz="2000" dirty="0" smtClean="0">
+                <a:ln>
+                  <a:solidFill>
+                    <a:schemeClr val="tx1">
+                      <a:alpha val="30000"/>
+                    </a:schemeClr>
+                  </a:solidFill>
+                </a:ln>
+                <a:latin typeface="HY견고딕" pitchFamily="18" charset="-127"/>
+                <a:ea typeface="HY견고딕" pitchFamily="18" charset="-127"/>
+              </a:rPr>
+              <a:t>으로 선언하라</a:t>
+            </a:r>
+            <a:r>
+              <a:rPr lang="en-US" altLang="ko-KR" sz="2000" dirty="0" smtClean="0">
+                <a:ln>
+                  <a:solidFill>
+                    <a:schemeClr val="tx1">
+                      <a:alpha val="30000"/>
+                    </a:schemeClr>
+                  </a:solidFill>
+                </a:ln>
+                <a:latin typeface="HY견고딕" pitchFamily="18" charset="-127"/>
+                <a:ea typeface="HY견고딕" pitchFamily="18" charset="-127"/>
+              </a:rPr>
+              <a:t>.</a:t>
+            </a:r>
+          </a:p>
+          <a:p>
+            <a:r>
+              <a:rPr lang="en-US" altLang="ko-KR" sz="1400" dirty="0">
+                <a:ln>
+                  <a:solidFill>
+                    <a:schemeClr val="tx1">
+                      <a:alpha val="30000"/>
+                    </a:schemeClr>
+                  </a:solidFill>
+                </a:ln>
+                <a:latin typeface="HY중고딕" pitchFamily="18" charset="-127"/>
+                <a:ea typeface="HY중고딕" pitchFamily="18" charset="-127"/>
+              </a:rPr>
+              <a:t>	</a:t>
+            </a:r>
+            <a:r>
+              <a:rPr lang="en-US" altLang="ko-KR" sz="1400" dirty="0" smtClean="0">
+                <a:ln>
+                  <a:solidFill>
+                    <a:schemeClr val="tx1">
+                      <a:alpha val="30000"/>
+                    </a:schemeClr>
+                  </a:solidFill>
+                </a:ln>
+                <a:latin typeface="HY중고딕" pitchFamily="18" charset="-127"/>
+                <a:ea typeface="HY중고딕" pitchFamily="18" charset="-127"/>
+              </a:rPr>
+              <a:t>class </a:t>
+            </a:r>
+            <a:r>
+              <a:rPr lang="ko-KR" altLang="en-US" sz="1400" dirty="0" smtClean="0">
+                <a:ln>
+                  <a:solidFill>
+                    <a:schemeClr val="tx1">
+                      <a:alpha val="30000"/>
+                    </a:schemeClr>
+                  </a:solidFill>
+                </a:ln>
+                <a:latin typeface="HY중고딕" pitchFamily="18" charset="-127"/>
+                <a:ea typeface="HY중고딕" pitchFamily="18" charset="-127"/>
+              </a:rPr>
+              <a:t>중 단일 인수를 가지는 생성자가 있을 경우 작성자의 의도와 관계없이 암시적 </a:t>
+            </a:r>
+            <a:r>
+              <a:rPr lang="ko-KR" altLang="en-US" sz="1400" dirty="0" err="1" smtClean="0">
+                <a:ln>
+                  <a:solidFill>
+                    <a:schemeClr val="tx1">
+                      <a:alpha val="30000"/>
+                    </a:schemeClr>
+                  </a:solidFill>
+                </a:ln>
+                <a:latin typeface="HY중고딕" pitchFamily="18" charset="-127"/>
+                <a:ea typeface="HY중고딕" pitchFamily="18" charset="-127"/>
+              </a:rPr>
+              <a:t>형변환이</a:t>
+            </a:r>
+            <a:r>
+              <a:rPr lang="ko-KR" altLang="en-US" sz="1400" dirty="0" smtClean="0">
+                <a:ln>
+                  <a:solidFill>
+                    <a:schemeClr val="tx1">
+                      <a:alpha val="30000"/>
+                    </a:schemeClr>
+                  </a:solidFill>
+                </a:ln>
+                <a:latin typeface="HY중고딕" pitchFamily="18" charset="-127"/>
+                <a:ea typeface="HY중고딕" pitchFamily="18" charset="-127"/>
+              </a:rPr>
+              <a:t> </a:t>
+            </a:r>
+            <a:r>
+              <a:rPr lang="en-US" altLang="ko-KR" sz="1400" dirty="0" smtClean="0">
+                <a:ln>
+                  <a:solidFill>
+                    <a:schemeClr val="tx1">
+                      <a:alpha val="30000"/>
+                    </a:schemeClr>
+                  </a:solidFill>
+                </a:ln>
+                <a:latin typeface="HY중고딕" pitchFamily="18" charset="-127"/>
+                <a:ea typeface="HY중고딕" pitchFamily="18" charset="-127"/>
+              </a:rPr>
+              <a:t>	</a:t>
+            </a:r>
+            <a:r>
+              <a:rPr lang="ko-KR" altLang="en-US" sz="1400" dirty="0" smtClean="0">
+                <a:ln>
+                  <a:solidFill>
+                    <a:schemeClr val="tx1">
+                      <a:alpha val="30000"/>
+                    </a:schemeClr>
+                  </a:solidFill>
+                </a:ln>
+                <a:latin typeface="HY중고딕" pitchFamily="18" charset="-127"/>
+                <a:ea typeface="HY중고딕" pitchFamily="18" charset="-127"/>
+              </a:rPr>
+              <a:t>일어날 가능성이 생긴다</a:t>
+            </a:r>
+            <a:r>
+              <a:rPr lang="en-US" altLang="ko-KR" sz="1400" dirty="0" smtClean="0">
+                <a:ln>
+                  <a:solidFill>
+                    <a:schemeClr val="tx1">
+                      <a:alpha val="30000"/>
+                    </a:schemeClr>
+                  </a:solidFill>
+                </a:ln>
+                <a:latin typeface="HY중고딕" pitchFamily="18" charset="-127"/>
+                <a:ea typeface="HY중고딕" pitchFamily="18" charset="-127"/>
+              </a:rPr>
+              <a:t>.</a:t>
+            </a:r>
+          </a:p>
+          <a:p>
+            <a:r>
+              <a:rPr lang="en-US" altLang="ko-KR" sz="1400" dirty="0">
+                <a:ln>
+                  <a:solidFill>
+                    <a:schemeClr val="tx1">
+                      <a:alpha val="30000"/>
+                    </a:schemeClr>
+                  </a:solidFill>
+                </a:ln>
+                <a:latin typeface="HY중고딕" pitchFamily="18" charset="-127"/>
+                <a:ea typeface="HY중고딕" pitchFamily="18" charset="-127"/>
+              </a:rPr>
+              <a:t>	</a:t>
+            </a:r>
+            <a:r>
+              <a:rPr lang="ko-KR" altLang="en-US" sz="1400" dirty="0" smtClean="0">
+                <a:ln>
+                  <a:solidFill>
+                    <a:schemeClr val="tx1">
+                      <a:alpha val="30000"/>
+                    </a:schemeClr>
+                  </a:solidFill>
+                </a:ln>
+                <a:latin typeface="HY중고딕" pitchFamily="18" charset="-127"/>
+                <a:ea typeface="HY중고딕" pitchFamily="18" charset="-127"/>
+              </a:rPr>
+              <a:t>그러므로 명시적인 코드 작성을 위해서 </a:t>
+            </a:r>
+            <a:r>
+              <a:rPr lang="en-US" altLang="ko-KR" sz="1400" dirty="0" smtClean="0">
+                <a:ln>
+                  <a:solidFill>
+                    <a:schemeClr val="tx1">
+                      <a:alpha val="30000"/>
+                    </a:schemeClr>
+                  </a:solidFill>
+                </a:ln>
+                <a:latin typeface="HY중고딕" pitchFamily="18" charset="-127"/>
+                <a:ea typeface="HY중고딕" pitchFamily="18" charset="-127"/>
+              </a:rPr>
+              <a:t>explicit</a:t>
+            </a:r>
+            <a:r>
+              <a:rPr lang="ko-KR" altLang="en-US" sz="1400" dirty="0" smtClean="0">
+                <a:ln>
+                  <a:solidFill>
+                    <a:schemeClr val="tx1">
+                      <a:alpha val="30000"/>
+                    </a:schemeClr>
+                  </a:solidFill>
+                </a:ln>
+                <a:latin typeface="HY중고딕" pitchFamily="18" charset="-127"/>
+                <a:ea typeface="HY중고딕" pitchFamily="18" charset="-127"/>
+              </a:rPr>
+              <a:t>으로 암시적 </a:t>
+            </a:r>
+            <a:r>
+              <a:rPr lang="ko-KR" altLang="en-US" sz="1400" dirty="0" err="1" smtClean="0">
+                <a:ln>
+                  <a:solidFill>
+                    <a:schemeClr val="tx1">
+                      <a:alpha val="30000"/>
+                    </a:schemeClr>
+                  </a:solidFill>
+                </a:ln>
+                <a:latin typeface="HY중고딕" pitchFamily="18" charset="-127"/>
+                <a:ea typeface="HY중고딕" pitchFamily="18" charset="-127"/>
+              </a:rPr>
+              <a:t>형변환의</a:t>
+            </a:r>
+            <a:r>
+              <a:rPr lang="ko-KR" altLang="en-US" sz="1400" dirty="0" smtClean="0">
+                <a:ln>
+                  <a:solidFill>
+                    <a:schemeClr val="tx1">
+                      <a:alpha val="30000"/>
+                    </a:schemeClr>
+                  </a:solidFill>
+                </a:ln>
+                <a:latin typeface="HY중고딕" pitchFamily="18" charset="-127"/>
+                <a:ea typeface="HY중고딕" pitchFamily="18" charset="-127"/>
+              </a:rPr>
+              <a:t> 가능성을 배제한다</a:t>
+            </a:r>
+            <a:r>
+              <a:rPr lang="en-US" altLang="ko-KR" sz="1400" dirty="0" smtClean="0">
+                <a:ln>
+                  <a:solidFill>
+                    <a:schemeClr val="tx1">
+                      <a:alpha val="30000"/>
+                    </a:schemeClr>
+                  </a:solidFill>
+                </a:ln>
+                <a:latin typeface="HY중고딕" pitchFamily="18" charset="-127"/>
+                <a:ea typeface="HY중고딕" pitchFamily="18" charset="-127"/>
+              </a:rPr>
+              <a:t>.</a:t>
+            </a:r>
+            <a:endParaRPr lang="en-US" altLang="ko-KR" dirty="0" smtClean="0">
+              <a:ln>
+                <a:solidFill>
+                  <a:schemeClr val="tx1">
+                    <a:alpha val="30000"/>
+                  </a:schemeClr>
+                </a:solidFill>
+              </a:ln>
+              <a:latin typeface="HY중고딕" pitchFamily="18" charset="-127"/>
+              <a:ea typeface="HY중고딕" pitchFamily="18" charset="-127"/>
+            </a:endParaRPr>
+          </a:p>
+        </p:txBody>
+      </p:sp>
+      <p:sp>
+        <p:nvSpPr>
+          <p:cNvPr id="3" name="Rectangle 1"/>
+          <p:cNvSpPr>
+            <a:spLocks noChangeArrowheads="1"/>
+          </p:cNvSpPr>
+          <p:nvPr/>
+        </p:nvSpPr>
+        <p:spPr bwMode="auto">
+          <a:xfrm>
+            <a:off x="1907660" y="1658119"/>
+            <a:ext cx="5472652" cy="5155257"/>
+          </a:xfrm>
+          <a:prstGeom prst="rect">
+            <a:avLst/>
+          </a:prstGeom>
+          <a:solidFill>
+            <a:srgbClr val="FFFFFF"/>
+          </a:solidFill>
+          <a:ln>
+            <a:noFill/>
+          </a:ln>
+          <a:effectLst/>
+          <a:extLst>
+            <a:ext uri="{91240B29-F687-4F45-9708-019B960494DF}">
+              <a14:hiddenLine xmlns:a14="http://schemas.microsoft.com/office/drawing/2010/main" w="9525">
+                <a:solidFill>
+                  <a:schemeClr val="tx1"/>
+                </a:solidFill>
+                <a:miter lim="800000"/>
+                <a:headEnd/>
+                <a:tailEnd/>
+              </a14:hiddenLine>
+            </a:ext>
+            <a:ext uri="{AF507438-7753-43E0-B8FC-AC1667EBCBE1}">
+              <a14:hiddenEffects xmlns:a14="http://schemas.microsoft.com/office/drawing/2010/main">
+                <a:effectLst>
+                  <a:outerShdw dist="35921" dir="2700000" algn="ctr" rotWithShape="0">
+                    <a:schemeClr val="bg2"/>
+                  </a:outerShdw>
+                </a:effectLst>
+              </a14:hiddenEffects>
+            </a:ext>
+          </a:extLst>
+        </p:spPr>
+        <p:txBody>
+          <a:bodyPr vert="horz" wrap="none" lIns="0" tIns="0" rIns="0" bIns="0" numCol="1" anchor="ctr" anchorCtr="0" compatLnSpc="1">
+            <a:prstTxWarp prst="textNoShape">
+              <a:avLst/>
+            </a:prstTxWarp>
+            <a:spAutoFit/>
+          </a:bodyPr>
+          <a:lstStyle/>
+          <a:p>
+            <a:pPr marL="0" marR="0" lvl="0" indent="0" algn="l" defTabSz="914400" rtl="0" eaLnBrk="1" fontAlgn="base" latinLnBrk="1" hangingPunct="1">
+              <a:lnSpc>
+                <a:spcPct val="100000"/>
+              </a:lnSpc>
+              <a:spcBef>
+                <a:spcPct val="0"/>
+              </a:spcBef>
+              <a:spcAft>
+                <a:spcPct val="0"/>
+              </a:spcAft>
+              <a:buClrTx/>
+              <a:buSzTx/>
+              <a:buFontTx/>
+              <a:buNone/>
+              <a:tabLst/>
+            </a:pPr>
+            <a:r>
+              <a:rPr kumimoji="1" lang="ko-KR" altLang="ko-KR" sz="670" b="1" i="0" u="none" strike="noStrike" cap="none" normalizeH="0" baseline="0" dirty="0" smtClean="0">
+                <a:ln>
+                  <a:noFill/>
+                </a:ln>
+                <a:solidFill>
+                  <a:srgbClr val="0086B3"/>
+                </a:solidFill>
+                <a:effectLst/>
+                <a:latin typeface="Consolas" pitchFamily="49" charset="0"/>
+                <a:ea typeface="굴림" pitchFamily="50" charset="-127"/>
+                <a:cs typeface="굴림" pitchFamily="50" charset="-127"/>
+              </a:rPr>
+              <a:t>#include</a:t>
+            </a:r>
+            <a:r>
+              <a:rPr kumimoji="1" lang="ko-KR" altLang="ko-KR" sz="670" b="1" i="0" u="none" strike="noStrike" cap="none" normalizeH="0" baseline="0" dirty="0" smtClean="0">
+                <a:ln>
+                  <a:noFill/>
+                </a:ln>
+                <a:solidFill>
+                  <a:srgbClr val="A71D5D"/>
+                </a:solidFill>
+                <a:effectLst/>
+                <a:latin typeface="Consolas" pitchFamily="49" charset="0"/>
+                <a:ea typeface="굴림" pitchFamily="50" charset="-127"/>
+                <a:cs typeface="굴림" pitchFamily="50" charset="-127"/>
+              </a:rPr>
+              <a:t>&lt;</a:t>
+            </a:r>
+            <a:r>
+              <a:rPr kumimoji="1" lang="ko-KR" altLang="ko-KR" sz="670" b="1" i="0" u="none" strike="noStrike" cap="none" normalizeH="0" baseline="0" dirty="0" smtClean="0">
+                <a:ln>
+                  <a:noFill/>
+                </a:ln>
+                <a:solidFill>
+                  <a:srgbClr val="010101"/>
+                </a:solidFill>
+                <a:effectLst/>
+                <a:latin typeface="Consolas" pitchFamily="49" charset="0"/>
+                <a:ea typeface="굴림" pitchFamily="50" charset="-127"/>
+                <a:cs typeface="굴림" pitchFamily="50" charset="-127"/>
+              </a:rPr>
+              <a:t>iostream</a:t>
+            </a:r>
+            <a:r>
+              <a:rPr kumimoji="1" lang="ko-KR" altLang="ko-KR" sz="670" b="1" i="0" u="none" strike="noStrike" cap="none" normalizeH="0" baseline="0" dirty="0" smtClean="0">
+                <a:ln>
+                  <a:noFill/>
+                </a:ln>
+                <a:solidFill>
+                  <a:srgbClr val="A71D5D"/>
+                </a:solidFill>
+                <a:effectLst/>
+                <a:latin typeface="Consolas" pitchFamily="49" charset="0"/>
+                <a:ea typeface="굴림" pitchFamily="50" charset="-127"/>
+                <a:cs typeface="굴림" pitchFamily="50" charset="-127"/>
+              </a:rPr>
+              <a:t>&gt;</a:t>
+            </a:r>
+            <a:endParaRPr kumimoji="1" lang="ko-KR" altLang="ko-KR" sz="670" b="1" i="0" u="none" strike="noStrike" cap="none" normalizeH="0" baseline="0" dirty="0" smtClean="0">
+              <a:ln>
+                <a:noFill/>
+              </a:ln>
+              <a:solidFill>
+                <a:srgbClr val="010101"/>
+              </a:solidFill>
+              <a:effectLst/>
+              <a:latin typeface="Consolas" pitchFamily="49" charset="0"/>
+              <a:ea typeface="굴림" pitchFamily="50" charset="-127"/>
+              <a:cs typeface="굴림" pitchFamily="50" charset="-127"/>
+            </a:endParaRPr>
+          </a:p>
+          <a:p>
+            <a:pPr marL="0" marR="0" lvl="0" indent="0" algn="l" defTabSz="914400" rtl="0" eaLnBrk="0" fontAlgn="base" latinLnBrk="0" hangingPunct="0">
+              <a:lnSpc>
+                <a:spcPct val="100000"/>
+              </a:lnSpc>
+              <a:spcBef>
+                <a:spcPct val="0"/>
+              </a:spcBef>
+              <a:spcAft>
+                <a:spcPct val="0"/>
+              </a:spcAft>
+              <a:buClrTx/>
+              <a:buSzTx/>
+              <a:buFontTx/>
+              <a:buNone/>
+              <a:tabLst/>
+            </a:pPr>
+            <a:r>
+              <a:rPr kumimoji="1" lang="ko-KR" altLang="ko-KR" sz="670" b="1" i="0" u="none" strike="noStrike" cap="none" normalizeH="0" baseline="0" dirty="0" smtClean="0">
+                <a:ln>
+                  <a:noFill/>
+                </a:ln>
+                <a:solidFill>
+                  <a:srgbClr val="0086B3"/>
+                </a:solidFill>
+                <a:effectLst/>
+                <a:latin typeface="Consolas" pitchFamily="49" charset="0"/>
+                <a:ea typeface="굴림" pitchFamily="50" charset="-127"/>
+                <a:cs typeface="굴림" pitchFamily="50" charset="-127"/>
+              </a:rPr>
+              <a:t>#include</a:t>
+            </a:r>
+            <a:r>
+              <a:rPr kumimoji="1" lang="ko-KR" altLang="ko-KR" sz="670" b="1" i="0" u="none" strike="noStrike" cap="none" normalizeH="0" baseline="0" dirty="0" smtClean="0">
+                <a:ln>
+                  <a:noFill/>
+                </a:ln>
+                <a:solidFill>
+                  <a:srgbClr val="A71D5D"/>
+                </a:solidFill>
+                <a:effectLst/>
+                <a:latin typeface="Consolas" pitchFamily="49" charset="0"/>
+                <a:ea typeface="굴림" pitchFamily="50" charset="-127"/>
+                <a:cs typeface="굴림" pitchFamily="50" charset="-127"/>
+              </a:rPr>
+              <a:t>&lt;</a:t>
+            </a:r>
+            <a:r>
+              <a:rPr kumimoji="1" lang="ko-KR" altLang="ko-KR" sz="670" b="1" i="0" u="none" strike="noStrike" cap="none" normalizeH="0" baseline="0" dirty="0" smtClean="0">
+                <a:ln>
+                  <a:noFill/>
+                </a:ln>
+                <a:solidFill>
+                  <a:srgbClr val="010101"/>
+                </a:solidFill>
+                <a:effectLst/>
+                <a:latin typeface="Consolas" pitchFamily="49" charset="0"/>
+                <a:ea typeface="굴림" pitchFamily="50" charset="-127"/>
+                <a:cs typeface="굴림" pitchFamily="50" charset="-127"/>
+              </a:rPr>
+              <a:t>iomanip</a:t>
+            </a:r>
+            <a:r>
+              <a:rPr kumimoji="1" lang="ko-KR" altLang="ko-KR" sz="670" b="1" i="0" u="none" strike="noStrike" cap="none" normalizeH="0" baseline="0" dirty="0" smtClean="0">
+                <a:ln>
+                  <a:noFill/>
+                </a:ln>
+                <a:solidFill>
+                  <a:srgbClr val="A71D5D"/>
+                </a:solidFill>
+                <a:effectLst/>
+                <a:latin typeface="Consolas" pitchFamily="49" charset="0"/>
+                <a:ea typeface="굴림" pitchFamily="50" charset="-127"/>
+                <a:cs typeface="굴림" pitchFamily="50" charset="-127"/>
+              </a:rPr>
+              <a:t>&gt;</a:t>
+            </a:r>
+            <a:endParaRPr kumimoji="1" lang="ko-KR" altLang="ko-KR" sz="670" b="1" i="0" u="none" strike="noStrike" cap="none" normalizeH="0" baseline="0" dirty="0" smtClean="0">
+              <a:ln>
+                <a:noFill/>
+              </a:ln>
+              <a:solidFill>
+                <a:srgbClr val="010101"/>
+              </a:solidFill>
+              <a:effectLst/>
+              <a:latin typeface="Consolas" pitchFamily="49" charset="0"/>
+              <a:ea typeface="굴림" pitchFamily="50" charset="-127"/>
+              <a:cs typeface="굴림" pitchFamily="50" charset="-127"/>
+            </a:endParaRPr>
+          </a:p>
+          <a:p>
+            <a:pPr marL="0" marR="0" lvl="0" indent="0" algn="l" defTabSz="914400" rtl="0" eaLnBrk="0" fontAlgn="base" latinLnBrk="0" hangingPunct="0">
+              <a:lnSpc>
+                <a:spcPct val="100000"/>
+              </a:lnSpc>
+              <a:spcBef>
+                <a:spcPct val="0"/>
+              </a:spcBef>
+              <a:spcAft>
+                <a:spcPct val="0"/>
+              </a:spcAft>
+              <a:buClrTx/>
+              <a:buSzTx/>
+              <a:buFontTx/>
+              <a:buNone/>
+              <a:tabLst/>
+            </a:pPr>
+            <a:r>
+              <a:rPr kumimoji="1" lang="ko-KR" altLang="ko-KR" sz="670" b="1" i="0" u="none" strike="noStrike" cap="none" normalizeH="0" baseline="0" dirty="0" smtClean="0">
+                <a:ln>
+                  <a:noFill/>
+                </a:ln>
+                <a:solidFill>
+                  <a:srgbClr val="0086B3"/>
+                </a:solidFill>
+                <a:effectLst/>
+                <a:latin typeface="Consolas" pitchFamily="49" charset="0"/>
+                <a:ea typeface="굴림" pitchFamily="50" charset="-127"/>
+                <a:cs typeface="굴림" pitchFamily="50" charset="-127"/>
+              </a:rPr>
+              <a:t>#include</a:t>
+            </a:r>
+            <a:r>
+              <a:rPr kumimoji="1" lang="ko-KR" altLang="ko-KR" sz="670" b="1" i="0" u="none" strike="noStrike" cap="none" normalizeH="0" baseline="0" dirty="0" smtClean="0">
+                <a:ln>
+                  <a:noFill/>
+                </a:ln>
+                <a:solidFill>
+                  <a:srgbClr val="A71D5D"/>
+                </a:solidFill>
+                <a:effectLst/>
+                <a:latin typeface="Consolas" pitchFamily="49" charset="0"/>
+                <a:ea typeface="굴림" pitchFamily="50" charset="-127"/>
+                <a:cs typeface="굴림" pitchFamily="50" charset="-127"/>
+              </a:rPr>
+              <a:t>&lt;</a:t>
+            </a:r>
+            <a:r>
+              <a:rPr kumimoji="1" lang="ko-KR" altLang="ko-KR" sz="670" b="1" i="0" u="none" strike="noStrike" cap="none" normalizeH="0" baseline="0" dirty="0" smtClean="0">
+                <a:ln>
+                  <a:noFill/>
+                </a:ln>
+                <a:solidFill>
+                  <a:srgbClr val="010101"/>
+                </a:solidFill>
+                <a:effectLst/>
+                <a:latin typeface="Consolas" pitchFamily="49" charset="0"/>
+                <a:ea typeface="굴림" pitchFamily="50" charset="-127"/>
+                <a:cs typeface="굴림" pitchFamily="50" charset="-127"/>
+              </a:rPr>
+              <a:t>ostream</a:t>
+            </a:r>
+            <a:r>
+              <a:rPr kumimoji="1" lang="ko-KR" altLang="ko-KR" sz="670" b="1" i="0" u="none" strike="noStrike" cap="none" normalizeH="0" baseline="0" dirty="0" smtClean="0">
+                <a:ln>
+                  <a:noFill/>
+                </a:ln>
+                <a:solidFill>
+                  <a:srgbClr val="A71D5D"/>
+                </a:solidFill>
+                <a:effectLst/>
+                <a:latin typeface="Consolas" pitchFamily="49" charset="0"/>
+                <a:ea typeface="굴림" pitchFamily="50" charset="-127"/>
+                <a:cs typeface="굴림" pitchFamily="50" charset="-127"/>
+              </a:rPr>
+              <a:t>&gt;</a:t>
+            </a:r>
+            <a:endParaRPr kumimoji="1" lang="ko-KR" altLang="ko-KR" sz="670" b="1" i="0" u="none" strike="noStrike" cap="none" normalizeH="0" baseline="0" dirty="0" smtClean="0">
+              <a:ln>
+                <a:noFill/>
+              </a:ln>
+              <a:solidFill>
+                <a:srgbClr val="010101"/>
+              </a:solidFill>
+              <a:effectLst/>
+              <a:latin typeface="Consolas" pitchFamily="49" charset="0"/>
+              <a:ea typeface="굴림" pitchFamily="50" charset="-127"/>
+              <a:cs typeface="굴림" pitchFamily="50" charset="-127"/>
+            </a:endParaRPr>
+          </a:p>
+          <a:p>
+            <a:pPr marL="0" marR="0" lvl="0" indent="0" algn="l" defTabSz="914400" rtl="0" eaLnBrk="0" fontAlgn="base" latinLnBrk="0" hangingPunct="0">
+              <a:lnSpc>
+                <a:spcPct val="100000"/>
+              </a:lnSpc>
+              <a:spcBef>
+                <a:spcPct val="0"/>
+              </a:spcBef>
+              <a:spcAft>
+                <a:spcPct val="0"/>
+              </a:spcAft>
+              <a:buClrTx/>
+              <a:buSzTx/>
+              <a:buFontTx/>
+              <a:buNone/>
+              <a:tabLst/>
+            </a:pPr>
+            <a:r>
+              <a:rPr kumimoji="1" lang="ko-KR" altLang="ko-KR" sz="670" b="1" i="0" u="none" strike="noStrike" cap="none" normalizeH="0" baseline="0" dirty="0" smtClean="0">
+                <a:ln>
+                  <a:noFill/>
+                </a:ln>
+                <a:solidFill>
+                  <a:srgbClr val="A71D5D"/>
+                </a:solidFill>
+                <a:effectLst/>
+                <a:latin typeface="Consolas" pitchFamily="49" charset="0"/>
+                <a:ea typeface="굴림" pitchFamily="50" charset="-127"/>
+                <a:cs typeface="굴림" pitchFamily="50" charset="-127"/>
+              </a:rPr>
+              <a:t>namespace</a:t>
+            </a:r>
+            <a:r>
+              <a:rPr kumimoji="1" lang="ko-KR" altLang="ko-KR" sz="670" b="1" i="0" u="none" strike="noStrike" cap="none" normalizeH="0" baseline="0" dirty="0" smtClean="0">
+                <a:ln>
+                  <a:noFill/>
+                </a:ln>
+                <a:solidFill>
+                  <a:srgbClr val="010101"/>
+                </a:solidFill>
+                <a:effectLst/>
+                <a:latin typeface="Consolas" pitchFamily="49" charset="0"/>
+                <a:ea typeface="굴림" pitchFamily="50" charset="-127"/>
+                <a:cs typeface="굴림" pitchFamily="50" charset="-127"/>
+              </a:rPr>
+              <a:t> Distance {</a:t>
+            </a:r>
+          </a:p>
+          <a:p>
+            <a:pPr marL="0" marR="0" lvl="0" indent="0" algn="l" defTabSz="914400" rtl="0" eaLnBrk="0" fontAlgn="base" latinLnBrk="0" hangingPunct="0">
+              <a:lnSpc>
+                <a:spcPct val="100000"/>
+              </a:lnSpc>
+              <a:spcBef>
+                <a:spcPct val="0"/>
+              </a:spcBef>
+              <a:spcAft>
+                <a:spcPct val="0"/>
+              </a:spcAft>
+              <a:buClrTx/>
+              <a:buSzTx/>
+              <a:buFontTx/>
+              <a:buNone/>
+              <a:tabLst/>
+            </a:pPr>
+            <a:r>
+              <a:rPr kumimoji="1" lang="en-US" altLang="ko-KR" sz="670" b="1" i="0" u="none" strike="noStrike" cap="none" normalizeH="0" baseline="0" dirty="0" smtClean="0">
+                <a:ln>
+                  <a:noFill/>
+                </a:ln>
+                <a:solidFill>
+                  <a:srgbClr val="A71D5D"/>
+                </a:solidFill>
+                <a:effectLst/>
+                <a:latin typeface="Consolas" pitchFamily="49" charset="0"/>
+                <a:ea typeface="굴림" pitchFamily="50" charset="-127"/>
+                <a:cs typeface="굴림" pitchFamily="50" charset="-127"/>
+              </a:rPr>
+              <a:t>	</a:t>
+            </a:r>
+            <a:r>
+              <a:rPr kumimoji="1" lang="ko-KR" altLang="ko-KR" sz="670" b="1" i="0" u="none" strike="noStrike" cap="none" normalizeH="0" baseline="0" dirty="0" smtClean="0">
+                <a:ln>
+                  <a:noFill/>
+                </a:ln>
+                <a:solidFill>
+                  <a:srgbClr val="A71D5D"/>
+                </a:solidFill>
+                <a:effectLst/>
+                <a:latin typeface="Consolas" pitchFamily="49" charset="0"/>
+                <a:ea typeface="굴림" pitchFamily="50" charset="-127"/>
+                <a:cs typeface="굴림" pitchFamily="50" charset="-127"/>
+              </a:rPr>
+              <a:t>class</a:t>
+            </a:r>
+            <a:r>
+              <a:rPr kumimoji="1" lang="ko-KR" altLang="ko-KR" sz="670" b="1" i="0" u="none" strike="noStrike" cap="none" normalizeH="0" baseline="0" dirty="0" smtClean="0">
+                <a:ln>
+                  <a:noFill/>
+                </a:ln>
+                <a:solidFill>
+                  <a:srgbClr val="010101"/>
+                </a:solidFill>
+                <a:effectLst/>
+                <a:latin typeface="Consolas" pitchFamily="49" charset="0"/>
+                <a:ea typeface="굴림" pitchFamily="50" charset="-127"/>
+                <a:cs typeface="굴림" pitchFamily="50" charset="-127"/>
+              </a:rPr>
+              <a:t> MyDistance {</a:t>
+            </a:r>
+          </a:p>
+          <a:p>
+            <a:pPr marL="0" marR="0" lvl="0" indent="0" algn="l" defTabSz="914400" rtl="0" eaLnBrk="0" fontAlgn="base" latinLnBrk="0" hangingPunct="0">
+              <a:lnSpc>
+                <a:spcPct val="100000"/>
+              </a:lnSpc>
+              <a:spcBef>
+                <a:spcPct val="0"/>
+              </a:spcBef>
+              <a:spcAft>
+                <a:spcPct val="0"/>
+              </a:spcAft>
+              <a:buClrTx/>
+              <a:buSzTx/>
+              <a:buFontTx/>
+              <a:buNone/>
+              <a:tabLst/>
+            </a:pPr>
+            <a:r>
+              <a:rPr kumimoji="1" lang="en-US" altLang="ko-KR" sz="670" b="1" i="0" u="none" strike="noStrike" cap="none" normalizeH="0" baseline="0" dirty="0" smtClean="0">
+                <a:ln>
+                  <a:noFill/>
+                </a:ln>
+                <a:solidFill>
+                  <a:srgbClr val="A71D5D"/>
+                </a:solidFill>
+                <a:effectLst/>
+                <a:latin typeface="Consolas" pitchFamily="49" charset="0"/>
+                <a:ea typeface="굴림" pitchFamily="50" charset="-127"/>
+                <a:cs typeface="굴림" pitchFamily="50" charset="-127"/>
+              </a:rPr>
+              <a:t>	</a:t>
+            </a:r>
+            <a:r>
+              <a:rPr kumimoji="1" lang="ko-KR" altLang="ko-KR" sz="670" b="1" i="0" u="none" strike="noStrike" cap="none" normalizeH="0" baseline="0" dirty="0" smtClean="0">
+                <a:ln>
+                  <a:noFill/>
+                </a:ln>
+                <a:solidFill>
+                  <a:srgbClr val="A71D5D"/>
+                </a:solidFill>
+                <a:effectLst/>
+                <a:latin typeface="Consolas" pitchFamily="49" charset="0"/>
+                <a:ea typeface="굴림" pitchFamily="50" charset="-127"/>
+                <a:cs typeface="굴림" pitchFamily="50" charset="-127"/>
+              </a:rPr>
+              <a:t>public</a:t>
+            </a:r>
+            <a:r>
+              <a:rPr kumimoji="1" lang="ko-KR" altLang="ko-KR" sz="670" b="1" i="0" u="none" strike="noStrike" cap="none" normalizeH="0" baseline="0" dirty="0" smtClean="0">
+                <a:ln>
+                  <a:noFill/>
+                </a:ln>
+                <a:solidFill>
+                  <a:srgbClr val="010101"/>
+                </a:solidFill>
+                <a:effectLst/>
+                <a:latin typeface="Consolas" pitchFamily="49" charset="0"/>
+                <a:ea typeface="굴림" pitchFamily="50" charset="-127"/>
+                <a:cs typeface="굴림" pitchFamily="50" charset="-127"/>
+              </a:rPr>
+              <a:t>:</a:t>
+            </a:r>
+          </a:p>
+          <a:p>
+            <a:pPr marL="0" marR="0" lvl="0" indent="0" algn="l" defTabSz="914400" rtl="0" eaLnBrk="0" fontAlgn="base" latinLnBrk="0" hangingPunct="0">
+              <a:lnSpc>
+                <a:spcPct val="100000"/>
+              </a:lnSpc>
+              <a:spcBef>
+                <a:spcPct val="0"/>
+              </a:spcBef>
+              <a:spcAft>
+                <a:spcPct val="0"/>
+              </a:spcAft>
+              <a:buClrTx/>
+              <a:buSzTx/>
+              <a:buFontTx/>
+              <a:buNone/>
+              <a:tabLst/>
+            </a:pPr>
+            <a:r>
+              <a:rPr kumimoji="1" lang="en-US" altLang="ko-KR" sz="670" b="1" i="0" u="none" strike="noStrike" cap="none" normalizeH="0" baseline="0" dirty="0" smtClean="0">
+                <a:ln>
+                  <a:noFill/>
+                </a:ln>
+                <a:solidFill>
+                  <a:srgbClr val="999999"/>
+                </a:solidFill>
+                <a:effectLst/>
+                <a:latin typeface="Consolas" pitchFamily="49" charset="0"/>
+                <a:ea typeface="굴림" pitchFamily="50" charset="-127"/>
+                <a:cs typeface="굴림" pitchFamily="50" charset="-127"/>
+              </a:rPr>
+              <a:t>	</a:t>
+            </a:r>
+            <a:r>
+              <a:rPr kumimoji="1" lang="ko-KR" altLang="ko-KR" sz="670" b="1" i="0" u="none" strike="noStrike" cap="none" normalizeH="0" baseline="0" dirty="0" smtClean="0">
+                <a:ln>
+                  <a:noFill/>
+                </a:ln>
+                <a:solidFill>
+                  <a:srgbClr val="999999"/>
+                </a:solidFill>
+                <a:effectLst/>
+                <a:latin typeface="Consolas" pitchFamily="49" charset="0"/>
+                <a:ea typeface="굴림" pitchFamily="50" charset="-127"/>
+                <a:cs typeface="굴림" pitchFamily="50" charset="-127"/>
+              </a:rPr>
+              <a:t>/*explicit*/</a:t>
+            </a:r>
+            <a:r>
+              <a:rPr kumimoji="1" lang="ko-KR" altLang="ko-KR" sz="670" b="1" i="0" u="none" strike="noStrike" cap="none" normalizeH="0" baseline="0" dirty="0" smtClean="0">
+                <a:ln>
+                  <a:noFill/>
+                </a:ln>
+                <a:solidFill>
+                  <a:srgbClr val="010101"/>
+                </a:solidFill>
+                <a:effectLst/>
+                <a:latin typeface="Consolas" pitchFamily="49" charset="0"/>
+                <a:ea typeface="굴림" pitchFamily="50" charset="-127"/>
+                <a:cs typeface="굴림" pitchFamily="50" charset="-127"/>
+              </a:rPr>
+              <a:t> MyDistance(</a:t>
+            </a:r>
+            <a:r>
+              <a:rPr kumimoji="1" lang="ko-KR" altLang="ko-KR" sz="670" b="1" i="0" u="none" strike="noStrike" cap="none" normalizeH="0" baseline="0" dirty="0" smtClean="0">
+                <a:ln>
+                  <a:noFill/>
+                </a:ln>
+                <a:solidFill>
+                  <a:srgbClr val="066DE2"/>
+                </a:solidFill>
+                <a:effectLst/>
+                <a:latin typeface="Consolas" pitchFamily="49" charset="0"/>
+                <a:ea typeface="굴림" pitchFamily="50" charset="-127"/>
+                <a:cs typeface="굴림" pitchFamily="50" charset="-127"/>
+              </a:rPr>
+              <a:t>double</a:t>
+            </a:r>
+            <a:r>
+              <a:rPr kumimoji="1" lang="ko-KR" altLang="ko-KR" sz="670" b="1" i="0" u="none" strike="noStrike" cap="none" normalizeH="0" baseline="0" dirty="0" smtClean="0">
+                <a:ln>
+                  <a:noFill/>
+                </a:ln>
+                <a:solidFill>
+                  <a:srgbClr val="010101"/>
+                </a:solidFill>
+                <a:effectLst/>
+                <a:latin typeface="Consolas" pitchFamily="49" charset="0"/>
+                <a:ea typeface="굴림" pitchFamily="50" charset="-127"/>
+                <a:cs typeface="굴림" pitchFamily="50" charset="-127"/>
+              </a:rPr>
+              <a:t> d) : m(d) {}</a:t>
+            </a:r>
+          </a:p>
+          <a:p>
+            <a:pPr marL="0" marR="0" lvl="0" indent="0" algn="l" defTabSz="914400" rtl="0" eaLnBrk="0" fontAlgn="base" latinLnBrk="0" hangingPunct="0">
+              <a:lnSpc>
+                <a:spcPct val="100000"/>
+              </a:lnSpc>
+              <a:spcBef>
+                <a:spcPct val="0"/>
+              </a:spcBef>
+              <a:spcAft>
+                <a:spcPct val="0"/>
+              </a:spcAft>
+              <a:buClrTx/>
+              <a:buSzTx/>
+              <a:buFontTx/>
+              <a:buNone/>
+              <a:tabLst/>
+            </a:pPr>
+            <a:r>
+              <a:rPr kumimoji="1" lang="en-US" altLang="ko-KR" sz="670" b="1" i="0" u="none" strike="noStrike" cap="none" normalizeH="0" baseline="0" dirty="0" smtClean="0">
+                <a:ln>
+                  <a:noFill/>
+                </a:ln>
+                <a:solidFill>
+                  <a:srgbClr val="A71D5D"/>
+                </a:solidFill>
+                <a:effectLst/>
+                <a:latin typeface="Consolas" pitchFamily="49" charset="0"/>
+                <a:ea typeface="굴림" pitchFamily="50" charset="-127"/>
+                <a:cs typeface="굴림" pitchFamily="50" charset="-127"/>
+              </a:rPr>
+              <a:t>		</a:t>
+            </a:r>
+            <a:r>
+              <a:rPr kumimoji="1" lang="ko-KR" altLang="ko-KR" sz="670" b="1" i="0" u="none" strike="noStrike" cap="none" normalizeH="0" baseline="0" dirty="0" smtClean="0">
+                <a:ln>
+                  <a:noFill/>
+                </a:ln>
+                <a:solidFill>
+                  <a:srgbClr val="A71D5D"/>
+                </a:solidFill>
+                <a:effectLst/>
+                <a:latin typeface="Consolas" pitchFamily="49" charset="0"/>
+                <a:ea typeface="굴림" pitchFamily="50" charset="-127"/>
+                <a:cs typeface="굴림" pitchFamily="50" charset="-127"/>
+              </a:rPr>
+              <a:t>friend</a:t>
+            </a:r>
+            <a:r>
+              <a:rPr kumimoji="1" lang="ko-KR" altLang="ko-KR" sz="670" b="1" i="0" u="none" strike="noStrike" cap="none" normalizeH="0" baseline="0" dirty="0" smtClean="0">
+                <a:ln>
+                  <a:noFill/>
+                </a:ln>
+                <a:solidFill>
+                  <a:srgbClr val="010101"/>
+                </a:solidFill>
+                <a:effectLst/>
+                <a:latin typeface="Consolas" pitchFamily="49" charset="0"/>
+                <a:ea typeface="굴림" pitchFamily="50" charset="-127"/>
+                <a:cs typeface="굴림" pitchFamily="50" charset="-127"/>
+              </a:rPr>
+              <a:t> MyDistance </a:t>
+            </a:r>
+            <a:r>
+              <a:rPr kumimoji="1" lang="ko-KR" altLang="ko-KR" sz="670" b="1" i="0" u="none" strike="noStrike" cap="none" normalizeH="0" baseline="0" dirty="0" smtClean="0">
+                <a:ln>
+                  <a:noFill/>
+                </a:ln>
+                <a:solidFill>
+                  <a:srgbClr val="A71D5D"/>
+                </a:solidFill>
+                <a:effectLst/>
+                <a:latin typeface="Consolas" pitchFamily="49" charset="0"/>
+                <a:ea typeface="굴림" pitchFamily="50" charset="-127"/>
+                <a:cs typeface="굴림" pitchFamily="50" charset="-127"/>
+              </a:rPr>
+              <a:t>operator</a:t>
+            </a:r>
+            <a:r>
+              <a:rPr kumimoji="1" lang="ko-KR" altLang="ko-KR" sz="670" b="1" i="0" u="none" strike="noStrike" cap="none" normalizeH="0" baseline="0" dirty="0" smtClean="0">
+                <a:ln>
+                  <a:noFill/>
+                </a:ln>
+                <a:solidFill>
+                  <a:srgbClr val="010101"/>
+                </a:solidFill>
+                <a:effectLst/>
+                <a:latin typeface="Consolas" pitchFamily="49" charset="0"/>
+                <a:ea typeface="굴림" pitchFamily="50" charset="-127"/>
+                <a:cs typeface="굴림" pitchFamily="50" charset="-127"/>
+              </a:rPr>
+              <a:t> </a:t>
+            </a:r>
+            <a:r>
+              <a:rPr kumimoji="1" lang="ko-KR" altLang="ko-KR" sz="670" b="1" i="0" u="none" strike="noStrike" cap="none" normalizeH="0" baseline="0" dirty="0" smtClean="0">
+                <a:ln>
+                  <a:noFill/>
+                </a:ln>
+                <a:solidFill>
+                  <a:srgbClr val="A71D5D"/>
+                </a:solidFill>
+                <a:effectLst/>
+                <a:latin typeface="Consolas" pitchFamily="49" charset="0"/>
+                <a:ea typeface="굴림" pitchFamily="50" charset="-127"/>
+                <a:cs typeface="굴림" pitchFamily="50" charset="-127"/>
+              </a:rPr>
+              <a:t>+</a:t>
+            </a:r>
+            <a:r>
+              <a:rPr kumimoji="1" lang="ko-KR" altLang="ko-KR" sz="670" b="1" i="0" u="none" strike="noStrike" cap="none" normalizeH="0" baseline="0" dirty="0" smtClean="0">
+                <a:ln>
+                  <a:noFill/>
+                </a:ln>
+                <a:solidFill>
+                  <a:srgbClr val="010101"/>
+                </a:solidFill>
+                <a:effectLst/>
+                <a:latin typeface="Consolas" pitchFamily="49" charset="0"/>
+                <a:ea typeface="굴림" pitchFamily="50" charset="-127"/>
+                <a:cs typeface="굴림" pitchFamily="50" charset="-127"/>
+              </a:rPr>
+              <a:t> (</a:t>
+            </a:r>
+            <a:r>
+              <a:rPr kumimoji="1" lang="ko-KR" altLang="ko-KR" sz="670" b="1" i="0" u="none" strike="noStrike" cap="none" normalizeH="0" baseline="0" dirty="0" smtClean="0">
+                <a:ln>
+                  <a:noFill/>
+                </a:ln>
+                <a:solidFill>
+                  <a:srgbClr val="A71D5D"/>
+                </a:solidFill>
+                <a:effectLst/>
+                <a:latin typeface="Consolas" pitchFamily="49" charset="0"/>
+                <a:ea typeface="굴림" pitchFamily="50" charset="-127"/>
+                <a:cs typeface="굴림" pitchFamily="50" charset="-127"/>
+              </a:rPr>
+              <a:t>const</a:t>
+            </a:r>
+            <a:r>
+              <a:rPr kumimoji="1" lang="ko-KR" altLang="ko-KR" sz="670" b="1" i="0" u="none" strike="noStrike" cap="none" normalizeH="0" baseline="0" dirty="0" smtClean="0">
+                <a:ln>
+                  <a:noFill/>
+                </a:ln>
+                <a:solidFill>
+                  <a:srgbClr val="010101"/>
+                </a:solidFill>
+                <a:effectLst/>
+                <a:latin typeface="Consolas" pitchFamily="49" charset="0"/>
+                <a:ea typeface="굴림" pitchFamily="50" charset="-127"/>
+                <a:cs typeface="굴림" pitchFamily="50" charset="-127"/>
+              </a:rPr>
+              <a:t> MyDistance</a:t>
+            </a:r>
+            <a:r>
+              <a:rPr kumimoji="1" lang="ko-KR" altLang="ko-KR" sz="670" b="1" i="0" u="none" strike="noStrike" cap="none" normalizeH="0" baseline="0" dirty="0" smtClean="0">
+                <a:ln>
+                  <a:noFill/>
+                </a:ln>
+                <a:solidFill>
+                  <a:srgbClr val="A71D5D"/>
+                </a:solidFill>
+                <a:effectLst/>
+                <a:latin typeface="Consolas" pitchFamily="49" charset="0"/>
+                <a:ea typeface="굴림" pitchFamily="50" charset="-127"/>
+                <a:cs typeface="굴림" pitchFamily="50" charset="-127"/>
+              </a:rPr>
+              <a:t>&amp;</a:t>
+            </a:r>
+            <a:r>
+              <a:rPr kumimoji="1" lang="ko-KR" altLang="ko-KR" sz="670" b="1" i="0" u="none" strike="noStrike" cap="none" normalizeH="0" baseline="0" dirty="0" smtClean="0">
+                <a:ln>
+                  <a:noFill/>
+                </a:ln>
+                <a:solidFill>
+                  <a:srgbClr val="010101"/>
+                </a:solidFill>
+                <a:effectLst/>
+                <a:latin typeface="Consolas" pitchFamily="49" charset="0"/>
+                <a:ea typeface="굴림" pitchFamily="50" charset="-127"/>
+                <a:cs typeface="굴림" pitchFamily="50" charset="-127"/>
+              </a:rPr>
+              <a:t> a, </a:t>
+            </a:r>
+            <a:r>
+              <a:rPr kumimoji="1" lang="ko-KR" altLang="ko-KR" sz="670" b="1" i="0" u="none" strike="noStrike" cap="none" normalizeH="0" baseline="0" dirty="0" smtClean="0">
+                <a:ln>
+                  <a:noFill/>
+                </a:ln>
+                <a:solidFill>
+                  <a:srgbClr val="A71D5D"/>
+                </a:solidFill>
+                <a:effectLst/>
+                <a:latin typeface="Consolas" pitchFamily="49" charset="0"/>
+                <a:ea typeface="굴림" pitchFamily="50" charset="-127"/>
+                <a:cs typeface="굴림" pitchFamily="50" charset="-127"/>
+              </a:rPr>
+              <a:t>const</a:t>
+            </a:r>
+            <a:r>
+              <a:rPr kumimoji="1" lang="ko-KR" altLang="ko-KR" sz="670" b="1" i="0" u="none" strike="noStrike" cap="none" normalizeH="0" baseline="0" dirty="0" smtClean="0">
+                <a:ln>
+                  <a:noFill/>
+                </a:ln>
+                <a:solidFill>
+                  <a:srgbClr val="010101"/>
+                </a:solidFill>
+                <a:effectLst/>
+                <a:latin typeface="Consolas" pitchFamily="49" charset="0"/>
+                <a:ea typeface="굴림" pitchFamily="50" charset="-127"/>
+                <a:cs typeface="굴림" pitchFamily="50" charset="-127"/>
+              </a:rPr>
+              <a:t> MyDistance</a:t>
+            </a:r>
+            <a:r>
+              <a:rPr kumimoji="1" lang="ko-KR" altLang="ko-KR" sz="670" b="1" i="0" u="none" strike="noStrike" cap="none" normalizeH="0" baseline="0" dirty="0" smtClean="0">
+                <a:ln>
+                  <a:noFill/>
+                </a:ln>
+                <a:solidFill>
+                  <a:srgbClr val="A71D5D"/>
+                </a:solidFill>
+                <a:effectLst/>
+                <a:latin typeface="Consolas" pitchFamily="49" charset="0"/>
+                <a:ea typeface="굴림" pitchFamily="50" charset="-127"/>
+                <a:cs typeface="굴림" pitchFamily="50" charset="-127"/>
+              </a:rPr>
+              <a:t>&amp;</a:t>
+            </a:r>
+            <a:r>
+              <a:rPr kumimoji="1" lang="ko-KR" altLang="ko-KR" sz="670" b="1" i="0" u="none" strike="noStrike" cap="none" normalizeH="0" baseline="0" dirty="0" smtClean="0">
+                <a:ln>
+                  <a:noFill/>
+                </a:ln>
+                <a:solidFill>
+                  <a:srgbClr val="010101"/>
+                </a:solidFill>
+                <a:effectLst/>
+                <a:latin typeface="Consolas" pitchFamily="49" charset="0"/>
+                <a:ea typeface="굴림" pitchFamily="50" charset="-127"/>
+                <a:cs typeface="굴림" pitchFamily="50" charset="-127"/>
+              </a:rPr>
+              <a:t> b)</a:t>
+            </a:r>
+          </a:p>
+          <a:p>
+            <a:pPr marL="0" marR="0" lvl="0" indent="0" algn="l" defTabSz="914400" rtl="0" eaLnBrk="0" fontAlgn="base" latinLnBrk="0" hangingPunct="0">
+              <a:lnSpc>
+                <a:spcPct val="100000"/>
+              </a:lnSpc>
+              <a:spcBef>
+                <a:spcPct val="0"/>
+              </a:spcBef>
+              <a:spcAft>
+                <a:spcPct val="0"/>
+              </a:spcAft>
+              <a:buClrTx/>
+              <a:buSzTx/>
+              <a:buFontTx/>
+              <a:buNone/>
+              <a:tabLst/>
+            </a:pPr>
+            <a:r>
+              <a:rPr kumimoji="1" lang="en-US" altLang="ko-KR" sz="670" b="1" i="0" u="none" strike="noStrike" cap="none" normalizeH="0" baseline="0" dirty="0" smtClean="0">
+                <a:ln>
+                  <a:noFill/>
+                </a:ln>
+                <a:solidFill>
+                  <a:srgbClr val="010101"/>
+                </a:solidFill>
+                <a:effectLst/>
+                <a:latin typeface="Consolas" pitchFamily="49" charset="0"/>
+                <a:ea typeface="굴림" pitchFamily="50" charset="-127"/>
+                <a:cs typeface="굴림" pitchFamily="50" charset="-127"/>
+              </a:rPr>
+              <a:t>		</a:t>
+            </a:r>
+            <a:r>
+              <a:rPr kumimoji="1" lang="ko-KR" altLang="ko-KR" sz="670" b="1" i="0" u="none" strike="noStrike" cap="none" normalizeH="0" baseline="0" dirty="0" smtClean="0">
+                <a:ln>
+                  <a:noFill/>
+                </a:ln>
+                <a:solidFill>
+                  <a:srgbClr val="010101"/>
+                </a:solidFill>
+                <a:effectLst/>
+                <a:latin typeface="Consolas" pitchFamily="49" charset="0"/>
+                <a:ea typeface="굴림" pitchFamily="50" charset="-127"/>
+                <a:cs typeface="굴림" pitchFamily="50" charset="-127"/>
+              </a:rPr>
+              <a:t>{</a:t>
+            </a:r>
+          </a:p>
+          <a:p>
+            <a:pPr marL="0" marR="0" lvl="0" indent="0" algn="l" defTabSz="914400" rtl="0" eaLnBrk="0" fontAlgn="base" latinLnBrk="0" hangingPunct="0">
+              <a:lnSpc>
+                <a:spcPct val="100000"/>
+              </a:lnSpc>
+              <a:spcBef>
+                <a:spcPct val="0"/>
+              </a:spcBef>
+              <a:spcAft>
+                <a:spcPct val="0"/>
+              </a:spcAft>
+              <a:buClrTx/>
+              <a:buSzTx/>
+              <a:buFontTx/>
+              <a:buNone/>
+              <a:tabLst/>
+            </a:pPr>
+            <a:r>
+              <a:rPr kumimoji="1" lang="en-US" altLang="ko-KR" sz="670" b="1" i="0" u="none" strike="noStrike" cap="none" normalizeH="0" baseline="0" dirty="0" smtClean="0">
+                <a:ln>
+                  <a:noFill/>
+                </a:ln>
+                <a:solidFill>
+                  <a:srgbClr val="A71D5D"/>
+                </a:solidFill>
+                <a:effectLst/>
+                <a:latin typeface="Consolas" pitchFamily="49" charset="0"/>
+                <a:ea typeface="굴림" pitchFamily="50" charset="-127"/>
+                <a:cs typeface="굴림" pitchFamily="50" charset="-127"/>
+              </a:rPr>
+              <a:t>			</a:t>
+            </a:r>
+            <a:r>
+              <a:rPr kumimoji="1" lang="ko-KR" altLang="ko-KR" sz="670" b="1" i="0" u="none" strike="noStrike" cap="none" normalizeH="0" baseline="0" dirty="0" smtClean="0">
+                <a:ln>
+                  <a:noFill/>
+                </a:ln>
+                <a:solidFill>
+                  <a:srgbClr val="A71D5D"/>
+                </a:solidFill>
+                <a:effectLst/>
+                <a:latin typeface="Consolas" pitchFamily="49" charset="0"/>
+                <a:ea typeface="굴림" pitchFamily="50" charset="-127"/>
+                <a:cs typeface="굴림" pitchFamily="50" charset="-127"/>
+              </a:rPr>
+              <a:t>return</a:t>
+            </a:r>
+            <a:r>
+              <a:rPr kumimoji="1" lang="ko-KR" altLang="ko-KR" sz="670" b="1" i="0" u="none" strike="noStrike" cap="none" normalizeH="0" baseline="0" dirty="0" smtClean="0">
+                <a:ln>
+                  <a:noFill/>
+                </a:ln>
+                <a:solidFill>
+                  <a:srgbClr val="010101"/>
+                </a:solidFill>
+                <a:effectLst/>
+                <a:latin typeface="Consolas" pitchFamily="49" charset="0"/>
+                <a:ea typeface="굴림" pitchFamily="50" charset="-127"/>
+                <a:cs typeface="굴림" pitchFamily="50" charset="-127"/>
+              </a:rPr>
+              <a:t> MyDistance(a.m </a:t>
+            </a:r>
+            <a:r>
+              <a:rPr kumimoji="1" lang="ko-KR" altLang="ko-KR" sz="670" b="1" i="0" u="none" strike="noStrike" cap="none" normalizeH="0" baseline="0" dirty="0" smtClean="0">
+                <a:ln>
+                  <a:noFill/>
+                </a:ln>
+                <a:solidFill>
+                  <a:srgbClr val="A71D5D"/>
+                </a:solidFill>
+                <a:effectLst/>
+                <a:latin typeface="Consolas" pitchFamily="49" charset="0"/>
+                <a:ea typeface="굴림" pitchFamily="50" charset="-127"/>
+                <a:cs typeface="굴림" pitchFamily="50" charset="-127"/>
+              </a:rPr>
+              <a:t>+</a:t>
+            </a:r>
+            <a:r>
+              <a:rPr kumimoji="1" lang="ko-KR" altLang="ko-KR" sz="670" b="1" i="0" u="none" strike="noStrike" cap="none" normalizeH="0" baseline="0" dirty="0" smtClean="0">
+                <a:ln>
+                  <a:noFill/>
+                </a:ln>
+                <a:solidFill>
+                  <a:srgbClr val="010101"/>
+                </a:solidFill>
+                <a:effectLst/>
+                <a:latin typeface="Consolas" pitchFamily="49" charset="0"/>
+                <a:ea typeface="굴림" pitchFamily="50" charset="-127"/>
+                <a:cs typeface="굴림" pitchFamily="50" charset="-127"/>
+              </a:rPr>
+              <a:t> b.m);</a:t>
+            </a:r>
+          </a:p>
+          <a:p>
+            <a:pPr marL="0" marR="0" lvl="0" indent="0" algn="l" defTabSz="914400" rtl="0" eaLnBrk="0" fontAlgn="base" latinLnBrk="0" hangingPunct="0">
+              <a:lnSpc>
+                <a:spcPct val="100000"/>
+              </a:lnSpc>
+              <a:spcBef>
+                <a:spcPct val="0"/>
+              </a:spcBef>
+              <a:spcAft>
+                <a:spcPct val="0"/>
+              </a:spcAft>
+              <a:buClrTx/>
+              <a:buSzTx/>
+              <a:buFontTx/>
+              <a:buNone/>
+              <a:tabLst/>
+            </a:pPr>
+            <a:r>
+              <a:rPr kumimoji="1" lang="en-US" altLang="ko-KR" sz="670" b="1" i="0" u="none" strike="noStrike" cap="none" normalizeH="0" baseline="0" dirty="0" smtClean="0">
+                <a:ln>
+                  <a:noFill/>
+                </a:ln>
+                <a:solidFill>
+                  <a:srgbClr val="010101"/>
+                </a:solidFill>
+                <a:effectLst/>
+                <a:latin typeface="Consolas" pitchFamily="49" charset="0"/>
+                <a:ea typeface="굴림" pitchFamily="50" charset="-127"/>
+                <a:cs typeface="굴림" pitchFamily="50" charset="-127"/>
+              </a:rPr>
+              <a:t>		</a:t>
+            </a:r>
+            <a:r>
+              <a:rPr kumimoji="1" lang="ko-KR" altLang="ko-KR" sz="670" b="1" i="0" u="none" strike="noStrike" cap="none" normalizeH="0" baseline="0" dirty="0" smtClean="0">
+                <a:ln>
+                  <a:noFill/>
+                </a:ln>
+                <a:solidFill>
+                  <a:srgbClr val="010101"/>
+                </a:solidFill>
+                <a:effectLst/>
+                <a:latin typeface="Consolas" pitchFamily="49" charset="0"/>
+                <a:ea typeface="굴림" pitchFamily="50" charset="-127"/>
+                <a:cs typeface="굴림" pitchFamily="50" charset="-127"/>
+              </a:rPr>
+              <a:t>}</a:t>
+            </a:r>
+          </a:p>
+          <a:p>
+            <a:pPr marL="0" marR="0" lvl="0" indent="0" algn="l" defTabSz="914400" rtl="0" eaLnBrk="0" fontAlgn="base" latinLnBrk="0" hangingPunct="0">
+              <a:lnSpc>
+                <a:spcPct val="100000"/>
+              </a:lnSpc>
+              <a:spcBef>
+                <a:spcPct val="0"/>
+              </a:spcBef>
+              <a:spcAft>
+                <a:spcPct val="0"/>
+              </a:spcAft>
+              <a:buClrTx/>
+              <a:buSzTx/>
+              <a:buFontTx/>
+              <a:buNone/>
+              <a:tabLst/>
+            </a:pPr>
+            <a:r>
+              <a:rPr kumimoji="1" lang="en-US" altLang="ko-KR" sz="670" b="1" i="0" u="none" strike="noStrike" cap="none" normalizeH="0" baseline="0" dirty="0" smtClean="0">
+                <a:ln>
+                  <a:noFill/>
+                </a:ln>
+                <a:solidFill>
+                  <a:srgbClr val="A71D5D"/>
+                </a:solidFill>
+                <a:effectLst/>
+                <a:latin typeface="Consolas" pitchFamily="49" charset="0"/>
+                <a:ea typeface="굴림" pitchFamily="50" charset="-127"/>
+                <a:cs typeface="굴림" pitchFamily="50" charset="-127"/>
+              </a:rPr>
+              <a:t>		</a:t>
+            </a:r>
+            <a:r>
+              <a:rPr kumimoji="1" lang="ko-KR" altLang="ko-KR" sz="670" b="1" i="0" u="none" strike="noStrike" cap="none" normalizeH="0" baseline="0" dirty="0" smtClean="0">
+                <a:ln>
+                  <a:noFill/>
+                </a:ln>
+                <a:solidFill>
+                  <a:srgbClr val="A71D5D"/>
+                </a:solidFill>
+                <a:effectLst/>
+                <a:latin typeface="Consolas" pitchFamily="49" charset="0"/>
+                <a:ea typeface="굴림" pitchFamily="50" charset="-127"/>
+                <a:cs typeface="굴림" pitchFamily="50" charset="-127"/>
+              </a:rPr>
+              <a:t>friend</a:t>
+            </a:r>
+            <a:r>
+              <a:rPr kumimoji="1" lang="ko-KR" altLang="ko-KR" sz="670" b="1" i="0" u="none" strike="noStrike" cap="none" normalizeH="0" baseline="0" dirty="0" smtClean="0">
+                <a:ln>
+                  <a:noFill/>
+                </a:ln>
+                <a:solidFill>
+                  <a:srgbClr val="010101"/>
+                </a:solidFill>
+                <a:effectLst/>
+                <a:latin typeface="Consolas" pitchFamily="49" charset="0"/>
+                <a:ea typeface="굴림" pitchFamily="50" charset="-127"/>
+                <a:cs typeface="굴림" pitchFamily="50" charset="-127"/>
+              </a:rPr>
+              <a:t> </a:t>
+            </a:r>
+            <a:r>
+              <a:rPr kumimoji="1" lang="ko-KR" altLang="ko-KR" sz="670" b="1" i="0" u="none" strike="noStrike" cap="none" normalizeH="0" baseline="0" dirty="0" smtClean="0">
+                <a:ln>
+                  <a:noFill/>
+                </a:ln>
+                <a:solidFill>
+                  <a:srgbClr val="066DE2"/>
+                </a:solidFill>
+                <a:effectLst/>
+                <a:latin typeface="Consolas" pitchFamily="49" charset="0"/>
+                <a:ea typeface="굴림" pitchFamily="50" charset="-127"/>
+                <a:cs typeface="굴림" pitchFamily="50" charset="-127"/>
+              </a:rPr>
+              <a:t>std</a:t>
+            </a:r>
+            <a:r>
+              <a:rPr kumimoji="1" lang="ko-KR" altLang="ko-KR" sz="670" b="1" i="0" u="none" strike="noStrike" cap="none" normalizeH="0" baseline="0" dirty="0" smtClean="0">
+                <a:ln>
+                  <a:noFill/>
+                </a:ln>
+                <a:solidFill>
+                  <a:srgbClr val="010101"/>
+                </a:solidFill>
+                <a:effectLst/>
+                <a:latin typeface="Consolas" pitchFamily="49" charset="0"/>
+                <a:ea typeface="굴림" pitchFamily="50" charset="-127"/>
+                <a:cs typeface="굴림" pitchFamily="50" charset="-127"/>
+              </a:rPr>
+              <a:t>::ostream</a:t>
+            </a:r>
+            <a:r>
+              <a:rPr kumimoji="1" lang="ko-KR" altLang="ko-KR" sz="670" b="1" i="0" u="none" strike="noStrike" cap="none" normalizeH="0" baseline="0" dirty="0" smtClean="0">
+                <a:ln>
+                  <a:noFill/>
+                </a:ln>
+                <a:solidFill>
+                  <a:srgbClr val="A71D5D"/>
+                </a:solidFill>
+                <a:effectLst/>
+                <a:latin typeface="Consolas" pitchFamily="49" charset="0"/>
+                <a:ea typeface="굴림" pitchFamily="50" charset="-127"/>
+                <a:cs typeface="굴림" pitchFamily="50" charset="-127"/>
+              </a:rPr>
+              <a:t>&amp;</a:t>
+            </a:r>
+            <a:r>
+              <a:rPr kumimoji="1" lang="ko-KR" altLang="ko-KR" sz="670" b="1" i="0" u="none" strike="noStrike" cap="none" normalizeH="0" baseline="0" dirty="0" smtClean="0">
+                <a:ln>
+                  <a:noFill/>
+                </a:ln>
+                <a:solidFill>
+                  <a:srgbClr val="010101"/>
+                </a:solidFill>
+                <a:effectLst/>
+                <a:latin typeface="Consolas" pitchFamily="49" charset="0"/>
+                <a:ea typeface="굴림" pitchFamily="50" charset="-127"/>
+                <a:cs typeface="굴림" pitchFamily="50" charset="-127"/>
+              </a:rPr>
+              <a:t> </a:t>
+            </a:r>
+            <a:r>
+              <a:rPr kumimoji="1" lang="ko-KR" altLang="ko-KR" sz="670" b="1" i="0" u="none" strike="noStrike" cap="none" normalizeH="0" baseline="0" dirty="0" smtClean="0">
+                <a:ln>
+                  <a:noFill/>
+                </a:ln>
+                <a:solidFill>
+                  <a:srgbClr val="A71D5D"/>
+                </a:solidFill>
+                <a:effectLst/>
+                <a:latin typeface="Consolas" pitchFamily="49" charset="0"/>
+                <a:ea typeface="굴림" pitchFamily="50" charset="-127"/>
+                <a:cs typeface="굴림" pitchFamily="50" charset="-127"/>
+              </a:rPr>
+              <a:t>operator</a:t>
+            </a:r>
+            <a:r>
+              <a:rPr kumimoji="1" lang="ko-KR" altLang="ko-KR" sz="670" b="1" i="0" u="none" strike="noStrike" cap="none" normalizeH="0" baseline="0" dirty="0" smtClean="0">
+                <a:ln>
+                  <a:noFill/>
+                </a:ln>
+                <a:solidFill>
+                  <a:srgbClr val="010101"/>
+                </a:solidFill>
+                <a:effectLst/>
+                <a:latin typeface="Consolas" pitchFamily="49" charset="0"/>
+                <a:ea typeface="굴림" pitchFamily="50" charset="-127"/>
+                <a:cs typeface="굴림" pitchFamily="50" charset="-127"/>
+              </a:rPr>
+              <a:t> </a:t>
+            </a:r>
+            <a:r>
+              <a:rPr kumimoji="1" lang="ko-KR" altLang="ko-KR" sz="670" b="1" i="0" u="none" strike="noStrike" cap="none" normalizeH="0" baseline="0" dirty="0" smtClean="0">
+                <a:ln>
+                  <a:noFill/>
+                </a:ln>
+                <a:solidFill>
+                  <a:srgbClr val="A71D5D"/>
+                </a:solidFill>
+                <a:effectLst/>
+                <a:latin typeface="Consolas" pitchFamily="49" charset="0"/>
+                <a:ea typeface="굴림" pitchFamily="50" charset="-127"/>
+                <a:cs typeface="굴림" pitchFamily="50" charset="-127"/>
+              </a:rPr>
+              <a:t>&lt;&lt;</a:t>
+            </a:r>
+            <a:r>
+              <a:rPr kumimoji="1" lang="ko-KR" altLang="ko-KR" sz="670" b="1" i="0" u="none" strike="noStrike" cap="none" normalizeH="0" baseline="0" dirty="0" smtClean="0">
+                <a:ln>
+                  <a:noFill/>
+                </a:ln>
+                <a:solidFill>
+                  <a:srgbClr val="010101"/>
+                </a:solidFill>
+                <a:effectLst/>
+                <a:latin typeface="Consolas" pitchFamily="49" charset="0"/>
+                <a:ea typeface="굴림" pitchFamily="50" charset="-127"/>
+                <a:cs typeface="굴림" pitchFamily="50" charset="-127"/>
+              </a:rPr>
+              <a:t> (</a:t>
+            </a:r>
+            <a:r>
+              <a:rPr kumimoji="1" lang="ko-KR" altLang="ko-KR" sz="670" b="1" i="0" u="none" strike="noStrike" cap="none" normalizeH="0" baseline="0" dirty="0" smtClean="0">
+                <a:ln>
+                  <a:noFill/>
+                </a:ln>
+                <a:solidFill>
+                  <a:srgbClr val="066DE2"/>
+                </a:solidFill>
+                <a:effectLst/>
+                <a:latin typeface="Consolas" pitchFamily="49" charset="0"/>
+                <a:ea typeface="굴림" pitchFamily="50" charset="-127"/>
+                <a:cs typeface="굴림" pitchFamily="50" charset="-127"/>
+              </a:rPr>
+              <a:t>std</a:t>
+            </a:r>
+            <a:r>
+              <a:rPr kumimoji="1" lang="ko-KR" altLang="ko-KR" sz="670" b="1" i="0" u="none" strike="noStrike" cap="none" normalizeH="0" baseline="0" dirty="0" smtClean="0">
+                <a:ln>
+                  <a:noFill/>
+                </a:ln>
+                <a:solidFill>
+                  <a:srgbClr val="010101"/>
+                </a:solidFill>
+                <a:effectLst/>
+                <a:latin typeface="Consolas" pitchFamily="49" charset="0"/>
+                <a:ea typeface="굴림" pitchFamily="50" charset="-127"/>
+                <a:cs typeface="굴림" pitchFamily="50" charset="-127"/>
+              </a:rPr>
+              <a:t>::ostream</a:t>
+            </a:r>
+            <a:r>
+              <a:rPr kumimoji="1" lang="ko-KR" altLang="ko-KR" sz="670" b="1" i="0" u="none" strike="noStrike" cap="none" normalizeH="0" baseline="0" dirty="0" smtClean="0">
+                <a:ln>
+                  <a:noFill/>
+                </a:ln>
+                <a:solidFill>
+                  <a:srgbClr val="A71D5D"/>
+                </a:solidFill>
+                <a:effectLst/>
+                <a:latin typeface="Consolas" pitchFamily="49" charset="0"/>
+                <a:ea typeface="굴림" pitchFamily="50" charset="-127"/>
+                <a:cs typeface="굴림" pitchFamily="50" charset="-127"/>
+              </a:rPr>
+              <a:t>&amp;</a:t>
+            </a:r>
+            <a:r>
+              <a:rPr kumimoji="1" lang="ko-KR" altLang="ko-KR" sz="670" b="1" i="0" u="none" strike="noStrike" cap="none" normalizeH="0" baseline="0" dirty="0" smtClean="0">
+                <a:ln>
+                  <a:noFill/>
+                </a:ln>
+                <a:solidFill>
+                  <a:srgbClr val="010101"/>
+                </a:solidFill>
+                <a:effectLst/>
+                <a:latin typeface="Consolas" pitchFamily="49" charset="0"/>
+                <a:ea typeface="굴림" pitchFamily="50" charset="-127"/>
+                <a:cs typeface="굴림" pitchFamily="50" charset="-127"/>
+              </a:rPr>
+              <a:t> out, </a:t>
+            </a:r>
+            <a:r>
+              <a:rPr kumimoji="1" lang="ko-KR" altLang="ko-KR" sz="670" b="1" i="0" u="none" strike="noStrike" cap="none" normalizeH="0" baseline="0" dirty="0" smtClean="0">
+                <a:ln>
+                  <a:noFill/>
+                </a:ln>
+                <a:solidFill>
+                  <a:srgbClr val="A71D5D"/>
+                </a:solidFill>
+                <a:effectLst/>
+                <a:latin typeface="Consolas" pitchFamily="49" charset="0"/>
+                <a:ea typeface="굴림" pitchFamily="50" charset="-127"/>
+                <a:cs typeface="굴림" pitchFamily="50" charset="-127"/>
+              </a:rPr>
+              <a:t>const</a:t>
+            </a:r>
+            <a:r>
+              <a:rPr kumimoji="1" lang="ko-KR" altLang="ko-KR" sz="670" b="1" i="0" u="none" strike="noStrike" cap="none" normalizeH="0" baseline="0" dirty="0" smtClean="0">
+                <a:ln>
+                  <a:noFill/>
+                </a:ln>
+                <a:solidFill>
+                  <a:srgbClr val="010101"/>
+                </a:solidFill>
+                <a:effectLst/>
+                <a:latin typeface="Consolas" pitchFamily="49" charset="0"/>
+                <a:ea typeface="굴림" pitchFamily="50" charset="-127"/>
+                <a:cs typeface="굴림" pitchFamily="50" charset="-127"/>
+              </a:rPr>
+              <a:t> MyDistance</a:t>
+            </a:r>
+            <a:r>
+              <a:rPr kumimoji="1" lang="ko-KR" altLang="ko-KR" sz="670" b="1" i="0" u="none" strike="noStrike" cap="none" normalizeH="0" baseline="0" dirty="0" smtClean="0">
+                <a:ln>
+                  <a:noFill/>
+                </a:ln>
+                <a:solidFill>
+                  <a:srgbClr val="A71D5D"/>
+                </a:solidFill>
+                <a:effectLst/>
+                <a:latin typeface="Consolas" pitchFamily="49" charset="0"/>
+                <a:ea typeface="굴림" pitchFamily="50" charset="-127"/>
+                <a:cs typeface="굴림" pitchFamily="50" charset="-127"/>
+              </a:rPr>
+              <a:t>&amp;</a:t>
+            </a:r>
+            <a:r>
+              <a:rPr kumimoji="1" lang="ko-KR" altLang="ko-KR" sz="670" b="1" i="0" u="none" strike="noStrike" cap="none" normalizeH="0" baseline="0" dirty="0" smtClean="0">
+                <a:ln>
+                  <a:noFill/>
+                </a:ln>
+                <a:solidFill>
+                  <a:srgbClr val="010101"/>
+                </a:solidFill>
+                <a:effectLst/>
+                <a:latin typeface="Consolas" pitchFamily="49" charset="0"/>
+                <a:ea typeface="굴림" pitchFamily="50" charset="-127"/>
+                <a:cs typeface="굴림" pitchFamily="50" charset="-127"/>
+              </a:rPr>
+              <a:t> MyDist)</a:t>
+            </a:r>
+          </a:p>
+          <a:p>
+            <a:pPr marL="0" marR="0" lvl="0" indent="0" algn="l" defTabSz="914400" rtl="0" eaLnBrk="0" fontAlgn="base" latinLnBrk="0" hangingPunct="0">
+              <a:lnSpc>
+                <a:spcPct val="100000"/>
+              </a:lnSpc>
+              <a:spcBef>
+                <a:spcPct val="0"/>
+              </a:spcBef>
+              <a:spcAft>
+                <a:spcPct val="0"/>
+              </a:spcAft>
+              <a:buClrTx/>
+              <a:buSzTx/>
+              <a:buFontTx/>
+              <a:buNone/>
+              <a:tabLst/>
+            </a:pPr>
+            <a:r>
+              <a:rPr kumimoji="1" lang="en-US" altLang="ko-KR" sz="670" b="1" i="0" u="none" strike="noStrike" cap="none" normalizeH="0" baseline="0" dirty="0" smtClean="0">
+                <a:ln>
+                  <a:noFill/>
+                </a:ln>
+                <a:solidFill>
+                  <a:srgbClr val="010101"/>
+                </a:solidFill>
+                <a:effectLst/>
+                <a:latin typeface="Consolas" pitchFamily="49" charset="0"/>
+                <a:ea typeface="굴림" pitchFamily="50" charset="-127"/>
+                <a:cs typeface="굴림" pitchFamily="50" charset="-127"/>
+              </a:rPr>
+              <a:t>		</a:t>
+            </a:r>
+            <a:r>
+              <a:rPr kumimoji="1" lang="ko-KR" altLang="ko-KR" sz="670" b="1" i="0" u="none" strike="noStrike" cap="none" normalizeH="0" baseline="0" dirty="0" smtClean="0">
+                <a:ln>
+                  <a:noFill/>
+                </a:ln>
+                <a:solidFill>
+                  <a:srgbClr val="010101"/>
+                </a:solidFill>
+                <a:effectLst/>
+                <a:latin typeface="Consolas" pitchFamily="49" charset="0"/>
+                <a:ea typeface="굴림" pitchFamily="50" charset="-127"/>
+                <a:cs typeface="굴림" pitchFamily="50" charset="-127"/>
+              </a:rPr>
+              <a:t>{</a:t>
+            </a:r>
+          </a:p>
+          <a:p>
+            <a:pPr marL="0" marR="0" lvl="0" indent="0" algn="l" defTabSz="914400" rtl="0" eaLnBrk="0" fontAlgn="base" latinLnBrk="0" hangingPunct="0">
+              <a:lnSpc>
+                <a:spcPct val="100000"/>
+              </a:lnSpc>
+              <a:spcBef>
+                <a:spcPct val="0"/>
+              </a:spcBef>
+              <a:spcAft>
+                <a:spcPct val="0"/>
+              </a:spcAft>
+              <a:buClrTx/>
+              <a:buSzTx/>
+              <a:buFontTx/>
+              <a:buNone/>
+              <a:tabLst/>
+            </a:pPr>
+            <a:r>
+              <a:rPr kumimoji="1" lang="en-US" altLang="ko-KR" sz="670" b="1" i="0" u="none" strike="noStrike" cap="none" normalizeH="0" baseline="0" dirty="0" smtClean="0">
+                <a:ln>
+                  <a:noFill/>
+                </a:ln>
+                <a:solidFill>
+                  <a:srgbClr val="010101"/>
+                </a:solidFill>
+                <a:effectLst/>
+                <a:latin typeface="Consolas" pitchFamily="49" charset="0"/>
+                <a:ea typeface="굴림" pitchFamily="50" charset="-127"/>
+                <a:cs typeface="굴림" pitchFamily="50" charset="-127"/>
+              </a:rPr>
+              <a:t>			</a:t>
+            </a:r>
+            <a:r>
+              <a:rPr kumimoji="1" lang="ko-KR" altLang="ko-KR" sz="670" b="1" i="0" u="none" strike="noStrike" cap="none" normalizeH="0" baseline="0" dirty="0" smtClean="0">
+                <a:ln>
+                  <a:noFill/>
+                </a:ln>
+                <a:solidFill>
+                  <a:srgbClr val="010101"/>
+                </a:solidFill>
+                <a:effectLst/>
+                <a:latin typeface="Consolas" pitchFamily="49" charset="0"/>
+                <a:ea typeface="굴림" pitchFamily="50" charset="-127"/>
+                <a:cs typeface="굴림" pitchFamily="50" charset="-127"/>
+              </a:rPr>
+              <a:t>out </a:t>
+            </a:r>
+            <a:r>
+              <a:rPr kumimoji="1" lang="ko-KR" altLang="ko-KR" sz="670" b="1" i="0" u="none" strike="noStrike" cap="none" normalizeH="0" baseline="0" dirty="0" smtClean="0">
+                <a:ln>
+                  <a:noFill/>
+                </a:ln>
+                <a:solidFill>
+                  <a:srgbClr val="A71D5D"/>
+                </a:solidFill>
+                <a:effectLst/>
+                <a:latin typeface="Consolas" pitchFamily="49" charset="0"/>
+                <a:ea typeface="굴림" pitchFamily="50" charset="-127"/>
+                <a:cs typeface="굴림" pitchFamily="50" charset="-127"/>
+              </a:rPr>
+              <a:t>&lt;&lt;</a:t>
+            </a:r>
+            <a:r>
+              <a:rPr kumimoji="1" lang="ko-KR" altLang="ko-KR" sz="670" b="1" i="0" u="none" strike="noStrike" cap="none" normalizeH="0" baseline="0" dirty="0" smtClean="0">
+                <a:ln>
+                  <a:noFill/>
+                </a:ln>
+                <a:solidFill>
+                  <a:srgbClr val="010101"/>
+                </a:solidFill>
+                <a:effectLst/>
+                <a:latin typeface="Consolas" pitchFamily="49" charset="0"/>
+                <a:ea typeface="굴림" pitchFamily="50" charset="-127"/>
+                <a:cs typeface="굴림" pitchFamily="50" charset="-127"/>
+              </a:rPr>
+              <a:t> MyDist.m </a:t>
+            </a:r>
+            <a:r>
+              <a:rPr kumimoji="1" lang="ko-KR" altLang="ko-KR" sz="670" b="1" i="0" u="none" strike="noStrike" cap="none" normalizeH="0" baseline="0" dirty="0" smtClean="0">
+                <a:ln>
+                  <a:noFill/>
+                </a:ln>
+                <a:solidFill>
+                  <a:srgbClr val="A71D5D"/>
+                </a:solidFill>
+                <a:effectLst/>
+                <a:latin typeface="Consolas" pitchFamily="49" charset="0"/>
+                <a:ea typeface="굴림" pitchFamily="50" charset="-127"/>
+                <a:cs typeface="굴림" pitchFamily="50" charset="-127"/>
+              </a:rPr>
+              <a:t>&lt;&lt;</a:t>
+            </a:r>
+            <a:r>
+              <a:rPr kumimoji="1" lang="ko-KR" altLang="ko-KR" sz="670" b="1" i="0" u="none" strike="noStrike" cap="none" normalizeH="0" baseline="0" dirty="0" smtClean="0">
+                <a:ln>
+                  <a:noFill/>
+                </a:ln>
+                <a:solidFill>
+                  <a:srgbClr val="010101"/>
+                </a:solidFill>
+                <a:effectLst/>
+                <a:latin typeface="Consolas" pitchFamily="49" charset="0"/>
+                <a:ea typeface="굴림" pitchFamily="50" charset="-127"/>
+                <a:cs typeface="굴림" pitchFamily="50" charset="-127"/>
+              </a:rPr>
+              <a:t> </a:t>
+            </a:r>
+            <a:r>
+              <a:rPr kumimoji="1" lang="ko-KR" altLang="ko-KR" sz="670" b="1" i="0" u="none" strike="noStrike" cap="none" normalizeH="0" baseline="0" dirty="0" smtClean="0">
+                <a:ln>
+                  <a:noFill/>
+                </a:ln>
+                <a:solidFill>
+                  <a:srgbClr val="63A35C"/>
+                </a:solidFill>
+                <a:effectLst/>
+                <a:latin typeface="Consolas" pitchFamily="49" charset="0"/>
+                <a:ea typeface="굴림" pitchFamily="50" charset="-127"/>
+                <a:cs typeface="굴림" pitchFamily="50" charset="-127"/>
+              </a:rPr>
+              <a:t>" m"</a:t>
+            </a:r>
+            <a:r>
+              <a:rPr kumimoji="1" lang="ko-KR" altLang="ko-KR" sz="670" b="1" i="0" u="none" strike="noStrike" cap="none" normalizeH="0" baseline="0" dirty="0" smtClean="0">
+                <a:ln>
+                  <a:noFill/>
+                </a:ln>
+                <a:solidFill>
+                  <a:srgbClr val="010101"/>
+                </a:solidFill>
+                <a:effectLst/>
+                <a:latin typeface="Consolas" pitchFamily="49" charset="0"/>
+                <a:ea typeface="굴림" pitchFamily="50" charset="-127"/>
+                <a:cs typeface="굴림" pitchFamily="50" charset="-127"/>
+              </a:rPr>
+              <a:t>;</a:t>
+            </a:r>
+          </a:p>
+          <a:p>
+            <a:pPr marL="0" marR="0" lvl="0" indent="0" algn="l" defTabSz="914400" rtl="0" eaLnBrk="0" fontAlgn="base" latinLnBrk="0" hangingPunct="0">
+              <a:lnSpc>
+                <a:spcPct val="100000"/>
+              </a:lnSpc>
+              <a:spcBef>
+                <a:spcPct val="0"/>
+              </a:spcBef>
+              <a:spcAft>
+                <a:spcPct val="0"/>
+              </a:spcAft>
+              <a:buClrTx/>
+              <a:buSzTx/>
+              <a:buFontTx/>
+              <a:buNone/>
+              <a:tabLst/>
+            </a:pPr>
+            <a:r>
+              <a:rPr kumimoji="1" lang="en-US" altLang="ko-KR" sz="670" b="1" i="0" u="none" strike="noStrike" cap="none" normalizeH="0" baseline="0" dirty="0" smtClean="0">
+                <a:ln>
+                  <a:noFill/>
+                </a:ln>
+                <a:solidFill>
+                  <a:srgbClr val="A71D5D"/>
+                </a:solidFill>
+                <a:effectLst/>
+                <a:latin typeface="Consolas" pitchFamily="49" charset="0"/>
+                <a:ea typeface="굴림" pitchFamily="50" charset="-127"/>
+                <a:cs typeface="굴림" pitchFamily="50" charset="-127"/>
+              </a:rPr>
+              <a:t>			</a:t>
+            </a:r>
+            <a:r>
+              <a:rPr kumimoji="1" lang="ko-KR" altLang="ko-KR" sz="670" b="1" i="0" u="none" strike="noStrike" cap="none" normalizeH="0" baseline="0" dirty="0" smtClean="0">
+                <a:ln>
+                  <a:noFill/>
+                </a:ln>
+                <a:solidFill>
+                  <a:srgbClr val="A71D5D"/>
+                </a:solidFill>
+                <a:effectLst/>
+                <a:latin typeface="Consolas" pitchFamily="49" charset="0"/>
+                <a:ea typeface="굴림" pitchFamily="50" charset="-127"/>
+                <a:cs typeface="굴림" pitchFamily="50" charset="-127"/>
+              </a:rPr>
+              <a:t>return</a:t>
+            </a:r>
+            <a:r>
+              <a:rPr kumimoji="1" lang="ko-KR" altLang="ko-KR" sz="670" b="1" i="0" u="none" strike="noStrike" cap="none" normalizeH="0" baseline="0" dirty="0" smtClean="0">
+                <a:ln>
+                  <a:noFill/>
+                </a:ln>
+                <a:solidFill>
+                  <a:srgbClr val="010101"/>
+                </a:solidFill>
+                <a:effectLst/>
+                <a:latin typeface="Consolas" pitchFamily="49" charset="0"/>
+                <a:ea typeface="굴림" pitchFamily="50" charset="-127"/>
+                <a:cs typeface="굴림" pitchFamily="50" charset="-127"/>
+              </a:rPr>
+              <a:t> out;</a:t>
+            </a:r>
+          </a:p>
+          <a:p>
+            <a:pPr marL="0" marR="0" lvl="0" indent="0" algn="l" defTabSz="914400" rtl="0" eaLnBrk="0" fontAlgn="base" latinLnBrk="0" hangingPunct="0">
+              <a:lnSpc>
+                <a:spcPct val="100000"/>
+              </a:lnSpc>
+              <a:spcBef>
+                <a:spcPct val="0"/>
+              </a:spcBef>
+              <a:spcAft>
+                <a:spcPct val="0"/>
+              </a:spcAft>
+              <a:buClrTx/>
+              <a:buSzTx/>
+              <a:buFontTx/>
+              <a:buNone/>
+              <a:tabLst/>
+            </a:pPr>
+            <a:r>
+              <a:rPr kumimoji="1" lang="en-US" altLang="ko-KR" sz="670" b="1" i="0" u="none" strike="noStrike" cap="none" normalizeH="0" baseline="0" dirty="0" smtClean="0">
+                <a:ln>
+                  <a:noFill/>
+                </a:ln>
+                <a:solidFill>
+                  <a:srgbClr val="010101"/>
+                </a:solidFill>
+                <a:effectLst/>
+                <a:latin typeface="Consolas" pitchFamily="49" charset="0"/>
+                <a:ea typeface="굴림" pitchFamily="50" charset="-127"/>
+                <a:cs typeface="굴림" pitchFamily="50" charset="-127"/>
+              </a:rPr>
+              <a:t>		</a:t>
+            </a:r>
+            <a:r>
+              <a:rPr kumimoji="1" lang="ko-KR" altLang="ko-KR" sz="670" b="1" i="0" u="none" strike="noStrike" cap="none" normalizeH="0" baseline="0" dirty="0" smtClean="0">
+                <a:ln>
+                  <a:noFill/>
+                </a:ln>
+                <a:solidFill>
+                  <a:srgbClr val="010101"/>
+                </a:solidFill>
+                <a:effectLst/>
+                <a:latin typeface="Consolas" pitchFamily="49" charset="0"/>
+                <a:ea typeface="굴림" pitchFamily="50" charset="-127"/>
+                <a:cs typeface="굴림" pitchFamily="50" charset="-127"/>
+              </a:rPr>
+              <a:t>}</a:t>
+            </a:r>
+          </a:p>
+          <a:p>
+            <a:pPr marL="0" marR="0" lvl="0" indent="0" algn="l" defTabSz="914400" rtl="0" eaLnBrk="0" fontAlgn="base" latinLnBrk="0" hangingPunct="0">
+              <a:lnSpc>
+                <a:spcPct val="100000"/>
+              </a:lnSpc>
+              <a:spcBef>
+                <a:spcPct val="0"/>
+              </a:spcBef>
+              <a:spcAft>
+                <a:spcPct val="0"/>
+              </a:spcAft>
+              <a:buClrTx/>
+              <a:buSzTx/>
+              <a:buFontTx/>
+              <a:buNone/>
+              <a:tabLst/>
+            </a:pPr>
+            <a:r>
+              <a:rPr kumimoji="1" lang="en-US" altLang="ko-KR" sz="670" b="1" i="0" u="none" strike="noStrike" cap="none" normalizeH="0" baseline="0" dirty="0" smtClean="0">
+                <a:ln>
+                  <a:noFill/>
+                </a:ln>
+                <a:solidFill>
+                  <a:srgbClr val="A71D5D"/>
+                </a:solidFill>
+                <a:effectLst/>
+                <a:latin typeface="Consolas" pitchFamily="49" charset="0"/>
+                <a:ea typeface="굴림" pitchFamily="50" charset="-127"/>
+                <a:cs typeface="굴림" pitchFamily="50" charset="-127"/>
+              </a:rPr>
+              <a:t>	</a:t>
+            </a:r>
+            <a:r>
+              <a:rPr kumimoji="1" lang="ko-KR" altLang="ko-KR" sz="670" b="1" i="0" u="none" strike="noStrike" cap="none" normalizeH="0" baseline="0" dirty="0" smtClean="0">
+                <a:ln>
+                  <a:noFill/>
+                </a:ln>
+                <a:solidFill>
+                  <a:srgbClr val="A71D5D"/>
+                </a:solidFill>
+                <a:effectLst/>
+                <a:latin typeface="Consolas" pitchFamily="49" charset="0"/>
+                <a:ea typeface="굴림" pitchFamily="50" charset="-127"/>
+                <a:cs typeface="굴림" pitchFamily="50" charset="-127"/>
+              </a:rPr>
+              <a:t>private</a:t>
+            </a:r>
+            <a:r>
+              <a:rPr kumimoji="1" lang="ko-KR" altLang="ko-KR" sz="670" b="1" i="0" u="none" strike="noStrike" cap="none" normalizeH="0" baseline="0" dirty="0" smtClean="0">
+                <a:ln>
+                  <a:noFill/>
+                </a:ln>
+                <a:solidFill>
+                  <a:srgbClr val="010101"/>
+                </a:solidFill>
+                <a:effectLst/>
+                <a:latin typeface="Consolas" pitchFamily="49" charset="0"/>
+                <a:ea typeface="굴림" pitchFamily="50" charset="-127"/>
+                <a:cs typeface="굴림" pitchFamily="50" charset="-127"/>
+              </a:rPr>
+              <a:t>:</a:t>
+            </a:r>
+          </a:p>
+          <a:p>
+            <a:pPr marL="0" marR="0" lvl="0" indent="0" algn="l" defTabSz="914400" rtl="0" eaLnBrk="0" fontAlgn="base" latinLnBrk="0" hangingPunct="0">
+              <a:lnSpc>
+                <a:spcPct val="100000"/>
+              </a:lnSpc>
+              <a:spcBef>
+                <a:spcPct val="0"/>
+              </a:spcBef>
+              <a:spcAft>
+                <a:spcPct val="0"/>
+              </a:spcAft>
+              <a:buClrTx/>
+              <a:buSzTx/>
+              <a:buFontTx/>
+              <a:buNone/>
+              <a:tabLst/>
+            </a:pPr>
+            <a:r>
+              <a:rPr kumimoji="1" lang="en-US" altLang="ko-KR" sz="670" b="1" i="0" u="none" strike="noStrike" cap="none" normalizeH="0" baseline="0" dirty="0" smtClean="0">
+                <a:ln>
+                  <a:noFill/>
+                </a:ln>
+                <a:solidFill>
+                  <a:srgbClr val="066DE2"/>
+                </a:solidFill>
+                <a:effectLst/>
+                <a:latin typeface="Consolas" pitchFamily="49" charset="0"/>
+                <a:ea typeface="굴림" pitchFamily="50" charset="-127"/>
+                <a:cs typeface="굴림" pitchFamily="50" charset="-127"/>
+              </a:rPr>
+              <a:t>		</a:t>
+            </a:r>
+            <a:r>
+              <a:rPr kumimoji="1" lang="ko-KR" altLang="ko-KR" sz="670" b="1" i="0" u="none" strike="noStrike" cap="none" normalizeH="0" baseline="0" dirty="0" smtClean="0">
+                <a:ln>
+                  <a:noFill/>
+                </a:ln>
+                <a:solidFill>
+                  <a:srgbClr val="066DE2"/>
+                </a:solidFill>
+                <a:effectLst/>
+                <a:latin typeface="Consolas" pitchFamily="49" charset="0"/>
+                <a:ea typeface="굴림" pitchFamily="50" charset="-127"/>
+                <a:cs typeface="굴림" pitchFamily="50" charset="-127"/>
+              </a:rPr>
+              <a:t>double</a:t>
+            </a:r>
+            <a:r>
+              <a:rPr kumimoji="1" lang="ko-KR" altLang="ko-KR" sz="670" b="1" i="0" u="none" strike="noStrike" cap="none" normalizeH="0" baseline="0" dirty="0" smtClean="0">
+                <a:ln>
+                  <a:noFill/>
+                </a:ln>
+                <a:solidFill>
+                  <a:srgbClr val="010101"/>
+                </a:solidFill>
+                <a:effectLst/>
+                <a:latin typeface="Consolas" pitchFamily="49" charset="0"/>
+                <a:ea typeface="굴림" pitchFamily="50" charset="-127"/>
+                <a:cs typeface="굴림" pitchFamily="50" charset="-127"/>
+              </a:rPr>
+              <a:t> m;</a:t>
+            </a:r>
+          </a:p>
+          <a:p>
+            <a:pPr marL="0" marR="0" lvl="0" indent="0" algn="l" defTabSz="914400" rtl="0" eaLnBrk="0" fontAlgn="base" latinLnBrk="0" hangingPunct="0">
+              <a:lnSpc>
+                <a:spcPct val="100000"/>
+              </a:lnSpc>
+              <a:spcBef>
+                <a:spcPct val="0"/>
+              </a:spcBef>
+              <a:spcAft>
+                <a:spcPct val="0"/>
+              </a:spcAft>
+              <a:buClrTx/>
+              <a:buSzTx/>
+              <a:buFontTx/>
+              <a:buNone/>
+              <a:tabLst/>
+            </a:pPr>
+            <a:r>
+              <a:rPr kumimoji="1" lang="en-US" altLang="ko-KR" sz="670" b="1" i="0" u="none" strike="noStrike" cap="none" normalizeH="0" baseline="0" dirty="0" smtClean="0">
+                <a:ln>
+                  <a:noFill/>
+                </a:ln>
+                <a:solidFill>
+                  <a:srgbClr val="010101"/>
+                </a:solidFill>
+                <a:effectLst/>
+                <a:latin typeface="Consolas" pitchFamily="49" charset="0"/>
+                <a:ea typeface="굴림" pitchFamily="50" charset="-127"/>
+                <a:cs typeface="굴림" pitchFamily="50" charset="-127"/>
+              </a:rPr>
+              <a:t>	</a:t>
+            </a:r>
+            <a:r>
+              <a:rPr kumimoji="1" lang="ko-KR" altLang="ko-KR" sz="670" b="1" i="0" u="none" strike="noStrike" cap="none" normalizeH="0" baseline="0" dirty="0" smtClean="0">
+                <a:ln>
+                  <a:noFill/>
+                </a:ln>
+                <a:solidFill>
+                  <a:srgbClr val="010101"/>
+                </a:solidFill>
+                <a:effectLst/>
+                <a:latin typeface="Consolas" pitchFamily="49" charset="0"/>
+                <a:ea typeface="굴림" pitchFamily="50" charset="-127"/>
+                <a:cs typeface="굴림" pitchFamily="50" charset="-127"/>
+              </a:rPr>
+              <a:t>};</a:t>
+            </a:r>
+          </a:p>
+          <a:p>
+            <a:pPr marL="0" marR="0" lvl="0" indent="0" algn="l" defTabSz="914400" rtl="0" eaLnBrk="0" fontAlgn="base" latinLnBrk="0" hangingPunct="0">
+              <a:lnSpc>
+                <a:spcPct val="100000"/>
+              </a:lnSpc>
+              <a:spcBef>
+                <a:spcPct val="0"/>
+              </a:spcBef>
+              <a:spcAft>
+                <a:spcPct val="0"/>
+              </a:spcAft>
+              <a:buClrTx/>
+              <a:buSzTx/>
+              <a:buFontTx/>
+              <a:buNone/>
+              <a:tabLst/>
+            </a:pPr>
+            <a:r>
+              <a:rPr kumimoji="1" lang="en-US" altLang="ko-KR" sz="670" b="1" i="0" u="none" strike="noStrike" cap="none" normalizeH="0" baseline="0" dirty="0" smtClean="0">
+                <a:ln>
+                  <a:noFill/>
+                </a:ln>
+                <a:solidFill>
+                  <a:srgbClr val="A71D5D"/>
+                </a:solidFill>
+                <a:effectLst/>
+                <a:latin typeface="Consolas" pitchFamily="49" charset="0"/>
+                <a:ea typeface="굴림" pitchFamily="50" charset="-127"/>
+                <a:cs typeface="굴림" pitchFamily="50" charset="-127"/>
+              </a:rPr>
+              <a:t>	</a:t>
+            </a:r>
+            <a:r>
+              <a:rPr kumimoji="1" lang="ko-KR" altLang="ko-KR" sz="670" b="1" i="0" u="none" strike="noStrike" cap="none" normalizeH="0" baseline="0" dirty="0" smtClean="0">
+                <a:ln>
+                  <a:noFill/>
+                </a:ln>
+                <a:solidFill>
+                  <a:srgbClr val="A71D5D"/>
+                </a:solidFill>
+                <a:effectLst/>
+                <a:latin typeface="Consolas" pitchFamily="49" charset="0"/>
+                <a:ea typeface="굴림" pitchFamily="50" charset="-127"/>
+                <a:cs typeface="굴림" pitchFamily="50" charset="-127"/>
+              </a:rPr>
+              <a:t>namespace</a:t>
+            </a:r>
+            <a:r>
+              <a:rPr kumimoji="1" lang="ko-KR" altLang="ko-KR" sz="670" b="1" i="0" u="none" strike="noStrike" cap="none" normalizeH="0" baseline="0" dirty="0" smtClean="0">
+                <a:ln>
+                  <a:noFill/>
+                </a:ln>
+                <a:solidFill>
+                  <a:srgbClr val="010101"/>
+                </a:solidFill>
+                <a:effectLst/>
+                <a:latin typeface="Consolas" pitchFamily="49" charset="0"/>
+                <a:ea typeface="굴림" pitchFamily="50" charset="-127"/>
+                <a:cs typeface="굴림" pitchFamily="50" charset="-127"/>
+              </a:rPr>
+              <a:t> Unit {</a:t>
+            </a:r>
+          </a:p>
+          <a:p>
+            <a:pPr marL="0" marR="0" lvl="0" indent="0" algn="l" defTabSz="914400" rtl="0" eaLnBrk="0" fontAlgn="base" latinLnBrk="0" hangingPunct="0">
+              <a:lnSpc>
+                <a:spcPct val="100000"/>
+              </a:lnSpc>
+              <a:spcBef>
+                <a:spcPct val="0"/>
+              </a:spcBef>
+              <a:spcAft>
+                <a:spcPct val="0"/>
+              </a:spcAft>
+              <a:buClrTx/>
+              <a:buSzTx/>
+              <a:buFontTx/>
+              <a:buNone/>
+              <a:tabLst/>
+            </a:pPr>
+            <a:r>
+              <a:rPr kumimoji="1" lang="en-US" altLang="ko-KR" sz="670" b="1" i="0" u="none" strike="noStrike" cap="none" normalizeH="0" baseline="0" dirty="0" smtClean="0">
+                <a:ln>
+                  <a:noFill/>
+                </a:ln>
+                <a:solidFill>
+                  <a:srgbClr val="010101"/>
+                </a:solidFill>
+                <a:effectLst/>
+                <a:latin typeface="Consolas" pitchFamily="49" charset="0"/>
+                <a:ea typeface="굴림" pitchFamily="50" charset="-127"/>
+                <a:cs typeface="굴림" pitchFamily="50" charset="-127"/>
+              </a:rPr>
+              <a:t>		</a:t>
+            </a:r>
+            <a:r>
+              <a:rPr kumimoji="1" lang="ko-KR" altLang="ko-KR" sz="670" b="1" i="0" u="none" strike="noStrike" cap="none" normalizeH="0" baseline="0" dirty="0" smtClean="0">
+                <a:ln>
+                  <a:noFill/>
+                </a:ln>
+                <a:solidFill>
+                  <a:srgbClr val="010101"/>
+                </a:solidFill>
+                <a:effectLst/>
+                <a:latin typeface="Consolas" pitchFamily="49" charset="0"/>
+                <a:ea typeface="굴림" pitchFamily="50" charset="-127"/>
+                <a:cs typeface="굴림" pitchFamily="50" charset="-127"/>
+              </a:rPr>
+              <a:t>MyDistance </a:t>
+            </a:r>
+            <a:r>
+              <a:rPr kumimoji="1" lang="ko-KR" altLang="ko-KR" sz="670" b="1" i="0" u="none" strike="noStrike" cap="none" normalizeH="0" baseline="0" dirty="0" smtClean="0">
+                <a:ln>
+                  <a:noFill/>
+                </a:ln>
+                <a:solidFill>
+                  <a:srgbClr val="A71D5D"/>
+                </a:solidFill>
+                <a:effectLst/>
+                <a:latin typeface="Consolas" pitchFamily="49" charset="0"/>
+                <a:ea typeface="굴림" pitchFamily="50" charset="-127"/>
+                <a:cs typeface="굴림" pitchFamily="50" charset="-127"/>
+              </a:rPr>
+              <a:t>operator</a:t>
+            </a:r>
+            <a:r>
+              <a:rPr kumimoji="1" lang="ko-KR" altLang="ko-KR" sz="670" b="1" i="0" u="none" strike="noStrike" cap="none" normalizeH="0" baseline="0" dirty="0" smtClean="0">
+                <a:ln>
+                  <a:noFill/>
+                </a:ln>
+                <a:solidFill>
+                  <a:srgbClr val="63A35C"/>
+                </a:solidFill>
+                <a:effectLst/>
+                <a:latin typeface="Consolas" pitchFamily="49" charset="0"/>
+                <a:ea typeface="굴림" pitchFamily="50" charset="-127"/>
+                <a:cs typeface="굴림" pitchFamily="50" charset="-127"/>
+              </a:rPr>
+              <a:t>""</a:t>
+            </a:r>
+            <a:r>
+              <a:rPr kumimoji="1" lang="ko-KR" altLang="ko-KR" sz="670" b="1" i="0" u="none" strike="noStrike" cap="none" normalizeH="0" baseline="0" dirty="0" smtClean="0">
+                <a:ln>
+                  <a:noFill/>
+                </a:ln>
+                <a:solidFill>
+                  <a:srgbClr val="010101"/>
+                </a:solidFill>
+                <a:effectLst/>
+                <a:latin typeface="Consolas" pitchFamily="49" charset="0"/>
+                <a:ea typeface="굴림" pitchFamily="50" charset="-127"/>
+                <a:cs typeface="굴림" pitchFamily="50" charset="-127"/>
+              </a:rPr>
+              <a:t> _km(</a:t>
+            </a:r>
+            <a:r>
+              <a:rPr kumimoji="1" lang="ko-KR" altLang="ko-KR" sz="670" b="1" i="0" u="none" strike="noStrike" cap="none" normalizeH="0" baseline="0" dirty="0" smtClean="0">
+                <a:ln>
+                  <a:noFill/>
+                </a:ln>
+                <a:solidFill>
+                  <a:srgbClr val="066DE2"/>
+                </a:solidFill>
+                <a:effectLst/>
+                <a:latin typeface="Consolas" pitchFamily="49" charset="0"/>
+                <a:ea typeface="굴림" pitchFamily="50" charset="-127"/>
+                <a:cs typeface="굴림" pitchFamily="50" charset="-127"/>
+              </a:rPr>
+              <a:t>long</a:t>
+            </a:r>
+            <a:r>
+              <a:rPr kumimoji="1" lang="ko-KR" altLang="ko-KR" sz="670" b="1" i="0" u="none" strike="noStrike" cap="none" normalizeH="0" baseline="0" dirty="0" smtClean="0">
+                <a:ln>
+                  <a:noFill/>
+                </a:ln>
+                <a:solidFill>
+                  <a:srgbClr val="010101"/>
+                </a:solidFill>
+                <a:effectLst/>
+                <a:latin typeface="Consolas" pitchFamily="49" charset="0"/>
+                <a:ea typeface="굴림" pitchFamily="50" charset="-127"/>
+                <a:cs typeface="굴림" pitchFamily="50" charset="-127"/>
+              </a:rPr>
+              <a:t> </a:t>
+            </a:r>
+            <a:r>
+              <a:rPr kumimoji="1" lang="ko-KR" altLang="ko-KR" sz="670" b="1" i="0" u="none" strike="noStrike" cap="none" normalizeH="0" baseline="0" dirty="0" smtClean="0">
+                <a:ln>
+                  <a:noFill/>
+                </a:ln>
+                <a:solidFill>
+                  <a:srgbClr val="066DE2"/>
+                </a:solidFill>
+                <a:effectLst/>
+                <a:latin typeface="Consolas" pitchFamily="49" charset="0"/>
+                <a:ea typeface="굴림" pitchFamily="50" charset="-127"/>
+                <a:cs typeface="굴림" pitchFamily="50" charset="-127"/>
+              </a:rPr>
+              <a:t>double</a:t>
+            </a:r>
+            <a:r>
+              <a:rPr kumimoji="1" lang="ko-KR" altLang="ko-KR" sz="670" b="1" i="0" u="none" strike="noStrike" cap="none" normalizeH="0" baseline="0" dirty="0" smtClean="0">
+                <a:ln>
+                  <a:noFill/>
+                </a:ln>
+                <a:solidFill>
+                  <a:srgbClr val="010101"/>
+                </a:solidFill>
+                <a:effectLst/>
+                <a:latin typeface="Consolas" pitchFamily="49" charset="0"/>
+                <a:ea typeface="굴림" pitchFamily="50" charset="-127"/>
+                <a:cs typeface="굴림" pitchFamily="50" charset="-127"/>
+              </a:rPr>
+              <a:t> d)</a:t>
+            </a:r>
+          </a:p>
+          <a:p>
+            <a:pPr marL="0" marR="0" lvl="0" indent="0" algn="l" defTabSz="914400" rtl="0" eaLnBrk="0" fontAlgn="base" latinLnBrk="0" hangingPunct="0">
+              <a:lnSpc>
+                <a:spcPct val="100000"/>
+              </a:lnSpc>
+              <a:spcBef>
+                <a:spcPct val="0"/>
+              </a:spcBef>
+              <a:spcAft>
+                <a:spcPct val="0"/>
+              </a:spcAft>
+              <a:buClrTx/>
+              <a:buSzTx/>
+              <a:buFontTx/>
+              <a:buNone/>
+              <a:tabLst/>
+            </a:pPr>
+            <a:r>
+              <a:rPr kumimoji="1" lang="en-US" altLang="ko-KR" sz="670" b="1" i="0" u="none" strike="noStrike" cap="none" normalizeH="0" baseline="0" dirty="0" smtClean="0">
+                <a:ln>
+                  <a:noFill/>
+                </a:ln>
+                <a:solidFill>
+                  <a:srgbClr val="010101"/>
+                </a:solidFill>
+                <a:effectLst/>
+                <a:latin typeface="Consolas" pitchFamily="49" charset="0"/>
+                <a:ea typeface="굴림" pitchFamily="50" charset="-127"/>
+                <a:cs typeface="굴림" pitchFamily="50" charset="-127"/>
+              </a:rPr>
+              <a:t>		</a:t>
+            </a:r>
+            <a:r>
+              <a:rPr kumimoji="1" lang="ko-KR" altLang="ko-KR" sz="670" b="1" i="0" u="none" strike="noStrike" cap="none" normalizeH="0" baseline="0" dirty="0" smtClean="0">
+                <a:ln>
+                  <a:noFill/>
+                </a:ln>
+                <a:solidFill>
+                  <a:srgbClr val="010101"/>
+                </a:solidFill>
+                <a:effectLst/>
+                <a:latin typeface="Consolas" pitchFamily="49" charset="0"/>
+                <a:ea typeface="굴림" pitchFamily="50" charset="-127"/>
+                <a:cs typeface="굴림" pitchFamily="50" charset="-127"/>
+              </a:rPr>
+              <a:t>{</a:t>
+            </a:r>
+          </a:p>
+          <a:p>
+            <a:pPr marL="0" marR="0" lvl="0" indent="0" algn="l" defTabSz="914400" rtl="0" eaLnBrk="0" fontAlgn="base" latinLnBrk="0" hangingPunct="0">
+              <a:lnSpc>
+                <a:spcPct val="100000"/>
+              </a:lnSpc>
+              <a:spcBef>
+                <a:spcPct val="0"/>
+              </a:spcBef>
+              <a:spcAft>
+                <a:spcPct val="0"/>
+              </a:spcAft>
+              <a:buClrTx/>
+              <a:buSzTx/>
+              <a:buFontTx/>
+              <a:buNone/>
+              <a:tabLst/>
+            </a:pPr>
+            <a:r>
+              <a:rPr kumimoji="1" lang="en-US" altLang="ko-KR" sz="670" b="1" i="0" u="none" strike="noStrike" cap="none" normalizeH="0" baseline="0" dirty="0" smtClean="0">
+                <a:ln>
+                  <a:noFill/>
+                </a:ln>
+                <a:solidFill>
+                  <a:srgbClr val="A71D5D"/>
+                </a:solidFill>
+                <a:effectLst/>
+                <a:latin typeface="Consolas" pitchFamily="49" charset="0"/>
+                <a:ea typeface="굴림" pitchFamily="50" charset="-127"/>
+                <a:cs typeface="굴림" pitchFamily="50" charset="-127"/>
+              </a:rPr>
+              <a:t>			</a:t>
+            </a:r>
+            <a:r>
+              <a:rPr kumimoji="1" lang="ko-KR" altLang="ko-KR" sz="670" b="1" i="0" u="none" strike="noStrike" cap="none" normalizeH="0" baseline="0" dirty="0" smtClean="0">
+                <a:ln>
+                  <a:noFill/>
+                </a:ln>
+                <a:solidFill>
+                  <a:srgbClr val="A71D5D"/>
+                </a:solidFill>
+                <a:effectLst/>
+                <a:latin typeface="Consolas" pitchFamily="49" charset="0"/>
+                <a:ea typeface="굴림" pitchFamily="50" charset="-127"/>
+                <a:cs typeface="굴림" pitchFamily="50" charset="-127"/>
+              </a:rPr>
+              <a:t>return</a:t>
+            </a:r>
+            <a:r>
+              <a:rPr kumimoji="1" lang="ko-KR" altLang="ko-KR" sz="670" b="1" i="0" u="none" strike="noStrike" cap="none" normalizeH="0" baseline="0" dirty="0" smtClean="0">
+                <a:ln>
+                  <a:noFill/>
+                </a:ln>
+                <a:solidFill>
+                  <a:srgbClr val="010101"/>
+                </a:solidFill>
+                <a:effectLst/>
+                <a:latin typeface="Consolas" pitchFamily="49" charset="0"/>
+                <a:ea typeface="굴림" pitchFamily="50" charset="-127"/>
+                <a:cs typeface="굴림" pitchFamily="50" charset="-127"/>
+              </a:rPr>
+              <a:t> MyDistance(</a:t>
+            </a:r>
+            <a:r>
+              <a:rPr kumimoji="1" lang="ko-KR" altLang="ko-KR" sz="670" b="1" i="0" u="none" strike="noStrike" cap="none" normalizeH="0" baseline="0" dirty="0" smtClean="0">
+                <a:ln>
+                  <a:noFill/>
+                </a:ln>
+                <a:solidFill>
+                  <a:srgbClr val="0099CC"/>
+                </a:solidFill>
+                <a:effectLst/>
+                <a:latin typeface="Consolas" pitchFamily="49" charset="0"/>
+                <a:ea typeface="굴림" pitchFamily="50" charset="-127"/>
+                <a:cs typeface="굴림" pitchFamily="50" charset="-127"/>
+              </a:rPr>
+              <a:t>1000</a:t>
+            </a:r>
+            <a:r>
+              <a:rPr kumimoji="1" lang="ko-KR" altLang="ko-KR" sz="670" b="1" i="0" u="none" strike="noStrike" cap="none" normalizeH="0" baseline="0" dirty="0" smtClean="0">
+                <a:ln>
+                  <a:noFill/>
+                </a:ln>
+                <a:solidFill>
+                  <a:srgbClr val="010101"/>
+                </a:solidFill>
+                <a:effectLst/>
+                <a:latin typeface="Consolas" pitchFamily="49" charset="0"/>
+                <a:ea typeface="굴림" pitchFamily="50" charset="-127"/>
+                <a:cs typeface="굴림" pitchFamily="50" charset="-127"/>
+              </a:rPr>
+              <a:t> </a:t>
+            </a:r>
+            <a:r>
+              <a:rPr kumimoji="1" lang="ko-KR" altLang="ko-KR" sz="670" b="1" i="0" u="none" strike="noStrike" cap="none" normalizeH="0" baseline="0" dirty="0" smtClean="0">
+                <a:ln>
+                  <a:noFill/>
+                </a:ln>
+                <a:solidFill>
+                  <a:srgbClr val="A71D5D"/>
+                </a:solidFill>
+                <a:effectLst/>
+                <a:latin typeface="Consolas" pitchFamily="49" charset="0"/>
+                <a:ea typeface="굴림" pitchFamily="50" charset="-127"/>
+                <a:cs typeface="굴림" pitchFamily="50" charset="-127"/>
+              </a:rPr>
+              <a:t>*</a:t>
+            </a:r>
+            <a:r>
+              <a:rPr kumimoji="1" lang="ko-KR" altLang="ko-KR" sz="670" b="1" i="0" u="none" strike="noStrike" cap="none" normalizeH="0" baseline="0" dirty="0" smtClean="0">
+                <a:ln>
+                  <a:noFill/>
+                </a:ln>
+                <a:solidFill>
+                  <a:srgbClr val="010101"/>
+                </a:solidFill>
+                <a:effectLst/>
+                <a:latin typeface="Consolas" pitchFamily="49" charset="0"/>
+                <a:ea typeface="굴림" pitchFamily="50" charset="-127"/>
+                <a:cs typeface="굴림" pitchFamily="50" charset="-127"/>
+              </a:rPr>
+              <a:t> d);</a:t>
+            </a:r>
+          </a:p>
+          <a:p>
+            <a:pPr marL="0" marR="0" lvl="0" indent="0" algn="l" defTabSz="914400" rtl="0" eaLnBrk="0" fontAlgn="base" latinLnBrk="0" hangingPunct="0">
+              <a:lnSpc>
+                <a:spcPct val="100000"/>
+              </a:lnSpc>
+              <a:spcBef>
+                <a:spcPct val="0"/>
+              </a:spcBef>
+              <a:spcAft>
+                <a:spcPct val="0"/>
+              </a:spcAft>
+              <a:buClrTx/>
+              <a:buSzTx/>
+              <a:buFontTx/>
+              <a:buNone/>
+              <a:tabLst/>
+            </a:pPr>
+            <a:r>
+              <a:rPr kumimoji="1" lang="en-US" altLang="ko-KR" sz="670" b="1" i="0" u="none" strike="noStrike" cap="none" normalizeH="0" baseline="0" dirty="0" smtClean="0">
+                <a:ln>
+                  <a:noFill/>
+                </a:ln>
+                <a:solidFill>
+                  <a:srgbClr val="010101"/>
+                </a:solidFill>
+                <a:effectLst/>
+                <a:latin typeface="Consolas" pitchFamily="49" charset="0"/>
+                <a:ea typeface="굴림" pitchFamily="50" charset="-127"/>
+                <a:cs typeface="굴림" pitchFamily="50" charset="-127"/>
+              </a:rPr>
+              <a:t>		</a:t>
+            </a:r>
+            <a:r>
+              <a:rPr kumimoji="1" lang="ko-KR" altLang="ko-KR" sz="670" b="1" i="0" u="none" strike="noStrike" cap="none" normalizeH="0" baseline="0" dirty="0" smtClean="0">
+                <a:ln>
+                  <a:noFill/>
+                </a:ln>
+                <a:solidFill>
+                  <a:srgbClr val="010101"/>
+                </a:solidFill>
+                <a:effectLst/>
+                <a:latin typeface="Consolas" pitchFamily="49" charset="0"/>
+                <a:ea typeface="굴림" pitchFamily="50" charset="-127"/>
+                <a:cs typeface="굴림" pitchFamily="50" charset="-127"/>
+              </a:rPr>
+              <a:t>}</a:t>
+            </a:r>
+          </a:p>
+          <a:p>
+            <a:pPr marL="0" marR="0" lvl="0" indent="0" algn="l" defTabSz="914400" rtl="0" eaLnBrk="0" fontAlgn="base" latinLnBrk="0" hangingPunct="0">
+              <a:lnSpc>
+                <a:spcPct val="100000"/>
+              </a:lnSpc>
+              <a:spcBef>
+                <a:spcPct val="0"/>
+              </a:spcBef>
+              <a:spcAft>
+                <a:spcPct val="0"/>
+              </a:spcAft>
+              <a:buClrTx/>
+              <a:buSzTx/>
+              <a:buFontTx/>
+              <a:buNone/>
+              <a:tabLst/>
+            </a:pPr>
+            <a:r>
+              <a:rPr kumimoji="1" lang="en-US" altLang="ko-KR" sz="670" b="1" i="0" u="none" strike="noStrike" cap="none" normalizeH="0" baseline="0" dirty="0" smtClean="0">
+                <a:ln>
+                  <a:noFill/>
+                </a:ln>
+                <a:solidFill>
+                  <a:srgbClr val="010101"/>
+                </a:solidFill>
+                <a:effectLst/>
+                <a:latin typeface="Consolas" pitchFamily="49" charset="0"/>
+                <a:ea typeface="굴림" pitchFamily="50" charset="-127"/>
+                <a:cs typeface="굴림" pitchFamily="50" charset="-127"/>
+              </a:rPr>
+              <a:t>		</a:t>
+            </a:r>
+            <a:r>
+              <a:rPr kumimoji="1" lang="ko-KR" altLang="ko-KR" sz="670" b="1" i="0" u="none" strike="noStrike" cap="none" normalizeH="0" baseline="0" dirty="0" smtClean="0">
+                <a:ln>
+                  <a:noFill/>
+                </a:ln>
+                <a:solidFill>
+                  <a:srgbClr val="010101"/>
+                </a:solidFill>
+                <a:effectLst/>
+                <a:latin typeface="Consolas" pitchFamily="49" charset="0"/>
+                <a:ea typeface="굴림" pitchFamily="50" charset="-127"/>
+                <a:cs typeface="굴림" pitchFamily="50" charset="-127"/>
+              </a:rPr>
+              <a:t>MyDistance </a:t>
+            </a:r>
+            <a:r>
+              <a:rPr kumimoji="1" lang="ko-KR" altLang="ko-KR" sz="670" b="1" i="0" u="none" strike="noStrike" cap="none" normalizeH="0" baseline="0" dirty="0" smtClean="0">
+                <a:ln>
+                  <a:noFill/>
+                </a:ln>
+                <a:solidFill>
+                  <a:srgbClr val="A71D5D"/>
+                </a:solidFill>
+                <a:effectLst/>
+                <a:latin typeface="Consolas" pitchFamily="49" charset="0"/>
+                <a:ea typeface="굴림" pitchFamily="50" charset="-127"/>
+                <a:cs typeface="굴림" pitchFamily="50" charset="-127"/>
+              </a:rPr>
+              <a:t>operator</a:t>
+            </a:r>
+            <a:r>
+              <a:rPr kumimoji="1" lang="ko-KR" altLang="ko-KR" sz="670" b="1" i="0" u="none" strike="noStrike" cap="none" normalizeH="0" baseline="0" dirty="0" smtClean="0">
+                <a:ln>
+                  <a:noFill/>
+                </a:ln>
+                <a:solidFill>
+                  <a:srgbClr val="63A35C"/>
+                </a:solidFill>
+                <a:effectLst/>
+                <a:latin typeface="Consolas" pitchFamily="49" charset="0"/>
+                <a:ea typeface="굴림" pitchFamily="50" charset="-127"/>
+                <a:cs typeface="굴림" pitchFamily="50" charset="-127"/>
+              </a:rPr>
+              <a:t>""</a:t>
+            </a:r>
+            <a:r>
+              <a:rPr kumimoji="1" lang="ko-KR" altLang="ko-KR" sz="670" b="1" i="0" u="none" strike="noStrike" cap="none" normalizeH="0" baseline="0" dirty="0" smtClean="0">
+                <a:ln>
+                  <a:noFill/>
+                </a:ln>
+                <a:solidFill>
+                  <a:srgbClr val="010101"/>
+                </a:solidFill>
+                <a:effectLst/>
+                <a:latin typeface="Consolas" pitchFamily="49" charset="0"/>
+                <a:ea typeface="굴림" pitchFamily="50" charset="-127"/>
+                <a:cs typeface="굴림" pitchFamily="50" charset="-127"/>
+              </a:rPr>
+              <a:t> _m(</a:t>
+            </a:r>
+            <a:r>
+              <a:rPr kumimoji="1" lang="ko-KR" altLang="ko-KR" sz="670" b="1" i="0" u="none" strike="noStrike" cap="none" normalizeH="0" baseline="0" dirty="0" smtClean="0">
+                <a:ln>
+                  <a:noFill/>
+                </a:ln>
+                <a:solidFill>
+                  <a:srgbClr val="066DE2"/>
+                </a:solidFill>
+                <a:effectLst/>
+                <a:latin typeface="Consolas" pitchFamily="49" charset="0"/>
+                <a:ea typeface="굴림" pitchFamily="50" charset="-127"/>
+                <a:cs typeface="굴림" pitchFamily="50" charset="-127"/>
+              </a:rPr>
+              <a:t>long</a:t>
+            </a:r>
+            <a:r>
+              <a:rPr kumimoji="1" lang="ko-KR" altLang="ko-KR" sz="670" b="1" i="0" u="none" strike="noStrike" cap="none" normalizeH="0" baseline="0" dirty="0" smtClean="0">
+                <a:ln>
+                  <a:noFill/>
+                </a:ln>
+                <a:solidFill>
+                  <a:srgbClr val="010101"/>
+                </a:solidFill>
+                <a:effectLst/>
+                <a:latin typeface="Consolas" pitchFamily="49" charset="0"/>
+                <a:ea typeface="굴림" pitchFamily="50" charset="-127"/>
+                <a:cs typeface="굴림" pitchFamily="50" charset="-127"/>
+              </a:rPr>
+              <a:t> </a:t>
+            </a:r>
+            <a:r>
+              <a:rPr kumimoji="1" lang="ko-KR" altLang="ko-KR" sz="670" b="1" i="0" u="none" strike="noStrike" cap="none" normalizeH="0" baseline="0" dirty="0" smtClean="0">
+                <a:ln>
+                  <a:noFill/>
+                </a:ln>
+                <a:solidFill>
+                  <a:srgbClr val="066DE2"/>
+                </a:solidFill>
+                <a:effectLst/>
+                <a:latin typeface="Consolas" pitchFamily="49" charset="0"/>
+                <a:ea typeface="굴림" pitchFamily="50" charset="-127"/>
+                <a:cs typeface="굴림" pitchFamily="50" charset="-127"/>
+              </a:rPr>
+              <a:t>double</a:t>
+            </a:r>
+            <a:r>
+              <a:rPr kumimoji="1" lang="ko-KR" altLang="ko-KR" sz="670" b="1" i="0" u="none" strike="noStrike" cap="none" normalizeH="0" baseline="0" dirty="0" smtClean="0">
+                <a:ln>
+                  <a:noFill/>
+                </a:ln>
+                <a:solidFill>
+                  <a:srgbClr val="010101"/>
+                </a:solidFill>
+                <a:effectLst/>
+                <a:latin typeface="Consolas" pitchFamily="49" charset="0"/>
+                <a:ea typeface="굴림" pitchFamily="50" charset="-127"/>
+                <a:cs typeface="굴림" pitchFamily="50" charset="-127"/>
+              </a:rPr>
+              <a:t> m)</a:t>
+            </a:r>
+          </a:p>
+          <a:p>
+            <a:pPr marL="0" marR="0" lvl="0" indent="0" algn="l" defTabSz="914400" rtl="0" eaLnBrk="0" fontAlgn="base" latinLnBrk="0" hangingPunct="0">
+              <a:lnSpc>
+                <a:spcPct val="100000"/>
+              </a:lnSpc>
+              <a:spcBef>
+                <a:spcPct val="0"/>
+              </a:spcBef>
+              <a:spcAft>
+                <a:spcPct val="0"/>
+              </a:spcAft>
+              <a:buClrTx/>
+              <a:buSzTx/>
+              <a:buFontTx/>
+              <a:buNone/>
+              <a:tabLst/>
+            </a:pPr>
+            <a:r>
+              <a:rPr kumimoji="1" lang="en-US" altLang="ko-KR" sz="670" b="1" i="0" u="none" strike="noStrike" cap="none" normalizeH="0" baseline="0" dirty="0" smtClean="0">
+                <a:ln>
+                  <a:noFill/>
+                </a:ln>
+                <a:solidFill>
+                  <a:srgbClr val="010101"/>
+                </a:solidFill>
+                <a:effectLst/>
+                <a:latin typeface="Consolas" pitchFamily="49" charset="0"/>
+                <a:ea typeface="굴림" pitchFamily="50" charset="-127"/>
+                <a:cs typeface="굴림" pitchFamily="50" charset="-127"/>
+              </a:rPr>
+              <a:t>		</a:t>
+            </a:r>
+            <a:r>
+              <a:rPr kumimoji="1" lang="ko-KR" altLang="ko-KR" sz="670" b="1" i="0" u="none" strike="noStrike" cap="none" normalizeH="0" baseline="0" dirty="0" smtClean="0">
+                <a:ln>
+                  <a:noFill/>
+                </a:ln>
+                <a:solidFill>
+                  <a:srgbClr val="010101"/>
+                </a:solidFill>
+                <a:effectLst/>
+                <a:latin typeface="Consolas" pitchFamily="49" charset="0"/>
+                <a:ea typeface="굴림" pitchFamily="50" charset="-127"/>
+                <a:cs typeface="굴림" pitchFamily="50" charset="-127"/>
+              </a:rPr>
+              <a:t>{</a:t>
+            </a:r>
+          </a:p>
+          <a:p>
+            <a:pPr marL="0" marR="0" lvl="0" indent="0" algn="l" defTabSz="914400" rtl="0" eaLnBrk="0" fontAlgn="base" latinLnBrk="0" hangingPunct="0">
+              <a:lnSpc>
+                <a:spcPct val="100000"/>
+              </a:lnSpc>
+              <a:spcBef>
+                <a:spcPct val="0"/>
+              </a:spcBef>
+              <a:spcAft>
+                <a:spcPct val="0"/>
+              </a:spcAft>
+              <a:buClrTx/>
+              <a:buSzTx/>
+              <a:buFontTx/>
+              <a:buNone/>
+              <a:tabLst/>
+            </a:pPr>
+            <a:r>
+              <a:rPr kumimoji="1" lang="en-US" altLang="ko-KR" sz="670" b="1" i="0" u="none" strike="noStrike" cap="none" normalizeH="0" baseline="0" dirty="0" smtClean="0">
+                <a:ln>
+                  <a:noFill/>
+                </a:ln>
+                <a:solidFill>
+                  <a:srgbClr val="A71D5D"/>
+                </a:solidFill>
+                <a:effectLst/>
+                <a:latin typeface="Consolas" pitchFamily="49" charset="0"/>
+                <a:ea typeface="굴림" pitchFamily="50" charset="-127"/>
+                <a:cs typeface="굴림" pitchFamily="50" charset="-127"/>
+              </a:rPr>
+              <a:t>			</a:t>
+            </a:r>
+            <a:r>
+              <a:rPr kumimoji="1" lang="ko-KR" altLang="ko-KR" sz="670" b="1" i="0" u="none" strike="noStrike" cap="none" normalizeH="0" baseline="0" dirty="0" smtClean="0">
+                <a:ln>
+                  <a:noFill/>
+                </a:ln>
+                <a:solidFill>
+                  <a:srgbClr val="A71D5D"/>
+                </a:solidFill>
+                <a:effectLst/>
+                <a:latin typeface="Consolas" pitchFamily="49" charset="0"/>
+                <a:ea typeface="굴림" pitchFamily="50" charset="-127"/>
+                <a:cs typeface="굴림" pitchFamily="50" charset="-127"/>
+              </a:rPr>
+              <a:t>return</a:t>
+            </a:r>
+            <a:r>
+              <a:rPr kumimoji="1" lang="ko-KR" altLang="ko-KR" sz="670" b="1" i="0" u="none" strike="noStrike" cap="none" normalizeH="0" baseline="0" dirty="0" smtClean="0">
+                <a:ln>
+                  <a:noFill/>
+                </a:ln>
+                <a:solidFill>
+                  <a:srgbClr val="010101"/>
+                </a:solidFill>
+                <a:effectLst/>
+                <a:latin typeface="Consolas" pitchFamily="49" charset="0"/>
+                <a:ea typeface="굴림" pitchFamily="50" charset="-127"/>
+                <a:cs typeface="굴림" pitchFamily="50" charset="-127"/>
+              </a:rPr>
+              <a:t> MyDistance(m);</a:t>
+            </a:r>
+          </a:p>
+          <a:p>
+            <a:pPr marL="0" marR="0" lvl="0" indent="0" algn="l" defTabSz="914400" rtl="0" eaLnBrk="0" fontAlgn="base" latinLnBrk="0" hangingPunct="0">
+              <a:lnSpc>
+                <a:spcPct val="100000"/>
+              </a:lnSpc>
+              <a:spcBef>
+                <a:spcPct val="0"/>
+              </a:spcBef>
+              <a:spcAft>
+                <a:spcPct val="0"/>
+              </a:spcAft>
+              <a:buClrTx/>
+              <a:buSzTx/>
+              <a:buFontTx/>
+              <a:buNone/>
+              <a:tabLst/>
+            </a:pPr>
+            <a:r>
+              <a:rPr kumimoji="1" lang="en-US" altLang="ko-KR" sz="670" b="1" i="0" u="none" strike="noStrike" cap="none" normalizeH="0" baseline="0" dirty="0" smtClean="0">
+                <a:ln>
+                  <a:noFill/>
+                </a:ln>
+                <a:solidFill>
+                  <a:srgbClr val="010101"/>
+                </a:solidFill>
+                <a:effectLst/>
+                <a:latin typeface="Consolas" pitchFamily="49" charset="0"/>
+                <a:ea typeface="굴림" pitchFamily="50" charset="-127"/>
+                <a:cs typeface="굴림" pitchFamily="50" charset="-127"/>
+              </a:rPr>
+              <a:t>		</a:t>
+            </a:r>
+            <a:r>
+              <a:rPr kumimoji="1" lang="ko-KR" altLang="ko-KR" sz="670" b="1" i="0" u="none" strike="noStrike" cap="none" normalizeH="0" baseline="0" dirty="0" smtClean="0">
+                <a:ln>
+                  <a:noFill/>
+                </a:ln>
+                <a:solidFill>
+                  <a:srgbClr val="010101"/>
+                </a:solidFill>
+                <a:effectLst/>
+                <a:latin typeface="Consolas" pitchFamily="49" charset="0"/>
+                <a:ea typeface="굴림" pitchFamily="50" charset="-127"/>
+                <a:cs typeface="굴림" pitchFamily="50" charset="-127"/>
+              </a:rPr>
+              <a:t>}</a:t>
+            </a:r>
+          </a:p>
+          <a:p>
+            <a:pPr marL="0" marR="0" lvl="0" indent="0" algn="l" defTabSz="914400" rtl="0" eaLnBrk="0" fontAlgn="base" latinLnBrk="0" hangingPunct="0">
+              <a:lnSpc>
+                <a:spcPct val="100000"/>
+              </a:lnSpc>
+              <a:spcBef>
+                <a:spcPct val="0"/>
+              </a:spcBef>
+              <a:spcAft>
+                <a:spcPct val="0"/>
+              </a:spcAft>
+              <a:buClrTx/>
+              <a:buSzTx/>
+              <a:buFontTx/>
+              <a:buNone/>
+              <a:tabLst/>
+            </a:pPr>
+            <a:r>
+              <a:rPr kumimoji="1" lang="en-US" altLang="ko-KR" sz="670" b="1" i="0" u="none" strike="noStrike" cap="none" normalizeH="0" baseline="0" dirty="0" smtClean="0">
+                <a:ln>
+                  <a:noFill/>
+                </a:ln>
+                <a:solidFill>
+                  <a:srgbClr val="010101"/>
+                </a:solidFill>
+                <a:effectLst/>
+                <a:latin typeface="Consolas" pitchFamily="49" charset="0"/>
+                <a:ea typeface="굴림" pitchFamily="50" charset="-127"/>
+                <a:cs typeface="굴림" pitchFamily="50" charset="-127"/>
+              </a:rPr>
+              <a:t>		</a:t>
+            </a:r>
+            <a:r>
+              <a:rPr kumimoji="1" lang="ko-KR" altLang="ko-KR" sz="670" b="1" i="0" u="none" strike="noStrike" cap="none" normalizeH="0" baseline="0" dirty="0" smtClean="0">
+                <a:ln>
+                  <a:noFill/>
+                </a:ln>
+                <a:solidFill>
+                  <a:srgbClr val="010101"/>
+                </a:solidFill>
+                <a:effectLst/>
+                <a:latin typeface="Consolas" pitchFamily="49" charset="0"/>
+                <a:ea typeface="굴림" pitchFamily="50" charset="-127"/>
+                <a:cs typeface="굴림" pitchFamily="50" charset="-127"/>
+              </a:rPr>
+              <a:t>MyDistance </a:t>
+            </a:r>
+            <a:r>
+              <a:rPr kumimoji="1" lang="ko-KR" altLang="ko-KR" sz="670" b="1" i="0" u="none" strike="noStrike" cap="none" normalizeH="0" baseline="0" dirty="0" smtClean="0">
+                <a:ln>
+                  <a:noFill/>
+                </a:ln>
+                <a:solidFill>
+                  <a:srgbClr val="A71D5D"/>
+                </a:solidFill>
+                <a:effectLst/>
+                <a:latin typeface="Consolas" pitchFamily="49" charset="0"/>
+                <a:ea typeface="굴림" pitchFamily="50" charset="-127"/>
+                <a:cs typeface="굴림" pitchFamily="50" charset="-127"/>
+              </a:rPr>
+              <a:t>operator</a:t>
+            </a:r>
+            <a:r>
+              <a:rPr kumimoji="1" lang="ko-KR" altLang="ko-KR" sz="670" b="1" i="0" u="none" strike="noStrike" cap="none" normalizeH="0" baseline="0" dirty="0" smtClean="0">
+                <a:ln>
+                  <a:noFill/>
+                </a:ln>
+                <a:solidFill>
+                  <a:srgbClr val="63A35C"/>
+                </a:solidFill>
+                <a:effectLst/>
+                <a:latin typeface="Consolas" pitchFamily="49" charset="0"/>
+                <a:ea typeface="굴림" pitchFamily="50" charset="-127"/>
+                <a:cs typeface="굴림" pitchFamily="50" charset="-127"/>
+              </a:rPr>
+              <a:t>""</a:t>
+            </a:r>
+            <a:r>
+              <a:rPr kumimoji="1" lang="ko-KR" altLang="ko-KR" sz="670" b="1" i="0" u="none" strike="noStrike" cap="none" normalizeH="0" baseline="0" dirty="0" smtClean="0">
+                <a:ln>
+                  <a:noFill/>
+                </a:ln>
+                <a:solidFill>
+                  <a:srgbClr val="010101"/>
+                </a:solidFill>
+                <a:effectLst/>
+                <a:latin typeface="Consolas" pitchFamily="49" charset="0"/>
+                <a:ea typeface="굴림" pitchFamily="50" charset="-127"/>
+                <a:cs typeface="굴림" pitchFamily="50" charset="-127"/>
+              </a:rPr>
+              <a:t> _dm(</a:t>
+            </a:r>
+            <a:r>
+              <a:rPr kumimoji="1" lang="ko-KR" altLang="ko-KR" sz="670" b="1" i="0" u="none" strike="noStrike" cap="none" normalizeH="0" baseline="0" dirty="0" smtClean="0">
+                <a:ln>
+                  <a:noFill/>
+                </a:ln>
+                <a:solidFill>
+                  <a:srgbClr val="066DE2"/>
+                </a:solidFill>
+                <a:effectLst/>
+                <a:latin typeface="Consolas" pitchFamily="49" charset="0"/>
+                <a:ea typeface="굴림" pitchFamily="50" charset="-127"/>
+                <a:cs typeface="굴림" pitchFamily="50" charset="-127"/>
+              </a:rPr>
+              <a:t>long</a:t>
+            </a:r>
+            <a:r>
+              <a:rPr kumimoji="1" lang="ko-KR" altLang="ko-KR" sz="670" b="1" i="0" u="none" strike="noStrike" cap="none" normalizeH="0" baseline="0" dirty="0" smtClean="0">
+                <a:ln>
+                  <a:noFill/>
+                </a:ln>
+                <a:solidFill>
+                  <a:srgbClr val="010101"/>
+                </a:solidFill>
+                <a:effectLst/>
+                <a:latin typeface="Consolas" pitchFamily="49" charset="0"/>
+                <a:ea typeface="굴림" pitchFamily="50" charset="-127"/>
+                <a:cs typeface="굴림" pitchFamily="50" charset="-127"/>
+              </a:rPr>
+              <a:t> </a:t>
+            </a:r>
+            <a:r>
+              <a:rPr kumimoji="1" lang="ko-KR" altLang="ko-KR" sz="670" b="1" i="0" u="none" strike="noStrike" cap="none" normalizeH="0" baseline="0" dirty="0" smtClean="0">
+                <a:ln>
+                  <a:noFill/>
+                </a:ln>
+                <a:solidFill>
+                  <a:srgbClr val="066DE2"/>
+                </a:solidFill>
+                <a:effectLst/>
+                <a:latin typeface="Consolas" pitchFamily="49" charset="0"/>
+                <a:ea typeface="굴림" pitchFamily="50" charset="-127"/>
+                <a:cs typeface="굴림" pitchFamily="50" charset="-127"/>
+              </a:rPr>
+              <a:t>double</a:t>
+            </a:r>
+            <a:r>
+              <a:rPr kumimoji="1" lang="ko-KR" altLang="ko-KR" sz="670" b="1" i="0" u="none" strike="noStrike" cap="none" normalizeH="0" baseline="0" dirty="0" smtClean="0">
+                <a:ln>
+                  <a:noFill/>
+                </a:ln>
+                <a:solidFill>
+                  <a:srgbClr val="010101"/>
+                </a:solidFill>
+                <a:effectLst/>
+                <a:latin typeface="Consolas" pitchFamily="49" charset="0"/>
+                <a:ea typeface="굴림" pitchFamily="50" charset="-127"/>
+                <a:cs typeface="굴림" pitchFamily="50" charset="-127"/>
+              </a:rPr>
+              <a:t> d)</a:t>
+            </a:r>
+          </a:p>
+          <a:p>
+            <a:pPr marL="0" marR="0" lvl="0" indent="0" algn="l" defTabSz="914400" rtl="0" eaLnBrk="0" fontAlgn="base" latinLnBrk="0" hangingPunct="0">
+              <a:lnSpc>
+                <a:spcPct val="100000"/>
+              </a:lnSpc>
+              <a:spcBef>
+                <a:spcPct val="0"/>
+              </a:spcBef>
+              <a:spcAft>
+                <a:spcPct val="0"/>
+              </a:spcAft>
+              <a:buClrTx/>
+              <a:buSzTx/>
+              <a:buFontTx/>
+              <a:buNone/>
+              <a:tabLst/>
+            </a:pPr>
+            <a:r>
+              <a:rPr kumimoji="1" lang="en-US" altLang="ko-KR" sz="670" b="1" i="0" u="none" strike="noStrike" cap="none" normalizeH="0" baseline="0" dirty="0" smtClean="0">
+                <a:ln>
+                  <a:noFill/>
+                </a:ln>
+                <a:solidFill>
+                  <a:srgbClr val="010101"/>
+                </a:solidFill>
+                <a:effectLst/>
+                <a:latin typeface="Consolas" pitchFamily="49" charset="0"/>
+                <a:ea typeface="굴림" pitchFamily="50" charset="-127"/>
+                <a:cs typeface="굴림" pitchFamily="50" charset="-127"/>
+              </a:rPr>
+              <a:t>		</a:t>
+            </a:r>
+            <a:r>
+              <a:rPr kumimoji="1" lang="ko-KR" altLang="ko-KR" sz="670" b="1" i="0" u="none" strike="noStrike" cap="none" normalizeH="0" baseline="0" dirty="0" smtClean="0">
+                <a:ln>
+                  <a:noFill/>
+                </a:ln>
+                <a:solidFill>
+                  <a:srgbClr val="010101"/>
+                </a:solidFill>
+                <a:effectLst/>
+                <a:latin typeface="Consolas" pitchFamily="49" charset="0"/>
+                <a:ea typeface="굴림" pitchFamily="50" charset="-127"/>
+                <a:cs typeface="굴림" pitchFamily="50" charset="-127"/>
+              </a:rPr>
+              <a:t>{</a:t>
+            </a:r>
+          </a:p>
+          <a:p>
+            <a:pPr marL="0" marR="0" lvl="0" indent="0" algn="l" defTabSz="914400" rtl="0" eaLnBrk="0" fontAlgn="base" latinLnBrk="0" hangingPunct="0">
+              <a:lnSpc>
+                <a:spcPct val="100000"/>
+              </a:lnSpc>
+              <a:spcBef>
+                <a:spcPct val="0"/>
+              </a:spcBef>
+              <a:spcAft>
+                <a:spcPct val="0"/>
+              </a:spcAft>
+              <a:buClrTx/>
+              <a:buSzTx/>
+              <a:buFontTx/>
+              <a:buNone/>
+              <a:tabLst/>
+            </a:pPr>
+            <a:r>
+              <a:rPr kumimoji="1" lang="en-US" altLang="ko-KR" sz="670" b="1" i="0" u="none" strike="noStrike" cap="none" normalizeH="0" baseline="0" dirty="0" smtClean="0">
+                <a:ln>
+                  <a:noFill/>
+                </a:ln>
+                <a:solidFill>
+                  <a:srgbClr val="A71D5D"/>
+                </a:solidFill>
+                <a:effectLst/>
+                <a:latin typeface="Consolas" pitchFamily="49" charset="0"/>
+                <a:ea typeface="굴림" pitchFamily="50" charset="-127"/>
+                <a:cs typeface="굴림" pitchFamily="50" charset="-127"/>
+              </a:rPr>
+              <a:t>			</a:t>
+            </a:r>
+            <a:r>
+              <a:rPr kumimoji="1" lang="ko-KR" altLang="ko-KR" sz="670" b="1" i="0" u="none" strike="noStrike" cap="none" normalizeH="0" baseline="0" dirty="0" smtClean="0">
+                <a:ln>
+                  <a:noFill/>
+                </a:ln>
+                <a:solidFill>
+                  <a:srgbClr val="A71D5D"/>
+                </a:solidFill>
+                <a:effectLst/>
+                <a:latin typeface="Consolas" pitchFamily="49" charset="0"/>
+                <a:ea typeface="굴림" pitchFamily="50" charset="-127"/>
+                <a:cs typeface="굴림" pitchFamily="50" charset="-127"/>
+              </a:rPr>
+              <a:t>return</a:t>
+            </a:r>
+            <a:r>
+              <a:rPr kumimoji="1" lang="ko-KR" altLang="ko-KR" sz="670" b="1" i="0" u="none" strike="noStrike" cap="none" normalizeH="0" baseline="0" dirty="0" smtClean="0">
+                <a:ln>
+                  <a:noFill/>
+                </a:ln>
+                <a:solidFill>
+                  <a:srgbClr val="010101"/>
+                </a:solidFill>
+                <a:effectLst/>
+                <a:latin typeface="Consolas" pitchFamily="49" charset="0"/>
+                <a:ea typeface="굴림" pitchFamily="50" charset="-127"/>
+                <a:cs typeface="굴림" pitchFamily="50" charset="-127"/>
+              </a:rPr>
+              <a:t> MyDistance(d </a:t>
+            </a:r>
+            <a:r>
+              <a:rPr kumimoji="1" lang="ko-KR" altLang="ko-KR" sz="670" b="1" i="0" u="none" strike="noStrike" cap="none" normalizeH="0" baseline="0" dirty="0" smtClean="0">
+                <a:ln>
+                  <a:noFill/>
+                </a:ln>
+                <a:solidFill>
+                  <a:srgbClr val="A71D5D"/>
+                </a:solidFill>
+                <a:effectLst/>
+                <a:latin typeface="Consolas" pitchFamily="49" charset="0"/>
+                <a:ea typeface="굴림" pitchFamily="50" charset="-127"/>
+                <a:cs typeface="굴림" pitchFamily="50" charset="-127"/>
+              </a:rPr>
+              <a:t>/</a:t>
+            </a:r>
+            <a:r>
+              <a:rPr kumimoji="1" lang="ko-KR" altLang="ko-KR" sz="670" b="1" i="0" u="none" strike="noStrike" cap="none" normalizeH="0" baseline="0" dirty="0" smtClean="0">
+                <a:ln>
+                  <a:noFill/>
+                </a:ln>
+                <a:solidFill>
+                  <a:srgbClr val="010101"/>
+                </a:solidFill>
+                <a:effectLst/>
+                <a:latin typeface="Consolas" pitchFamily="49" charset="0"/>
+                <a:ea typeface="굴림" pitchFamily="50" charset="-127"/>
+                <a:cs typeface="굴림" pitchFamily="50" charset="-127"/>
+              </a:rPr>
+              <a:t> </a:t>
+            </a:r>
+            <a:r>
+              <a:rPr kumimoji="1" lang="ko-KR" altLang="ko-KR" sz="670" b="1" i="0" u="none" strike="noStrike" cap="none" normalizeH="0" baseline="0" dirty="0" smtClean="0">
+                <a:ln>
+                  <a:noFill/>
+                </a:ln>
+                <a:solidFill>
+                  <a:srgbClr val="0099CC"/>
+                </a:solidFill>
+                <a:effectLst/>
+                <a:latin typeface="Consolas" pitchFamily="49" charset="0"/>
+                <a:ea typeface="굴림" pitchFamily="50" charset="-127"/>
+                <a:cs typeface="굴림" pitchFamily="50" charset="-127"/>
+              </a:rPr>
+              <a:t>10</a:t>
+            </a:r>
+            <a:r>
+              <a:rPr kumimoji="1" lang="ko-KR" altLang="ko-KR" sz="670" b="1" i="0" u="none" strike="noStrike" cap="none" normalizeH="0" baseline="0" dirty="0" smtClean="0">
+                <a:ln>
+                  <a:noFill/>
+                </a:ln>
+                <a:solidFill>
+                  <a:srgbClr val="010101"/>
+                </a:solidFill>
+                <a:effectLst/>
+                <a:latin typeface="Consolas" pitchFamily="49" charset="0"/>
+                <a:ea typeface="굴림" pitchFamily="50" charset="-127"/>
+                <a:cs typeface="굴림" pitchFamily="50" charset="-127"/>
+              </a:rPr>
+              <a:t>);</a:t>
+            </a:r>
+          </a:p>
+          <a:p>
+            <a:pPr marL="0" marR="0" lvl="0" indent="0" algn="l" defTabSz="914400" rtl="0" eaLnBrk="0" fontAlgn="base" latinLnBrk="0" hangingPunct="0">
+              <a:lnSpc>
+                <a:spcPct val="100000"/>
+              </a:lnSpc>
+              <a:spcBef>
+                <a:spcPct val="0"/>
+              </a:spcBef>
+              <a:spcAft>
+                <a:spcPct val="0"/>
+              </a:spcAft>
+              <a:buClrTx/>
+              <a:buSzTx/>
+              <a:buFontTx/>
+              <a:buNone/>
+              <a:tabLst/>
+            </a:pPr>
+            <a:r>
+              <a:rPr kumimoji="1" lang="en-US" altLang="ko-KR" sz="670" b="1" i="0" u="none" strike="noStrike" cap="none" normalizeH="0" baseline="0" dirty="0" smtClean="0">
+                <a:ln>
+                  <a:noFill/>
+                </a:ln>
+                <a:solidFill>
+                  <a:srgbClr val="010101"/>
+                </a:solidFill>
+                <a:effectLst/>
+                <a:latin typeface="Consolas" pitchFamily="49" charset="0"/>
+                <a:ea typeface="굴림" pitchFamily="50" charset="-127"/>
+                <a:cs typeface="굴림" pitchFamily="50" charset="-127"/>
+              </a:rPr>
+              <a:t>		</a:t>
+            </a:r>
+            <a:r>
+              <a:rPr kumimoji="1" lang="ko-KR" altLang="ko-KR" sz="670" b="1" i="0" u="none" strike="noStrike" cap="none" normalizeH="0" baseline="0" dirty="0" smtClean="0">
+                <a:ln>
+                  <a:noFill/>
+                </a:ln>
+                <a:solidFill>
+                  <a:srgbClr val="010101"/>
+                </a:solidFill>
+                <a:effectLst/>
+                <a:latin typeface="Consolas" pitchFamily="49" charset="0"/>
+                <a:ea typeface="굴림" pitchFamily="50" charset="-127"/>
+                <a:cs typeface="굴림" pitchFamily="50" charset="-127"/>
+              </a:rPr>
+              <a:t>}</a:t>
+            </a:r>
+          </a:p>
+          <a:p>
+            <a:pPr marL="0" marR="0" lvl="0" indent="0" algn="l" defTabSz="914400" rtl="0" eaLnBrk="0" fontAlgn="base" latinLnBrk="0" hangingPunct="0">
+              <a:lnSpc>
+                <a:spcPct val="100000"/>
+              </a:lnSpc>
+              <a:spcBef>
+                <a:spcPct val="0"/>
+              </a:spcBef>
+              <a:spcAft>
+                <a:spcPct val="0"/>
+              </a:spcAft>
+              <a:buClrTx/>
+              <a:buSzTx/>
+              <a:buFontTx/>
+              <a:buNone/>
+              <a:tabLst/>
+            </a:pPr>
+            <a:r>
+              <a:rPr kumimoji="1" lang="en-US" altLang="ko-KR" sz="670" b="1" i="0" u="none" strike="noStrike" cap="none" normalizeH="0" baseline="0" dirty="0" smtClean="0">
+                <a:ln>
+                  <a:noFill/>
+                </a:ln>
+                <a:solidFill>
+                  <a:srgbClr val="010101"/>
+                </a:solidFill>
+                <a:effectLst/>
+                <a:latin typeface="Consolas" pitchFamily="49" charset="0"/>
+                <a:ea typeface="굴림" pitchFamily="50" charset="-127"/>
+                <a:cs typeface="굴림" pitchFamily="50" charset="-127"/>
+              </a:rPr>
+              <a:t>		</a:t>
+            </a:r>
+            <a:r>
+              <a:rPr kumimoji="1" lang="ko-KR" altLang="ko-KR" sz="670" b="1" i="0" u="none" strike="noStrike" cap="none" normalizeH="0" baseline="0" dirty="0" smtClean="0">
+                <a:ln>
+                  <a:noFill/>
+                </a:ln>
+                <a:solidFill>
+                  <a:srgbClr val="010101"/>
+                </a:solidFill>
+                <a:effectLst/>
+                <a:latin typeface="Consolas" pitchFamily="49" charset="0"/>
+                <a:ea typeface="굴림" pitchFamily="50" charset="-127"/>
+                <a:cs typeface="굴림" pitchFamily="50" charset="-127"/>
+              </a:rPr>
+              <a:t>MyDistance </a:t>
+            </a:r>
+            <a:r>
+              <a:rPr kumimoji="1" lang="ko-KR" altLang="ko-KR" sz="670" b="1" i="0" u="none" strike="noStrike" cap="none" normalizeH="0" baseline="0" dirty="0" smtClean="0">
+                <a:ln>
+                  <a:noFill/>
+                </a:ln>
+                <a:solidFill>
+                  <a:srgbClr val="A71D5D"/>
+                </a:solidFill>
+                <a:effectLst/>
+                <a:latin typeface="Consolas" pitchFamily="49" charset="0"/>
+                <a:ea typeface="굴림" pitchFamily="50" charset="-127"/>
+                <a:cs typeface="굴림" pitchFamily="50" charset="-127"/>
+              </a:rPr>
+              <a:t>operator</a:t>
+            </a:r>
+            <a:r>
+              <a:rPr kumimoji="1" lang="ko-KR" altLang="ko-KR" sz="670" b="1" i="0" u="none" strike="noStrike" cap="none" normalizeH="0" baseline="0" dirty="0" smtClean="0">
+                <a:ln>
+                  <a:noFill/>
+                </a:ln>
+                <a:solidFill>
+                  <a:srgbClr val="63A35C"/>
+                </a:solidFill>
+                <a:effectLst/>
+                <a:latin typeface="Consolas" pitchFamily="49" charset="0"/>
+                <a:ea typeface="굴림" pitchFamily="50" charset="-127"/>
+                <a:cs typeface="굴림" pitchFamily="50" charset="-127"/>
+              </a:rPr>
+              <a:t>""</a:t>
+            </a:r>
+            <a:r>
+              <a:rPr kumimoji="1" lang="ko-KR" altLang="ko-KR" sz="670" b="1" i="0" u="none" strike="noStrike" cap="none" normalizeH="0" baseline="0" dirty="0" smtClean="0">
+                <a:ln>
+                  <a:noFill/>
+                </a:ln>
+                <a:solidFill>
+                  <a:srgbClr val="010101"/>
+                </a:solidFill>
+                <a:effectLst/>
+                <a:latin typeface="Consolas" pitchFamily="49" charset="0"/>
+                <a:ea typeface="굴림" pitchFamily="50" charset="-127"/>
+                <a:cs typeface="굴림" pitchFamily="50" charset="-127"/>
+              </a:rPr>
+              <a:t> _cm(</a:t>
+            </a:r>
+            <a:r>
+              <a:rPr kumimoji="1" lang="ko-KR" altLang="ko-KR" sz="670" b="1" i="0" u="none" strike="noStrike" cap="none" normalizeH="0" baseline="0" dirty="0" smtClean="0">
+                <a:ln>
+                  <a:noFill/>
+                </a:ln>
+                <a:solidFill>
+                  <a:srgbClr val="066DE2"/>
+                </a:solidFill>
+                <a:effectLst/>
+                <a:latin typeface="Consolas" pitchFamily="49" charset="0"/>
+                <a:ea typeface="굴림" pitchFamily="50" charset="-127"/>
+                <a:cs typeface="굴림" pitchFamily="50" charset="-127"/>
+              </a:rPr>
+              <a:t>long</a:t>
+            </a:r>
+            <a:r>
+              <a:rPr kumimoji="1" lang="ko-KR" altLang="ko-KR" sz="670" b="1" i="0" u="none" strike="noStrike" cap="none" normalizeH="0" baseline="0" dirty="0" smtClean="0">
+                <a:ln>
+                  <a:noFill/>
+                </a:ln>
+                <a:solidFill>
+                  <a:srgbClr val="010101"/>
+                </a:solidFill>
+                <a:effectLst/>
+                <a:latin typeface="Consolas" pitchFamily="49" charset="0"/>
+                <a:ea typeface="굴림" pitchFamily="50" charset="-127"/>
+                <a:cs typeface="굴림" pitchFamily="50" charset="-127"/>
+              </a:rPr>
+              <a:t> </a:t>
+            </a:r>
+            <a:r>
+              <a:rPr kumimoji="1" lang="ko-KR" altLang="ko-KR" sz="670" b="1" i="0" u="none" strike="noStrike" cap="none" normalizeH="0" baseline="0" dirty="0" smtClean="0">
+                <a:ln>
+                  <a:noFill/>
+                </a:ln>
+                <a:solidFill>
+                  <a:srgbClr val="066DE2"/>
+                </a:solidFill>
+                <a:effectLst/>
+                <a:latin typeface="Consolas" pitchFamily="49" charset="0"/>
+                <a:ea typeface="굴림" pitchFamily="50" charset="-127"/>
+                <a:cs typeface="굴림" pitchFamily="50" charset="-127"/>
+              </a:rPr>
+              <a:t>double</a:t>
+            </a:r>
+            <a:r>
+              <a:rPr kumimoji="1" lang="ko-KR" altLang="ko-KR" sz="670" b="1" i="0" u="none" strike="noStrike" cap="none" normalizeH="0" baseline="0" dirty="0" smtClean="0">
+                <a:ln>
+                  <a:noFill/>
+                </a:ln>
+                <a:solidFill>
+                  <a:srgbClr val="010101"/>
+                </a:solidFill>
+                <a:effectLst/>
+                <a:latin typeface="Consolas" pitchFamily="49" charset="0"/>
+                <a:ea typeface="굴림" pitchFamily="50" charset="-127"/>
+                <a:cs typeface="굴림" pitchFamily="50" charset="-127"/>
+              </a:rPr>
+              <a:t> c)</a:t>
+            </a:r>
+          </a:p>
+          <a:p>
+            <a:pPr marL="0" marR="0" lvl="0" indent="0" algn="l" defTabSz="914400" rtl="0" eaLnBrk="0" fontAlgn="base" latinLnBrk="0" hangingPunct="0">
+              <a:lnSpc>
+                <a:spcPct val="100000"/>
+              </a:lnSpc>
+              <a:spcBef>
+                <a:spcPct val="0"/>
+              </a:spcBef>
+              <a:spcAft>
+                <a:spcPct val="0"/>
+              </a:spcAft>
+              <a:buClrTx/>
+              <a:buSzTx/>
+              <a:buFontTx/>
+              <a:buNone/>
+              <a:tabLst/>
+            </a:pPr>
+            <a:r>
+              <a:rPr kumimoji="1" lang="en-US" altLang="ko-KR" sz="670" b="1" i="0" u="none" strike="noStrike" cap="none" normalizeH="0" baseline="0" dirty="0" smtClean="0">
+                <a:ln>
+                  <a:noFill/>
+                </a:ln>
+                <a:solidFill>
+                  <a:srgbClr val="010101"/>
+                </a:solidFill>
+                <a:effectLst/>
+                <a:latin typeface="Consolas" pitchFamily="49" charset="0"/>
+                <a:ea typeface="굴림" pitchFamily="50" charset="-127"/>
+                <a:cs typeface="굴림" pitchFamily="50" charset="-127"/>
+              </a:rPr>
+              <a:t>		</a:t>
+            </a:r>
+            <a:r>
+              <a:rPr kumimoji="1" lang="ko-KR" altLang="ko-KR" sz="670" b="1" i="0" u="none" strike="noStrike" cap="none" normalizeH="0" baseline="0" dirty="0" smtClean="0">
+                <a:ln>
+                  <a:noFill/>
+                </a:ln>
+                <a:solidFill>
+                  <a:srgbClr val="010101"/>
+                </a:solidFill>
+                <a:effectLst/>
+                <a:latin typeface="Consolas" pitchFamily="49" charset="0"/>
+                <a:ea typeface="굴림" pitchFamily="50" charset="-127"/>
+                <a:cs typeface="굴림" pitchFamily="50" charset="-127"/>
+              </a:rPr>
+              <a:t>{</a:t>
+            </a:r>
+          </a:p>
+          <a:p>
+            <a:pPr marL="0" marR="0" lvl="0" indent="0" algn="l" defTabSz="914400" rtl="0" eaLnBrk="0" fontAlgn="base" latinLnBrk="0" hangingPunct="0">
+              <a:lnSpc>
+                <a:spcPct val="100000"/>
+              </a:lnSpc>
+              <a:spcBef>
+                <a:spcPct val="0"/>
+              </a:spcBef>
+              <a:spcAft>
+                <a:spcPct val="0"/>
+              </a:spcAft>
+              <a:buClrTx/>
+              <a:buSzTx/>
+              <a:buFontTx/>
+              <a:buNone/>
+              <a:tabLst/>
+            </a:pPr>
+            <a:r>
+              <a:rPr kumimoji="1" lang="en-US" altLang="ko-KR" sz="670" b="1" i="0" u="none" strike="noStrike" cap="none" normalizeH="0" baseline="0" dirty="0" smtClean="0">
+                <a:ln>
+                  <a:noFill/>
+                </a:ln>
+                <a:solidFill>
+                  <a:srgbClr val="A71D5D"/>
+                </a:solidFill>
+                <a:effectLst/>
+                <a:latin typeface="Consolas" pitchFamily="49" charset="0"/>
+                <a:ea typeface="굴림" pitchFamily="50" charset="-127"/>
+                <a:cs typeface="굴림" pitchFamily="50" charset="-127"/>
+              </a:rPr>
+              <a:t>			</a:t>
+            </a:r>
+            <a:r>
+              <a:rPr kumimoji="1" lang="ko-KR" altLang="ko-KR" sz="670" b="1" i="0" u="none" strike="noStrike" cap="none" normalizeH="0" baseline="0" dirty="0" smtClean="0">
+                <a:ln>
+                  <a:noFill/>
+                </a:ln>
+                <a:solidFill>
+                  <a:srgbClr val="A71D5D"/>
+                </a:solidFill>
+                <a:effectLst/>
+                <a:latin typeface="Consolas" pitchFamily="49" charset="0"/>
+                <a:ea typeface="굴림" pitchFamily="50" charset="-127"/>
+                <a:cs typeface="굴림" pitchFamily="50" charset="-127"/>
+              </a:rPr>
+              <a:t>return</a:t>
+            </a:r>
+            <a:r>
+              <a:rPr kumimoji="1" lang="ko-KR" altLang="ko-KR" sz="670" b="1" i="0" u="none" strike="noStrike" cap="none" normalizeH="0" baseline="0" dirty="0" smtClean="0">
+                <a:ln>
+                  <a:noFill/>
+                </a:ln>
+                <a:solidFill>
+                  <a:srgbClr val="010101"/>
+                </a:solidFill>
+                <a:effectLst/>
+                <a:latin typeface="Consolas" pitchFamily="49" charset="0"/>
+                <a:ea typeface="굴림" pitchFamily="50" charset="-127"/>
+                <a:cs typeface="굴림" pitchFamily="50" charset="-127"/>
+              </a:rPr>
+              <a:t> MyDistance(c</a:t>
+            </a:r>
+            <a:r>
+              <a:rPr kumimoji="1" lang="ko-KR" altLang="ko-KR" sz="670" b="1" i="0" u="none" strike="noStrike" cap="none" normalizeH="0" baseline="0" dirty="0" smtClean="0">
+                <a:ln>
+                  <a:noFill/>
+                </a:ln>
+                <a:solidFill>
+                  <a:srgbClr val="A71D5D"/>
+                </a:solidFill>
+                <a:effectLst/>
+                <a:latin typeface="Consolas" pitchFamily="49" charset="0"/>
+                <a:ea typeface="굴림" pitchFamily="50" charset="-127"/>
+                <a:cs typeface="굴림" pitchFamily="50" charset="-127"/>
+              </a:rPr>
+              <a:t>/</a:t>
+            </a:r>
+            <a:r>
+              <a:rPr kumimoji="1" lang="ko-KR" altLang="ko-KR" sz="670" b="1" i="0" u="none" strike="noStrike" cap="none" normalizeH="0" baseline="0" dirty="0" smtClean="0">
+                <a:ln>
+                  <a:noFill/>
+                </a:ln>
+                <a:solidFill>
+                  <a:srgbClr val="0099CC"/>
+                </a:solidFill>
+                <a:effectLst/>
+                <a:latin typeface="Consolas" pitchFamily="49" charset="0"/>
+                <a:ea typeface="굴림" pitchFamily="50" charset="-127"/>
+                <a:cs typeface="굴림" pitchFamily="50" charset="-127"/>
+              </a:rPr>
+              <a:t>100</a:t>
+            </a:r>
+            <a:r>
+              <a:rPr kumimoji="1" lang="ko-KR" altLang="ko-KR" sz="670" b="1" i="0" u="none" strike="noStrike" cap="none" normalizeH="0" baseline="0" dirty="0" smtClean="0">
+                <a:ln>
+                  <a:noFill/>
+                </a:ln>
+                <a:solidFill>
+                  <a:srgbClr val="010101"/>
+                </a:solidFill>
+                <a:effectLst/>
+                <a:latin typeface="Consolas" pitchFamily="49" charset="0"/>
+                <a:ea typeface="굴림" pitchFamily="50" charset="-127"/>
+                <a:cs typeface="굴림" pitchFamily="50" charset="-127"/>
+              </a:rPr>
+              <a:t>);</a:t>
+            </a:r>
+          </a:p>
+          <a:p>
+            <a:pPr marL="0" marR="0" lvl="0" indent="0" algn="l" defTabSz="914400" rtl="0" eaLnBrk="0" fontAlgn="base" latinLnBrk="0" hangingPunct="0">
+              <a:lnSpc>
+                <a:spcPct val="100000"/>
+              </a:lnSpc>
+              <a:spcBef>
+                <a:spcPct val="0"/>
+              </a:spcBef>
+              <a:spcAft>
+                <a:spcPct val="0"/>
+              </a:spcAft>
+              <a:buClrTx/>
+              <a:buSzTx/>
+              <a:buFontTx/>
+              <a:buNone/>
+              <a:tabLst/>
+            </a:pPr>
+            <a:r>
+              <a:rPr kumimoji="1" lang="en-US" altLang="ko-KR" sz="670" b="1" i="0" u="none" strike="noStrike" cap="none" normalizeH="0" baseline="0" dirty="0" smtClean="0">
+                <a:ln>
+                  <a:noFill/>
+                </a:ln>
+                <a:solidFill>
+                  <a:srgbClr val="010101"/>
+                </a:solidFill>
+                <a:effectLst/>
+                <a:latin typeface="Consolas" pitchFamily="49" charset="0"/>
+                <a:ea typeface="굴림" pitchFamily="50" charset="-127"/>
+                <a:cs typeface="굴림" pitchFamily="50" charset="-127"/>
+              </a:rPr>
+              <a:t>		</a:t>
+            </a:r>
+            <a:r>
+              <a:rPr kumimoji="1" lang="ko-KR" altLang="ko-KR" sz="670" b="1" i="0" u="none" strike="noStrike" cap="none" normalizeH="0" baseline="0" dirty="0" smtClean="0">
+                <a:ln>
+                  <a:noFill/>
+                </a:ln>
+                <a:solidFill>
+                  <a:srgbClr val="010101"/>
+                </a:solidFill>
+                <a:effectLst/>
+                <a:latin typeface="Consolas" pitchFamily="49" charset="0"/>
+                <a:ea typeface="굴림" pitchFamily="50" charset="-127"/>
+                <a:cs typeface="굴림" pitchFamily="50" charset="-127"/>
+              </a:rPr>
+              <a:t>}</a:t>
+            </a:r>
+          </a:p>
+          <a:p>
+            <a:pPr marL="0" marR="0" lvl="0" indent="0" algn="l" defTabSz="914400" rtl="0" eaLnBrk="0" fontAlgn="base" latinLnBrk="0" hangingPunct="0">
+              <a:lnSpc>
+                <a:spcPct val="100000"/>
+              </a:lnSpc>
+              <a:spcBef>
+                <a:spcPct val="0"/>
+              </a:spcBef>
+              <a:spcAft>
+                <a:spcPct val="0"/>
+              </a:spcAft>
+              <a:buClrTx/>
+              <a:buSzTx/>
+              <a:buFontTx/>
+              <a:buNone/>
+              <a:tabLst/>
+            </a:pPr>
+            <a:r>
+              <a:rPr kumimoji="1" lang="en-US" altLang="ko-KR" sz="670" b="1" i="0" u="none" strike="noStrike" cap="none" normalizeH="0" baseline="0" dirty="0" smtClean="0">
+                <a:ln>
+                  <a:noFill/>
+                </a:ln>
+                <a:solidFill>
+                  <a:srgbClr val="010101"/>
+                </a:solidFill>
+                <a:effectLst/>
+                <a:latin typeface="Consolas" pitchFamily="49" charset="0"/>
+                <a:ea typeface="굴림" pitchFamily="50" charset="-127"/>
+                <a:cs typeface="굴림" pitchFamily="50" charset="-127"/>
+              </a:rPr>
+              <a:t>	</a:t>
+            </a:r>
+            <a:r>
+              <a:rPr kumimoji="1" lang="ko-KR" altLang="ko-KR" sz="670" b="1" i="0" u="none" strike="noStrike" cap="none" normalizeH="0" baseline="0" dirty="0" smtClean="0">
+                <a:ln>
+                  <a:noFill/>
+                </a:ln>
+                <a:solidFill>
+                  <a:srgbClr val="010101"/>
+                </a:solidFill>
+                <a:effectLst/>
+                <a:latin typeface="Consolas" pitchFamily="49" charset="0"/>
+                <a:ea typeface="굴림" pitchFamily="50" charset="-127"/>
+                <a:cs typeface="굴림" pitchFamily="50" charset="-127"/>
+              </a:rPr>
+              <a:t>}</a:t>
+            </a:r>
+          </a:p>
+          <a:p>
+            <a:pPr marL="0" marR="0" lvl="0" indent="0" algn="l" defTabSz="914400" rtl="0" eaLnBrk="0" fontAlgn="base" latinLnBrk="0" hangingPunct="0">
+              <a:lnSpc>
+                <a:spcPct val="100000"/>
+              </a:lnSpc>
+              <a:spcBef>
+                <a:spcPct val="0"/>
+              </a:spcBef>
+              <a:spcAft>
+                <a:spcPct val="0"/>
+              </a:spcAft>
+              <a:buClrTx/>
+              <a:buSzTx/>
+              <a:buFontTx/>
+              <a:buNone/>
+              <a:tabLst/>
+            </a:pPr>
+            <a:r>
+              <a:rPr kumimoji="1" lang="ko-KR" altLang="ko-KR" sz="670" b="1" i="0" u="none" strike="noStrike" cap="none" normalizeH="0" baseline="0" dirty="0" smtClean="0">
+                <a:ln>
+                  <a:noFill/>
+                </a:ln>
+                <a:solidFill>
+                  <a:srgbClr val="010101"/>
+                </a:solidFill>
+                <a:effectLst/>
+                <a:latin typeface="Consolas" pitchFamily="49" charset="0"/>
+                <a:ea typeface="굴림" pitchFamily="50" charset="-127"/>
+                <a:cs typeface="굴림" pitchFamily="50" charset="-127"/>
+              </a:rPr>
+              <a:t>}</a:t>
+            </a:r>
+          </a:p>
+          <a:p>
+            <a:pPr marL="0" marR="0" lvl="0" indent="0" algn="l" defTabSz="914400" rtl="0" eaLnBrk="0" fontAlgn="base" latinLnBrk="0" hangingPunct="0">
+              <a:lnSpc>
+                <a:spcPct val="100000"/>
+              </a:lnSpc>
+              <a:spcBef>
+                <a:spcPct val="0"/>
+              </a:spcBef>
+              <a:spcAft>
+                <a:spcPct val="0"/>
+              </a:spcAft>
+              <a:buClrTx/>
+              <a:buSzTx/>
+              <a:buFontTx/>
+              <a:buNone/>
+              <a:tabLst/>
+            </a:pPr>
+            <a:r>
+              <a:rPr kumimoji="1" lang="ko-KR" altLang="ko-KR" sz="670" b="1" i="0" u="none" strike="noStrike" cap="none" normalizeH="0" baseline="0" dirty="0" smtClean="0">
+                <a:ln>
+                  <a:noFill/>
+                </a:ln>
+                <a:solidFill>
+                  <a:srgbClr val="A71D5D"/>
+                </a:solidFill>
+                <a:effectLst/>
+                <a:latin typeface="Consolas" pitchFamily="49" charset="0"/>
+                <a:ea typeface="굴림" pitchFamily="50" charset="-127"/>
+                <a:cs typeface="굴림" pitchFamily="50" charset="-127"/>
+              </a:rPr>
+              <a:t>void</a:t>
+            </a:r>
+            <a:r>
+              <a:rPr kumimoji="1" lang="ko-KR" altLang="ko-KR" sz="670" b="1" i="0" u="none" strike="noStrike" cap="none" normalizeH="0" baseline="0" dirty="0" smtClean="0">
+                <a:ln>
+                  <a:noFill/>
+                </a:ln>
+                <a:solidFill>
+                  <a:srgbClr val="010101"/>
+                </a:solidFill>
+                <a:effectLst/>
+                <a:latin typeface="Consolas" pitchFamily="49" charset="0"/>
+                <a:ea typeface="굴림" pitchFamily="50" charset="-127"/>
+                <a:cs typeface="굴림" pitchFamily="50" charset="-127"/>
+              </a:rPr>
+              <a:t> main()</a:t>
+            </a:r>
+          </a:p>
+          <a:p>
+            <a:pPr marL="0" marR="0" lvl="0" indent="0" algn="l" defTabSz="914400" rtl="0" eaLnBrk="0" fontAlgn="base" latinLnBrk="0" hangingPunct="0">
+              <a:lnSpc>
+                <a:spcPct val="100000"/>
+              </a:lnSpc>
+              <a:spcBef>
+                <a:spcPct val="0"/>
+              </a:spcBef>
+              <a:spcAft>
+                <a:spcPct val="0"/>
+              </a:spcAft>
+              <a:buClrTx/>
+              <a:buSzTx/>
+              <a:buFontTx/>
+              <a:buNone/>
+              <a:tabLst/>
+            </a:pPr>
+            <a:r>
+              <a:rPr kumimoji="1" lang="ko-KR" altLang="ko-KR" sz="670" b="1" i="0" u="none" strike="noStrike" cap="none" normalizeH="0" baseline="0" dirty="0" smtClean="0">
+                <a:ln>
+                  <a:noFill/>
+                </a:ln>
+                <a:solidFill>
+                  <a:srgbClr val="010101"/>
+                </a:solidFill>
+                <a:effectLst/>
+                <a:latin typeface="Consolas" pitchFamily="49" charset="0"/>
+                <a:ea typeface="굴림" pitchFamily="50" charset="-127"/>
+                <a:cs typeface="굴림" pitchFamily="50" charset="-127"/>
+              </a:rPr>
+              <a:t>{</a:t>
+            </a:r>
+          </a:p>
+          <a:p>
+            <a:pPr marL="0" marR="0" lvl="0" indent="0" algn="l" defTabSz="914400" rtl="0" eaLnBrk="0" fontAlgn="base" latinLnBrk="0" hangingPunct="0">
+              <a:lnSpc>
+                <a:spcPct val="100000"/>
+              </a:lnSpc>
+              <a:spcBef>
+                <a:spcPct val="0"/>
+              </a:spcBef>
+              <a:spcAft>
+                <a:spcPct val="0"/>
+              </a:spcAft>
+              <a:buClrTx/>
+              <a:buSzTx/>
+              <a:buFontTx/>
+              <a:buNone/>
+              <a:tabLst/>
+            </a:pPr>
+            <a:r>
+              <a:rPr kumimoji="1" lang="en-US" altLang="ko-KR" sz="670" b="1" i="0" u="none" strike="noStrike" cap="none" normalizeH="0" baseline="0" dirty="0" smtClean="0">
+                <a:ln>
+                  <a:noFill/>
+                </a:ln>
+                <a:solidFill>
+                  <a:srgbClr val="A71D5D"/>
+                </a:solidFill>
+                <a:effectLst/>
+                <a:latin typeface="Consolas" pitchFamily="49" charset="0"/>
+                <a:ea typeface="굴림" pitchFamily="50" charset="-127"/>
+                <a:cs typeface="굴림" pitchFamily="50" charset="-127"/>
+              </a:rPr>
+              <a:t>	</a:t>
+            </a:r>
+            <a:r>
+              <a:rPr kumimoji="1" lang="ko-KR" altLang="ko-KR" sz="670" b="1" i="0" u="none" strike="noStrike" cap="none" normalizeH="0" baseline="0" dirty="0" smtClean="0">
+                <a:ln>
+                  <a:noFill/>
+                </a:ln>
+                <a:solidFill>
+                  <a:srgbClr val="A71D5D"/>
+                </a:solidFill>
+                <a:effectLst/>
+                <a:latin typeface="Consolas" pitchFamily="49" charset="0"/>
+                <a:ea typeface="굴림" pitchFamily="50" charset="-127"/>
+                <a:cs typeface="굴림" pitchFamily="50" charset="-127"/>
+              </a:rPr>
+              <a:t>using</a:t>
+            </a:r>
+            <a:r>
+              <a:rPr kumimoji="1" lang="ko-KR" altLang="ko-KR" sz="670" b="1" i="0" u="none" strike="noStrike" cap="none" normalizeH="0" baseline="0" dirty="0" smtClean="0">
+                <a:ln>
+                  <a:noFill/>
+                </a:ln>
+                <a:solidFill>
+                  <a:srgbClr val="010101"/>
+                </a:solidFill>
+                <a:effectLst/>
+                <a:latin typeface="Consolas" pitchFamily="49" charset="0"/>
+                <a:ea typeface="굴림" pitchFamily="50" charset="-127"/>
+                <a:cs typeface="굴림" pitchFamily="50" charset="-127"/>
+              </a:rPr>
+              <a:t> </a:t>
+            </a:r>
+            <a:r>
+              <a:rPr kumimoji="1" lang="ko-KR" altLang="ko-KR" sz="670" b="1" i="0" u="none" strike="noStrike" cap="none" normalizeH="0" baseline="0" dirty="0" smtClean="0">
+                <a:ln>
+                  <a:noFill/>
+                </a:ln>
+                <a:solidFill>
+                  <a:srgbClr val="A71D5D"/>
+                </a:solidFill>
+                <a:effectLst/>
+                <a:latin typeface="Consolas" pitchFamily="49" charset="0"/>
+                <a:ea typeface="굴림" pitchFamily="50" charset="-127"/>
+                <a:cs typeface="굴림" pitchFamily="50" charset="-127"/>
+              </a:rPr>
+              <a:t>namespace</a:t>
+            </a:r>
+            <a:r>
+              <a:rPr kumimoji="1" lang="ko-KR" altLang="ko-KR" sz="670" b="1" i="0" u="none" strike="noStrike" cap="none" normalizeH="0" baseline="0" dirty="0" smtClean="0">
+                <a:ln>
+                  <a:noFill/>
+                </a:ln>
+                <a:solidFill>
+                  <a:srgbClr val="010101"/>
+                </a:solidFill>
+                <a:effectLst/>
+                <a:latin typeface="Consolas" pitchFamily="49" charset="0"/>
+                <a:ea typeface="굴림" pitchFamily="50" charset="-127"/>
+                <a:cs typeface="굴림" pitchFamily="50" charset="-127"/>
+              </a:rPr>
+              <a:t> Distance::Unit;</a:t>
+            </a:r>
+          </a:p>
+          <a:p>
+            <a:pPr marL="0" marR="0" lvl="0" indent="0" algn="l" defTabSz="914400" rtl="0" eaLnBrk="0" fontAlgn="base" latinLnBrk="0" hangingPunct="0">
+              <a:lnSpc>
+                <a:spcPct val="100000"/>
+              </a:lnSpc>
+              <a:spcBef>
+                <a:spcPct val="0"/>
+              </a:spcBef>
+              <a:spcAft>
+                <a:spcPct val="0"/>
+              </a:spcAft>
+              <a:buClrTx/>
+              <a:buSzTx/>
+              <a:buFontTx/>
+              <a:buNone/>
+              <a:tabLst/>
+            </a:pPr>
+            <a:r>
+              <a:rPr kumimoji="1" lang="en-US" altLang="ko-KR" sz="670" b="1" i="0" u="none" strike="noStrike" cap="none" normalizeH="0" baseline="0" dirty="0" smtClean="0">
+                <a:ln>
+                  <a:noFill/>
+                </a:ln>
+                <a:solidFill>
+                  <a:srgbClr val="066DE2"/>
+                </a:solidFill>
+                <a:effectLst/>
+                <a:latin typeface="Consolas" pitchFamily="49" charset="0"/>
+                <a:ea typeface="굴림" pitchFamily="50" charset="-127"/>
+                <a:cs typeface="굴림" pitchFamily="50" charset="-127"/>
+              </a:rPr>
+              <a:t>	</a:t>
+            </a:r>
+            <a:r>
+              <a:rPr kumimoji="1" lang="ko-KR" altLang="ko-KR" sz="670" b="1" i="0" u="none" strike="noStrike" cap="none" normalizeH="0" baseline="0" dirty="0" smtClean="0">
+                <a:ln>
+                  <a:noFill/>
+                </a:ln>
+                <a:solidFill>
+                  <a:srgbClr val="066DE2"/>
+                </a:solidFill>
+                <a:effectLst/>
+                <a:latin typeface="Consolas" pitchFamily="49" charset="0"/>
+                <a:ea typeface="굴림" pitchFamily="50" charset="-127"/>
+                <a:cs typeface="굴림" pitchFamily="50" charset="-127"/>
+              </a:rPr>
+              <a:t>std</a:t>
+            </a:r>
+            <a:r>
+              <a:rPr kumimoji="1" lang="ko-KR" altLang="ko-KR" sz="670" b="1" i="0" u="none" strike="noStrike" cap="none" normalizeH="0" baseline="0" dirty="0" smtClean="0">
+                <a:ln>
+                  <a:noFill/>
+                </a:ln>
+                <a:solidFill>
+                  <a:srgbClr val="010101"/>
+                </a:solidFill>
+                <a:effectLst/>
+                <a:latin typeface="Consolas" pitchFamily="49" charset="0"/>
+                <a:ea typeface="굴림" pitchFamily="50" charset="-127"/>
+                <a:cs typeface="굴림" pitchFamily="50" charset="-127"/>
+              </a:rPr>
+              <a:t>::</a:t>
+            </a:r>
+            <a:r>
+              <a:rPr kumimoji="1" lang="ko-KR" altLang="ko-KR" sz="670" b="1" i="0" u="none" strike="noStrike" cap="none" normalizeH="0" baseline="0" dirty="0" smtClean="0">
+                <a:ln>
+                  <a:noFill/>
+                </a:ln>
+                <a:solidFill>
+                  <a:srgbClr val="066DE2"/>
+                </a:solidFill>
+                <a:effectLst/>
+                <a:latin typeface="Consolas" pitchFamily="49" charset="0"/>
+                <a:ea typeface="굴림" pitchFamily="50" charset="-127"/>
+                <a:cs typeface="굴림" pitchFamily="50" charset="-127"/>
+              </a:rPr>
+              <a:t>cout</a:t>
+            </a:r>
+            <a:r>
+              <a:rPr kumimoji="1" lang="ko-KR" altLang="ko-KR" sz="670" b="1" i="0" u="none" strike="noStrike" cap="none" normalizeH="0" baseline="0" dirty="0" smtClean="0">
+                <a:ln>
+                  <a:noFill/>
+                </a:ln>
+                <a:solidFill>
+                  <a:srgbClr val="010101"/>
+                </a:solidFill>
+                <a:effectLst/>
+                <a:latin typeface="Consolas" pitchFamily="49" charset="0"/>
+                <a:ea typeface="굴림" pitchFamily="50" charset="-127"/>
+                <a:cs typeface="굴림" pitchFamily="50" charset="-127"/>
+              </a:rPr>
+              <a:t> </a:t>
+            </a:r>
+            <a:r>
+              <a:rPr kumimoji="1" lang="ko-KR" altLang="ko-KR" sz="670" b="1" i="0" u="none" strike="noStrike" cap="none" normalizeH="0" baseline="0" dirty="0" smtClean="0">
+                <a:ln>
+                  <a:noFill/>
+                </a:ln>
+                <a:solidFill>
+                  <a:srgbClr val="A71D5D"/>
+                </a:solidFill>
+                <a:effectLst/>
+                <a:latin typeface="Consolas" pitchFamily="49" charset="0"/>
+                <a:ea typeface="굴림" pitchFamily="50" charset="-127"/>
+                <a:cs typeface="굴림" pitchFamily="50" charset="-127"/>
+              </a:rPr>
+              <a:t>&lt;&lt;</a:t>
+            </a:r>
+            <a:r>
+              <a:rPr kumimoji="1" lang="ko-KR" altLang="ko-KR" sz="670" b="1" i="0" u="none" strike="noStrike" cap="none" normalizeH="0" baseline="0" dirty="0" smtClean="0">
+                <a:ln>
+                  <a:noFill/>
+                </a:ln>
+                <a:solidFill>
+                  <a:srgbClr val="010101"/>
+                </a:solidFill>
+                <a:effectLst/>
+                <a:latin typeface="Consolas" pitchFamily="49" charset="0"/>
+                <a:ea typeface="굴림" pitchFamily="50" charset="-127"/>
+                <a:cs typeface="굴림" pitchFamily="50" charset="-127"/>
+              </a:rPr>
+              <a:t> </a:t>
+            </a:r>
+            <a:r>
+              <a:rPr kumimoji="1" lang="ko-KR" altLang="ko-KR" sz="670" b="1" i="0" u="none" strike="noStrike" cap="none" normalizeH="0" baseline="0" dirty="0" smtClean="0">
+                <a:ln>
+                  <a:noFill/>
+                </a:ln>
+                <a:solidFill>
+                  <a:srgbClr val="066DE2"/>
+                </a:solidFill>
+                <a:effectLst/>
+                <a:latin typeface="Consolas" pitchFamily="49" charset="0"/>
+                <a:ea typeface="굴림" pitchFamily="50" charset="-127"/>
+                <a:cs typeface="굴림" pitchFamily="50" charset="-127"/>
+              </a:rPr>
+              <a:t>std</a:t>
+            </a:r>
+            <a:r>
+              <a:rPr kumimoji="1" lang="ko-KR" altLang="ko-KR" sz="670" b="1" i="0" u="none" strike="noStrike" cap="none" normalizeH="0" baseline="0" dirty="0" smtClean="0">
+                <a:ln>
+                  <a:noFill/>
+                </a:ln>
+                <a:solidFill>
+                  <a:srgbClr val="010101"/>
+                </a:solidFill>
+                <a:effectLst/>
+                <a:latin typeface="Consolas" pitchFamily="49" charset="0"/>
+                <a:ea typeface="굴림" pitchFamily="50" charset="-127"/>
+                <a:cs typeface="굴림" pitchFamily="50" charset="-127"/>
+              </a:rPr>
+              <a:t>::setprecision(</a:t>
+            </a:r>
+            <a:r>
+              <a:rPr kumimoji="1" lang="ko-KR" altLang="ko-KR" sz="670" b="1" i="0" u="none" strike="noStrike" cap="none" normalizeH="0" baseline="0" dirty="0" smtClean="0">
+                <a:ln>
+                  <a:noFill/>
+                </a:ln>
+                <a:solidFill>
+                  <a:srgbClr val="0099CC"/>
+                </a:solidFill>
+                <a:effectLst/>
+                <a:latin typeface="Consolas" pitchFamily="49" charset="0"/>
+                <a:ea typeface="굴림" pitchFamily="50" charset="-127"/>
+                <a:cs typeface="굴림" pitchFamily="50" charset="-127"/>
+              </a:rPr>
+              <a:t>7</a:t>
+            </a:r>
+            <a:r>
+              <a:rPr kumimoji="1" lang="ko-KR" altLang="ko-KR" sz="670" b="1" i="0" u="none" strike="noStrike" cap="none" normalizeH="0" baseline="0" dirty="0" smtClean="0">
+                <a:ln>
+                  <a:noFill/>
+                </a:ln>
+                <a:solidFill>
+                  <a:srgbClr val="010101"/>
+                </a:solidFill>
+                <a:effectLst/>
+                <a:latin typeface="Consolas" pitchFamily="49" charset="0"/>
+                <a:ea typeface="굴림" pitchFamily="50" charset="-127"/>
+                <a:cs typeface="굴림" pitchFamily="50" charset="-127"/>
+              </a:rPr>
+              <a:t>) </a:t>
+            </a:r>
+            <a:r>
+              <a:rPr kumimoji="1" lang="ko-KR" altLang="ko-KR" sz="670" b="1" i="0" u="none" strike="noStrike" cap="none" normalizeH="0" baseline="0" dirty="0" smtClean="0">
+                <a:ln>
+                  <a:noFill/>
+                </a:ln>
+                <a:solidFill>
+                  <a:srgbClr val="A71D5D"/>
+                </a:solidFill>
+                <a:effectLst/>
+                <a:latin typeface="Consolas" pitchFamily="49" charset="0"/>
+                <a:ea typeface="굴림" pitchFamily="50" charset="-127"/>
+                <a:cs typeface="굴림" pitchFamily="50" charset="-127"/>
+              </a:rPr>
+              <a:t>&lt;&lt;</a:t>
+            </a:r>
+            <a:r>
+              <a:rPr kumimoji="1" lang="ko-KR" altLang="ko-KR" sz="670" b="1" i="0" u="none" strike="noStrike" cap="none" normalizeH="0" baseline="0" dirty="0" smtClean="0">
+                <a:ln>
+                  <a:noFill/>
+                </a:ln>
+                <a:solidFill>
+                  <a:srgbClr val="010101"/>
+                </a:solidFill>
+                <a:effectLst/>
+                <a:latin typeface="Consolas" pitchFamily="49" charset="0"/>
+                <a:ea typeface="굴림" pitchFamily="50" charset="-127"/>
+                <a:cs typeface="굴림" pitchFamily="50" charset="-127"/>
+              </a:rPr>
+              <a:t> </a:t>
+            </a:r>
+            <a:r>
+              <a:rPr kumimoji="1" lang="ko-KR" altLang="ko-KR" sz="670" b="1" i="0" u="none" strike="noStrike" cap="none" normalizeH="0" baseline="0" dirty="0" smtClean="0">
+                <a:ln>
+                  <a:noFill/>
+                </a:ln>
+                <a:solidFill>
+                  <a:srgbClr val="63A35C"/>
+                </a:solidFill>
+                <a:effectLst/>
+                <a:latin typeface="Consolas" pitchFamily="49" charset="0"/>
+                <a:ea typeface="굴림" pitchFamily="50" charset="-127"/>
+                <a:cs typeface="굴림" pitchFamily="50" charset="-127"/>
+              </a:rPr>
+              <a:t>'\n'</a:t>
+            </a:r>
+            <a:r>
+              <a:rPr kumimoji="1" lang="ko-KR" altLang="ko-KR" sz="670" b="1" i="0" u="none" strike="noStrike" cap="none" normalizeH="0" baseline="0" dirty="0" smtClean="0">
+                <a:ln>
+                  <a:noFill/>
+                </a:ln>
+                <a:solidFill>
+                  <a:srgbClr val="010101"/>
+                </a:solidFill>
+                <a:effectLst/>
+                <a:latin typeface="Consolas" pitchFamily="49" charset="0"/>
+                <a:ea typeface="굴림" pitchFamily="50" charset="-127"/>
+                <a:cs typeface="굴림" pitchFamily="50" charset="-127"/>
+              </a:rPr>
+              <a:t>;</a:t>
+            </a:r>
+          </a:p>
+          <a:p>
+            <a:pPr marL="0" marR="0" lvl="0" indent="0" algn="l" defTabSz="914400" rtl="0" eaLnBrk="0" fontAlgn="base" latinLnBrk="0" hangingPunct="0">
+              <a:lnSpc>
+                <a:spcPct val="100000"/>
+              </a:lnSpc>
+              <a:spcBef>
+                <a:spcPct val="0"/>
+              </a:spcBef>
+              <a:spcAft>
+                <a:spcPct val="0"/>
+              </a:spcAft>
+              <a:buClrTx/>
+              <a:buSzTx/>
+              <a:buFontTx/>
+              <a:buNone/>
+              <a:tabLst/>
+            </a:pPr>
+            <a:r>
+              <a:rPr kumimoji="1" lang="en-US" altLang="ko-KR" sz="670" b="1" i="0" u="none" strike="noStrike" cap="none" normalizeH="0" baseline="0" dirty="0" smtClean="0">
+                <a:ln>
+                  <a:noFill/>
+                </a:ln>
+                <a:solidFill>
+                  <a:srgbClr val="066DE2"/>
+                </a:solidFill>
+                <a:effectLst/>
+                <a:latin typeface="Consolas" pitchFamily="49" charset="0"/>
+                <a:ea typeface="굴림" pitchFamily="50" charset="-127"/>
+                <a:cs typeface="굴림" pitchFamily="50" charset="-127"/>
+              </a:rPr>
+              <a:t>	</a:t>
+            </a:r>
+            <a:r>
+              <a:rPr kumimoji="1" lang="ko-KR" altLang="ko-KR" sz="670" b="1" i="0" u="none" strike="noStrike" cap="none" normalizeH="0" baseline="0" dirty="0" smtClean="0">
+                <a:ln>
+                  <a:noFill/>
+                </a:ln>
+                <a:solidFill>
+                  <a:srgbClr val="066DE2"/>
+                </a:solidFill>
+                <a:effectLst/>
+                <a:latin typeface="Consolas" pitchFamily="49" charset="0"/>
+                <a:ea typeface="굴림" pitchFamily="50" charset="-127"/>
+                <a:cs typeface="굴림" pitchFamily="50" charset="-127"/>
+              </a:rPr>
+              <a:t>std</a:t>
+            </a:r>
+            <a:r>
+              <a:rPr kumimoji="1" lang="ko-KR" altLang="ko-KR" sz="670" b="1" i="0" u="none" strike="noStrike" cap="none" normalizeH="0" baseline="0" dirty="0" smtClean="0">
+                <a:ln>
+                  <a:noFill/>
+                </a:ln>
+                <a:solidFill>
+                  <a:srgbClr val="010101"/>
+                </a:solidFill>
+                <a:effectLst/>
+                <a:latin typeface="Consolas" pitchFamily="49" charset="0"/>
+                <a:ea typeface="굴림" pitchFamily="50" charset="-127"/>
+                <a:cs typeface="굴림" pitchFamily="50" charset="-127"/>
+              </a:rPr>
+              <a:t>::</a:t>
+            </a:r>
+            <a:r>
+              <a:rPr kumimoji="1" lang="ko-KR" altLang="ko-KR" sz="670" b="1" i="0" u="none" strike="noStrike" cap="none" normalizeH="0" baseline="0" dirty="0" smtClean="0">
+                <a:ln>
+                  <a:noFill/>
+                </a:ln>
+                <a:solidFill>
+                  <a:srgbClr val="066DE2"/>
+                </a:solidFill>
+                <a:effectLst/>
+                <a:latin typeface="Consolas" pitchFamily="49" charset="0"/>
+                <a:ea typeface="굴림" pitchFamily="50" charset="-127"/>
+                <a:cs typeface="굴림" pitchFamily="50" charset="-127"/>
+              </a:rPr>
+              <a:t>cout</a:t>
+            </a:r>
+            <a:r>
+              <a:rPr kumimoji="1" lang="ko-KR" altLang="ko-KR" sz="670" b="1" i="0" u="none" strike="noStrike" cap="none" normalizeH="0" baseline="0" dirty="0" smtClean="0">
+                <a:ln>
+                  <a:noFill/>
+                </a:ln>
+                <a:solidFill>
+                  <a:srgbClr val="010101"/>
+                </a:solidFill>
+                <a:effectLst/>
+                <a:latin typeface="Consolas" pitchFamily="49" charset="0"/>
+                <a:ea typeface="굴림" pitchFamily="50" charset="-127"/>
+                <a:cs typeface="굴림" pitchFamily="50" charset="-127"/>
+              </a:rPr>
+              <a:t> </a:t>
+            </a:r>
+            <a:r>
+              <a:rPr kumimoji="1" lang="ko-KR" altLang="ko-KR" sz="670" b="1" i="0" u="none" strike="noStrike" cap="none" normalizeH="0" baseline="0" dirty="0" smtClean="0">
+                <a:ln>
+                  <a:noFill/>
+                </a:ln>
+                <a:solidFill>
+                  <a:srgbClr val="A71D5D"/>
+                </a:solidFill>
+                <a:effectLst/>
+                <a:latin typeface="Consolas" pitchFamily="49" charset="0"/>
+                <a:ea typeface="굴림" pitchFamily="50" charset="-127"/>
+                <a:cs typeface="굴림" pitchFamily="50" charset="-127"/>
+              </a:rPr>
+              <a:t>&lt;&lt;</a:t>
+            </a:r>
+            <a:r>
+              <a:rPr kumimoji="1" lang="ko-KR" altLang="ko-KR" sz="670" b="1" i="0" u="none" strike="noStrike" cap="none" normalizeH="0" baseline="0" dirty="0" smtClean="0">
+                <a:ln>
+                  <a:noFill/>
+                </a:ln>
+                <a:solidFill>
+                  <a:srgbClr val="010101"/>
+                </a:solidFill>
+                <a:effectLst/>
+                <a:latin typeface="Consolas" pitchFamily="49" charset="0"/>
+                <a:ea typeface="굴림" pitchFamily="50" charset="-127"/>
+                <a:cs typeface="굴림" pitchFamily="50" charset="-127"/>
+              </a:rPr>
+              <a:t> </a:t>
+            </a:r>
+            <a:r>
+              <a:rPr kumimoji="1" lang="ko-KR" altLang="ko-KR" sz="670" b="1" i="0" u="none" strike="noStrike" cap="none" normalizeH="0" baseline="0" dirty="0" smtClean="0">
+                <a:ln>
+                  <a:noFill/>
+                </a:ln>
+                <a:solidFill>
+                  <a:srgbClr val="63A35C"/>
+                </a:solidFill>
+                <a:effectLst/>
+                <a:latin typeface="Consolas" pitchFamily="49" charset="0"/>
+                <a:ea typeface="굴림" pitchFamily="50" charset="-127"/>
+                <a:cs typeface="굴림" pitchFamily="50" charset="-127"/>
+              </a:rPr>
+              <a:t>"1.0_km + 2.0_dm + 3.0_cm: "</a:t>
+            </a:r>
+            <a:endParaRPr kumimoji="1" lang="ko-KR" altLang="ko-KR" sz="670" b="1" i="0" u="none" strike="noStrike" cap="none" normalizeH="0" baseline="0" dirty="0" smtClean="0">
+              <a:ln>
+                <a:noFill/>
+              </a:ln>
+              <a:solidFill>
+                <a:srgbClr val="010101"/>
+              </a:solidFill>
+              <a:effectLst/>
+              <a:latin typeface="Consolas" pitchFamily="49" charset="0"/>
+              <a:ea typeface="굴림" pitchFamily="50" charset="-127"/>
+              <a:cs typeface="굴림" pitchFamily="50" charset="-127"/>
+            </a:endParaRPr>
+          </a:p>
+          <a:p>
+            <a:pPr marL="0" marR="0" lvl="0" indent="0" algn="l" defTabSz="914400" rtl="0" eaLnBrk="0" fontAlgn="base" latinLnBrk="0" hangingPunct="0">
+              <a:lnSpc>
+                <a:spcPct val="100000"/>
+              </a:lnSpc>
+              <a:spcBef>
+                <a:spcPct val="0"/>
+              </a:spcBef>
+              <a:spcAft>
+                <a:spcPct val="0"/>
+              </a:spcAft>
+              <a:buClrTx/>
+              <a:buSzTx/>
+              <a:buFontTx/>
+              <a:buNone/>
+              <a:tabLst/>
+            </a:pPr>
+            <a:r>
+              <a:rPr kumimoji="1" lang="en-US" altLang="ko-KR" sz="670" b="1" i="0" u="none" strike="noStrike" cap="none" normalizeH="0" baseline="0" dirty="0" smtClean="0">
+                <a:ln>
+                  <a:noFill/>
+                </a:ln>
+                <a:solidFill>
+                  <a:srgbClr val="A71D5D"/>
+                </a:solidFill>
+                <a:effectLst/>
+                <a:latin typeface="Consolas" pitchFamily="49" charset="0"/>
+                <a:ea typeface="굴림" pitchFamily="50" charset="-127"/>
+                <a:cs typeface="굴림" pitchFamily="50" charset="-127"/>
+              </a:rPr>
+              <a:t>		</a:t>
+            </a:r>
+            <a:r>
+              <a:rPr kumimoji="1" lang="ko-KR" altLang="ko-KR" sz="670" b="1" i="0" u="none" strike="noStrike" cap="none" normalizeH="0" baseline="0" dirty="0" smtClean="0">
+                <a:ln>
+                  <a:noFill/>
+                </a:ln>
+                <a:solidFill>
+                  <a:srgbClr val="A71D5D"/>
+                </a:solidFill>
+                <a:effectLst/>
+                <a:latin typeface="Consolas" pitchFamily="49" charset="0"/>
+                <a:ea typeface="굴림" pitchFamily="50" charset="-127"/>
+                <a:cs typeface="굴림" pitchFamily="50" charset="-127"/>
+              </a:rPr>
+              <a:t>&lt;&lt;</a:t>
+            </a:r>
+            <a:r>
+              <a:rPr kumimoji="1" lang="ko-KR" altLang="ko-KR" sz="670" b="1" i="0" u="none" strike="noStrike" cap="none" normalizeH="0" baseline="0" dirty="0" smtClean="0">
+                <a:ln>
+                  <a:noFill/>
+                </a:ln>
+                <a:solidFill>
+                  <a:srgbClr val="010101"/>
+                </a:solidFill>
+                <a:effectLst/>
+                <a:latin typeface="Consolas" pitchFamily="49" charset="0"/>
+                <a:ea typeface="굴림" pitchFamily="50" charset="-127"/>
+                <a:cs typeface="굴림" pitchFamily="50" charset="-127"/>
+              </a:rPr>
+              <a:t> </a:t>
+            </a:r>
+            <a:r>
+              <a:rPr kumimoji="1" lang="ko-KR" altLang="ko-KR" sz="670" b="1" i="0" u="none" strike="noStrike" cap="none" normalizeH="0" baseline="0" dirty="0" smtClean="0">
+                <a:ln>
+                  <a:noFill/>
+                </a:ln>
+                <a:solidFill>
+                  <a:srgbClr val="0099CC"/>
+                </a:solidFill>
+                <a:effectLst/>
+                <a:latin typeface="Consolas" pitchFamily="49" charset="0"/>
+                <a:ea typeface="굴림" pitchFamily="50" charset="-127"/>
+                <a:cs typeface="굴림" pitchFamily="50" charset="-127"/>
+              </a:rPr>
+              <a:t>1.</a:t>
+            </a:r>
+            <a:r>
+              <a:rPr kumimoji="1" lang="ko-KR" altLang="ko-KR" sz="670" b="1" i="0" u="none" strike="noStrike" cap="none" normalizeH="0" baseline="0" dirty="0" smtClean="0">
+                <a:ln>
+                  <a:noFill/>
+                </a:ln>
+                <a:solidFill>
+                  <a:srgbClr val="010101"/>
+                </a:solidFill>
+                <a:effectLst/>
+                <a:latin typeface="Consolas" pitchFamily="49" charset="0"/>
+                <a:ea typeface="굴림" pitchFamily="50" charset="-127"/>
+                <a:cs typeface="굴림" pitchFamily="50" charset="-127"/>
+              </a:rPr>
+              <a:t>0_km </a:t>
+            </a:r>
+            <a:r>
+              <a:rPr kumimoji="1" lang="ko-KR" altLang="ko-KR" sz="670" b="1" i="0" u="none" strike="noStrike" cap="none" normalizeH="0" baseline="0" dirty="0" smtClean="0">
+                <a:ln>
+                  <a:noFill/>
+                </a:ln>
+                <a:solidFill>
+                  <a:srgbClr val="A71D5D"/>
+                </a:solidFill>
+                <a:effectLst/>
+                <a:latin typeface="Consolas" pitchFamily="49" charset="0"/>
+                <a:ea typeface="굴림" pitchFamily="50" charset="-127"/>
+                <a:cs typeface="굴림" pitchFamily="50" charset="-127"/>
+              </a:rPr>
+              <a:t>+</a:t>
+            </a:r>
+            <a:r>
+              <a:rPr kumimoji="1" lang="ko-KR" altLang="ko-KR" sz="670" b="1" i="0" u="none" strike="noStrike" cap="none" normalizeH="0" baseline="0" dirty="0" smtClean="0">
+                <a:ln>
+                  <a:noFill/>
+                </a:ln>
+                <a:solidFill>
+                  <a:srgbClr val="010101"/>
+                </a:solidFill>
+                <a:effectLst/>
+                <a:latin typeface="Consolas" pitchFamily="49" charset="0"/>
+                <a:ea typeface="굴림" pitchFamily="50" charset="-127"/>
+                <a:cs typeface="굴림" pitchFamily="50" charset="-127"/>
+              </a:rPr>
+              <a:t> </a:t>
+            </a:r>
+            <a:r>
+              <a:rPr kumimoji="1" lang="ko-KR" altLang="ko-KR" sz="670" b="1" i="0" u="none" strike="noStrike" cap="none" normalizeH="0" baseline="0" dirty="0" smtClean="0">
+                <a:ln>
+                  <a:noFill/>
+                </a:ln>
+                <a:solidFill>
+                  <a:srgbClr val="0099CC"/>
+                </a:solidFill>
+                <a:effectLst/>
+                <a:latin typeface="Consolas" pitchFamily="49" charset="0"/>
+                <a:ea typeface="굴림" pitchFamily="50" charset="-127"/>
+                <a:cs typeface="굴림" pitchFamily="50" charset="-127"/>
+              </a:rPr>
+              <a:t>2.</a:t>
+            </a:r>
+            <a:r>
+              <a:rPr kumimoji="1" lang="ko-KR" altLang="ko-KR" sz="670" b="1" i="0" u="none" strike="noStrike" cap="none" normalizeH="0" baseline="0" dirty="0" smtClean="0">
+                <a:ln>
+                  <a:noFill/>
+                </a:ln>
+                <a:solidFill>
+                  <a:srgbClr val="010101"/>
+                </a:solidFill>
+                <a:effectLst/>
+                <a:latin typeface="Consolas" pitchFamily="49" charset="0"/>
+                <a:ea typeface="굴림" pitchFamily="50" charset="-127"/>
+                <a:cs typeface="굴림" pitchFamily="50" charset="-127"/>
+              </a:rPr>
+              <a:t>0_dm </a:t>
+            </a:r>
+            <a:r>
+              <a:rPr kumimoji="1" lang="ko-KR" altLang="ko-KR" sz="670" b="1" i="0" u="none" strike="noStrike" cap="none" normalizeH="0" baseline="0" dirty="0" smtClean="0">
+                <a:ln>
+                  <a:noFill/>
+                </a:ln>
+                <a:solidFill>
+                  <a:srgbClr val="A71D5D"/>
+                </a:solidFill>
+                <a:effectLst/>
+                <a:latin typeface="Consolas" pitchFamily="49" charset="0"/>
+                <a:ea typeface="굴림" pitchFamily="50" charset="-127"/>
+                <a:cs typeface="굴림" pitchFamily="50" charset="-127"/>
+              </a:rPr>
+              <a:t>+</a:t>
+            </a:r>
+            <a:r>
+              <a:rPr kumimoji="1" lang="ko-KR" altLang="ko-KR" sz="670" b="1" i="0" u="none" strike="noStrike" cap="none" normalizeH="0" baseline="0" dirty="0" smtClean="0">
+                <a:ln>
+                  <a:noFill/>
+                </a:ln>
+                <a:solidFill>
+                  <a:srgbClr val="010101"/>
+                </a:solidFill>
+                <a:effectLst/>
+                <a:latin typeface="Consolas" pitchFamily="49" charset="0"/>
+                <a:ea typeface="굴림" pitchFamily="50" charset="-127"/>
+                <a:cs typeface="굴림" pitchFamily="50" charset="-127"/>
+              </a:rPr>
+              <a:t> </a:t>
+            </a:r>
+            <a:r>
+              <a:rPr kumimoji="1" lang="ko-KR" altLang="ko-KR" sz="670" b="1" i="0" u="none" strike="noStrike" cap="none" normalizeH="0" baseline="0" dirty="0" smtClean="0">
+                <a:ln>
+                  <a:noFill/>
+                </a:ln>
+                <a:solidFill>
+                  <a:srgbClr val="0099CC"/>
+                </a:solidFill>
+                <a:effectLst/>
+                <a:latin typeface="Consolas" pitchFamily="49" charset="0"/>
+                <a:ea typeface="굴림" pitchFamily="50" charset="-127"/>
+                <a:cs typeface="굴림" pitchFamily="50" charset="-127"/>
+              </a:rPr>
+              <a:t>3.</a:t>
+            </a:r>
+            <a:r>
+              <a:rPr kumimoji="1" lang="ko-KR" altLang="ko-KR" sz="670" b="1" i="0" u="none" strike="noStrike" cap="none" normalizeH="0" baseline="0" dirty="0" smtClean="0">
+                <a:ln>
+                  <a:noFill/>
+                </a:ln>
+                <a:solidFill>
+                  <a:srgbClr val="010101"/>
+                </a:solidFill>
+                <a:effectLst/>
+                <a:latin typeface="Consolas" pitchFamily="49" charset="0"/>
+                <a:ea typeface="굴림" pitchFamily="50" charset="-127"/>
+                <a:cs typeface="굴림" pitchFamily="50" charset="-127"/>
+              </a:rPr>
+              <a:t>0_cm </a:t>
+            </a:r>
+            <a:r>
+              <a:rPr kumimoji="1" lang="ko-KR" altLang="ko-KR" sz="670" b="1" i="0" u="none" strike="noStrike" cap="none" normalizeH="0" baseline="0" dirty="0" smtClean="0">
+                <a:ln>
+                  <a:noFill/>
+                </a:ln>
+                <a:solidFill>
+                  <a:srgbClr val="A71D5D"/>
+                </a:solidFill>
+                <a:effectLst/>
+                <a:latin typeface="Consolas" pitchFamily="49" charset="0"/>
+                <a:ea typeface="굴림" pitchFamily="50" charset="-127"/>
+                <a:cs typeface="굴림" pitchFamily="50" charset="-127"/>
+              </a:rPr>
+              <a:t>&lt;&lt;</a:t>
+            </a:r>
+            <a:r>
+              <a:rPr kumimoji="1" lang="ko-KR" altLang="ko-KR" sz="670" b="1" i="0" u="none" strike="noStrike" cap="none" normalizeH="0" baseline="0" dirty="0" smtClean="0">
+                <a:ln>
+                  <a:noFill/>
+                </a:ln>
+                <a:solidFill>
+                  <a:srgbClr val="010101"/>
+                </a:solidFill>
+                <a:effectLst/>
+                <a:latin typeface="Consolas" pitchFamily="49" charset="0"/>
+                <a:ea typeface="굴림" pitchFamily="50" charset="-127"/>
+                <a:cs typeface="굴림" pitchFamily="50" charset="-127"/>
+              </a:rPr>
+              <a:t> </a:t>
+            </a:r>
+            <a:r>
+              <a:rPr kumimoji="1" lang="ko-KR" altLang="ko-KR" sz="670" b="1" i="0" u="none" strike="noStrike" cap="none" normalizeH="0" baseline="0" dirty="0" smtClean="0">
+                <a:ln>
+                  <a:noFill/>
+                </a:ln>
+                <a:solidFill>
+                  <a:srgbClr val="63A35C"/>
+                </a:solidFill>
+                <a:effectLst/>
+                <a:latin typeface="Consolas" pitchFamily="49" charset="0"/>
+                <a:ea typeface="굴림" pitchFamily="50" charset="-127"/>
+                <a:cs typeface="굴림" pitchFamily="50" charset="-127"/>
+              </a:rPr>
+              <a:t>'\n'</a:t>
+            </a:r>
+            <a:r>
+              <a:rPr kumimoji="1" lang="ko-KR" altLang="ko-KR" sz="670" b="1" i="0" u="none" strike="noStrike" cap="none" normalizeH="0" baseline="0" dirty="0" smtClean="0">
+                <a:ln>
+                  <a:noFill/>
+                </a:ln>
+                <a:solidFill>
+                  <a:srgbClr val="010101"/>
+                </a:solidFill>
+                <a:effectLst/>
+                <a:latin typeface="Consolas" pitchFamily="49" charset="0"/>
+                <a:ea typeface="굴림" pitchFamily="50" charset="-127"/>
+                <a:cs typeface="굴림" pitchFamily="50" charset="-127"/>
+              </a:rPr>
+              <a:t>;</a:t>
+            </a:r>
+          </a:p>
+          <a:p>
+            <a:pPr marL="0" marR="0" lvl="0" indent="0" algn="l" defTabSz="914400" rtl="0" eaLnBrk="0" fontAlgn="base" latinLnBrk="0" hangingPunct="0">
+              <a:lnSpc>
+                <a:spcPct val="100000"/>
+              </a:lnSpc>
+              <a:spcBef>
+                <a:spcPct val="0"/>
+              </a:spcBef>
+              <a:spcAft>
+                <a:spcPct val="0"/>
+              </a:spcAft>
+              <a:buClrTx/>
+              <a:buSzTx/>
+              <a:buFontTx/>
+              <a:buNone/>
+              <a:tabLst/>
+            </a:pPr>
+            <a:r>
+              <a:rPr kumimoji="1" lang="en-US" altLang="ko-KR" sz="670" b="1" i="0" u="none" strike="noStrike" cap="none" normalizeH="0" baseline="0" dirty="0" smtClean="0">
+                <a:ln>
+                  <a:noFill/>
+                </a:ln>
+                <a:solidFill>
+                  <a:srgbClr val="066DE2"/>
+                </a:solidFill>
+                <a:effectLst/>
+                <a:latin typeface="Consolas" pitchFamily="49" charset="0"/>
+                <a:ea typeface="굴림" pitchFamily="50" charset="-127"/>
+                <a:cs typeface="굴림" pitchFamily="50" charset="-127"/>
+              </a:rPr>
+              <a:t>	</a:t>
+            </a:r>
+            <a:r>
+              <a:rPr kumimoji="1" lang="ko-KR" altLang="ko-KR" sz="670" b="1" i="0" u="none" strike="noStrike" cap="none" normalizeH="0" baseline="0" dirty="0" smtClean="0">
+                <a:ln>
+                  <a:noFill/>
+                </a:ln>
+                <a:solidFill>
+                  <a:srgbClr val="066DE2"/>
+                </a:solidFill>
+                <a:effectLst/>
+                <a:latin typeface="Consolas" pitchFamily="49" charset="0"/>
+                <a:ea typeface="굴림" pitchFamily="50" charset="-127"/>
+                <a:cs typeface="굴림" pitchFamily="50" charset="-127"/>
+              </a:rPr>
+              <a:t>std</a:t>
+            </a:r>
+            <a:r>
+              <a:rPr kumimoji="1" lang="ko-KR" altLang="ko-KR" sz="670" b="1" i="0" u="none" strike="noStrike" cap="none" normalizeH="0" baseline="0" dirty="0" smtClean="0">
+                <a:ln>
+                  <a:noFill/>
+                </a:ln>
+                <a:solidFill>
+                  <a:srgbClr val="010101"/>
+                </a:solidFill>
+                <a:effectLst/>
+                <a:latin typeface="Consolas" pitchFamily="49" charset="0"/>
+                <a:ea typeface="굴림" pitchFamily="50" charset="-127"/>
+                <a:cs typeface="굴림" pitchFamily="50" charset="-127"/>
+              </a:rPr>
+              <a:t>::</a:t>
+            </a:r>
+            <a:r>
+              <a:rPr kumimoji="1" lang="ko-KR" altLang="ko-KR" sz="670" b="1" i="0" u="none" strike="noStrike" cap="none" normalizeH="0" baseline="0" dirty="0" smtClean="0">
+                <a:ln>
+                  <a:noFill/>
+                </a:ln>
+                <a:solidFill>
+                  <a:srgbClr val="066DE2"/>
+                </a:solidFill>
+                <a:effectLst/>
+                <a:latin typeface="Consolas" pitchFamily="49" charset="0"/>
+                <a:ea typeface="굴림" pitchFamily="50" charset="-127"/>
+                <a:cs typeface="굴림" pitchFamily="50" charset="-127"/>
+              </a:rPr>
+              <a:t>cout</a:t>
+            </a:r>
+            <a:r>
+              <a:rPr kumimoji="1" lang="ko-KR" altLang="ko-KR" sz="670" b="1" i="0" u="none" strike="noStrike" cap="none" normalizeH="0" baseline="0" dirty="0" smtClean="0">
+                <a:ln>
+                  <a:noFill/>
+                </a:ln>
+                <a:solidFill>
+                  <a:srgbClr val="010101"/>
+                </a:solidFill>
+                <a:effectLst/>
+                <a:latin typeface="Consolas" pitchFamily="49" charset="0"/>
+                <a:ea typeface="굴림" pitchFamily="50" charset="-127"/>
+                <a:cs typeface="굴림" pitchFamily="50" charset="-127"/>
+              </a:rPr>
+              <a:t> </a:t>
+            </a:r>
+            <a:r>
+              <a:rPr kumimoji="1" lang="ko-KR" altLang="ko-KR" sz="670" b="1" i="0" u="none" strike="noStrike" cap="none" normalizeH="0" baseline="0" dirty="0" smtClean="0">
+                <a:ln>
+                  <a:noFill/>
+                </a:ln>
+                <a:solidFill>
+                  <a:srgbClr val="A71D5D"/>
+                </a:solidFill>
+                <a:effectLst/>
+                <a:latin typeface="Consolas" pitchFamily="49" charset="0"/>
+                <a:ea typeface="굴림" pitchFamily="50" charset="-127"/>
+                <a:cs typeface="굴림" pitchFamily="50" charset="-127"/>
+              </a:rPr>
+              <a:t>&lt;&lt;</a:t>
+            </a:r>
+            <a:r>
+              <a:rPr kumimoji="1" lang="ko-KR" altLang="ko-KR" sz="670" b="1" i="0" u="none" strike="noStrike" cap="none" normalizeH="0" baseline="0" dirty="0" smtClean="0">
+                <a:ln>
+                  <a:noFill/>
+                </a:ln>
+                <a:solidFill>
+                  <a:srgbClr val="010101"/>
+                </a:solidFill>
+                <a:effectLst/>
+                <a:latin typeface="Consolas" pitchFamily="49" charset="0"/>
+                <a:ea typeface="굴림" pitchFamily="50" charset="-127"/>
+                <a:cs typeface="굴림" pitchFamily="50" charset="-127"/>
+              </a:rPr>
+              <a:t> </a:t>
+            </a:r>
+            <a:r>
+              <a:rPr kumimoji="1" lang="ko-KR" altLang="ko-KR" sz="670" b="1" i="0" u="none" strike="noStrike" cap="none" normalizeH="0" baseline="0" dirty="0" smtClean="0">
+                <a:ln>
+                  <a:noFill/>
+                </a:ln>
+                <a:solidFill>
+                  <a:srgbClr val="63A35C"/>
+                </a:solidFill>
+                <a:effectLst/>
+                <a:latin typeface="Consolas" pitchFamily="49" charset="0"/>
+                <a:ea typeface="굴림" pitchFamily="50" charset="-127"/>
+                <a:cs typeface="굴림" pitchFamily="50" charset="-127"/>
+              </a:rPr>
+              <a:t>"4.2_km + 5.5_dm + 10.0_m + 0.3_cm: "</a:t>
+            </a:r>
+            <a:endParaRPr kumimoji="1" lang="ko-KR" altLang="ko-KR" sz="670" b="1" i="0" u="none" strike="noStrike" cap="none" normalizeH="0" baseline="0" dirty="0" smtClean="0">
+              <a:ln>
+                <a:noFill/>
+              </a:ln>
+              <a:solidFill>
+                <a:srgbClr val="010101"/>
+              </a:solidFill>
+              <a:effectLst/>
+              <a:latin typeface="Consolas" pitchFamily="49" charset="0"/>
+              <a:ea typeface="굴림" pitchFamily="50" charset="-127"/>
+              <a:cs typeface="굴림" pitchFamily="50" charset="-127"/>
+            </a:endParaRPr>
+          </a:p>
+          <a:p>
+            <a:pPr marL="0" marR="0" lvl="0" indent="0" algn="l" defTabSz="914400" rtl="0" eaLnBrk="0" fontAlgn="base" latinLnBrk="0" hangingPunct="0">
+              <a:lnSpc>
+                <a:spcPct val="100000"/>
+              </a:lnSpc>
+              <a:spcBef>
+                <a:spcPct val="0"/>
+              </a:spcBef>
+              <a:spcAft>
+                <a:spcPct val="0"/>
+              </a:spcAft>
+              <a:buClrTx/>
+              <a:buSzTx/>
+              <a:buFontTx/>
+              <a:buNone/>
+              <a:tabLst/>
+            </a:pPr>
+            <a:r>
+              <a:rPr kumimoji="1" lang="en-US" altLang="ko-KR" sz="670" b="1" i="0" u="none" strike="noStrike" cap="none" normalizeH="0" baseline="0" dirty="0" smtClean="0">
+                <a:ln>
+                  <a:noFill/>
+                </a:ln>
+                <a:solidFill>
+                  <a:srgbClr val="A71D5D"/>
+                </a:solidFill>
+                <a:effectLst/>
+                <a:latin typeface="Consolas" pitchFamily="49" charset="0"/>
+                <a:ea typeface="굴림" pitchFamily="50" charset="-127"/>
+                <a:cs typeface="굴림" pitchFamily="50" charset="-127"/>
+              </a:rPr>
+              <a:t>		</a:t>
+            </a:r>
+            <a:r>
+              <a:rPr kumimoji="1" lang="ko-KR" altLang="ko-KR" sz="670" b="1" i="0" u="none" strike="noStrike" cap="none" normalizeH="0" baseline="0" dirty="0" smtClean="0">
+                <a:ln>
+                  <a:noFill/>
+                </a:ln>
+                <a:solidFill>
+                  <a:srgbClr val="A71D5D"/>
+                </a:solidFill>
+                <a:effectLst/>
+                <a:latin typeface="Consolas" pitchFamily="49" charset="0"/>
+                <a:ea typeface="굴림" pitchFamily="50" charset="-127"/>
+                <a:cs typeface="굴림" pitchFamily="50" charset="-127"/>
+              </a:rPr>
+              <a:t>&lt;&lt;</a:t>
+            </a:r>
+            <a:r>
+              <a:rPr kumimoji="1" lang="ko-KR" altLang="ko-KR" sz="670" b="1" i="0" u="none" strike="noStrike" cap="none" normalizeH="0" baseline="0" dirty="0" smtClean="0">
+                <a:ln>
+                  <a:noFill/>
+                </a:ln>
+                <a:solidFill>
+                  <a:srgbClr val="010101"/>
+                </a:solidFill>
+                <a:effectLst/>
+                <a:latin typeface="Consolas" pitchFamily="49" charset="0"/>
+                <a:ea typeface="굴림" pitchFamily="50" charset="-127"/>
+                <a:cs typeface="굴림" pitchFamily="50" charset="-127"/>
+              </a:rPr>
+              <a:t> </a:t>
+            </a:r>
+            <a:r>
+              <a:rPr kumimoji="1" lang="ko-KR" altLang="ko-KR" sz="670" b="1" i="0" u="none" strike="noStrike" cap="none" normalizeH="0" baseline="0" dirty="0" smtClean="0">
+                <a:ln>
+                  <a:noFill/>
+                </a:ln>
+                <a:solidFill>
+                  <a:srgbClr val="0099CC"/>
+                </a:solidFill>
+                <a:effectLst/>
+                <a:latin typeface="Consolas" pitchFamily="49" charset="0"/>
+                <a:ea typeface="굴림" pitchFamily="50" charset="-127"/>
+                <a:cs typeface="굴림" pitchFamily="50" charset="-127"/>
+              </a:rPr>
+              <a:t>4.</a:t>
+            </a:r>
+            <a:r>
+              <a:rPr kumimoji="1" lang="ko-KR" altLang="ko-KR" sz="670" b="1" i="0" u="none" strike="noStrike" cap="none" normalizeH="0" baseline="0" dirty="0" smtClean="0">
+                <a:ln>
+                  <a:noFill/>
+                </a:ln>
+                <a:solidFill>
+                  <a:srgbClr val="010101"/>
+                </a:solidFill>
+                <a:effectLst/>
+                <a:latin typeface="Consolas" pitchFamily="49" charset="0"/>
+                <a:ea typeface="굴림" pitchFamily="50" charset="-127"/>
+                <a:cs typeface="굴림" pitchFamily="50" charset="-127"/>
+              </a:rPr>
+              <a:t>2_km </a:t>
+            </a:r>
+            <a:r>
+              <a:rPr kumimoji="1" lang="ko-KR" altLang="ko-KR" sz="670" b="1" i="0" u="none" strike="noStrike" cap="none" normalizeH="0" baseline="0" dirty="0" smtClean="0">
+                <a:ln>
+                  <a:noFill/>
+                </a:ln>
+                <a:solidFill>
+                  <a:srgbClr val="A71D5D"/>
+                </a:solidFill>
+                <a:effectLst/>
+                <a:latin typeface="Consolas" pitchFamily="49" charset="0"/>
+                <a:ea typeface="굴림" pitchFamily="50" charset="-127"/>
+                <a:cs typeface="굴림" pitchFamily="50" charset="-127"/>
+              </a:rPr>
+              <a:t>+</a:t>
+            </a:r>
+            <a:r>
+              <a:rPr kumimoji="1" lang="ko-KR" altLang="ko-KR" sz="670" b="1" i="0" u="none" strike="noStrike" cap="none" normalizeH="0" baseline="0" dirty="0" smtClean="0">
+                <a:ln>
+                  <a:noFill/>
+                </a:ln>
+                <a:solidFill>
+                  <a:srgbClr val="010101"/>
+                </a:solidFill>
+                <a:effectLst/>
+                <a:latin typeface="Consolas" pitchFamily="49" charset="0"/>
+                <a:ea typeface="굴림" pitchFamily="50" charset="-127"/>
+                <a:cs typeface="굴림" pitchFamily="50" charset="-127"/>
+              </a:rPr>
+              <a:t> </a:t>
+            </a:r>
+            <a:r>
+              <a:rPr kumimoji="1" lang="ko-KR" altLang="ko-KR" sz="670" b="1" i="0" u="none" strike="noStrike" cap="none" normalizeH="0" baseline="0" dirty="0" smtClean="0">
+                <a:ln>
+                  <a:noFill/>
+                </a:ln>
+                <a:solidFill>
+                  <a:srgbClr val="0099CC"/>
+                </a:solidFill>
+                <a:effectLst/>
+                <a:latin typeface="Consolas" pitchFamily="49" charset="0"/>
+                <a:ea typeface="굴림" pitchFamily="50" charset="-127"/>
+                <a:cs typeface="굴림" pitchFamily="50" charset="-127"/>
+              </a:rPr>
+              <a:t>5.5</a:t>
+            </a:r>
+            <a:r>
+              <a:rPr kumimoji="1" lang="ko-KR" altLang="ko-KR" sz="670" b="1" i="0" u="none" strike="noStrike" cap="none" normalizeH="0" baseline="0" dirty="0" smtClean="0">
+                <a:ln>
+                  <a:noFill/>
+                </a:ln>
+                <a:solidFill>
+                  <a:srgbClr val="010101"/>
+                </a:solidFill>
+                <a:effectLst/>
+                <a:latin typeface="Consolas" pitchFamily="49" charset="0"/>
+                <a:ea typeface="굴림" pitchFamily="50" charset="-127"/>
+                <a:cs typeface="굴림" pitchFamily="50" charset="-127"/>
+              </a:rPr>
+              <a:t> </a:t>
+            </a:r>
+            <a:r>
+              <a:rPr kumimoji="1" lang="ko-KR" altLang="ko-KR" sz="670" b="1" i="0" u="none" strike="noStrike" cap="none" normalizeH="0" baseline="0" dirty="0" smtClean="0">
+                <a:ln>
+                  <a:noFill/>
+                </a:ln>
+                <a:solidFill>
+                  <a:srgbClr val="A71D5D"/>
+                </a:solidFill>
+                <a:effectLst/>
+                <a:latin typeface="Consolas" pitchFamily="49" charset="0"/>
+                <a:ea typeface="굴림" pitchFamily="50" charset="-127"/>
+                <a:cs typeface="굴림" pitchFamily="50" charset="-127"/>
+              </a:rPr>
+              <a:t>+</a:t>
+            </a:r>
+            <a:r>
+              <a:rPr kumimoji="1" lang="ko-KR" altLang="ko-KR" sz="670" b="1" i="0" u="none" strike="noStrike" cap="none" normalizeH="0" baseline="0" dirty="0" smtClean="0">
+                <a:ln>
+                  <a:noFill/>
+                </a:ln>
+                <a:solidFill>
+                  <a:srgbClr val="010101"/>
+                </a:solidFill>
+                <a:effectLst/>
+                <a:latin typeface="Consolas" pitchFamily="49" charset="0"/>
+                <a:ea typeface="굴림" pitchFamily="50" charset="-127"/>
+                <a:cs typeface="굴림" pitchFamily="50" charset="-127"/>
+              </a:rPr>
+              <a:t> </a:t>
+            </a:r>
+            <a:r>
+              <a:rPr kumimoji="1" lang="ko-KR" altLang="ko-KR" sz="670" b="1" i="0" u="none" strike="noStrike" cap="none" normalizeH="0" baseline="0" dirty="0" smtClean="0">
+                <a:ln>
+                  <a:noFill/>
+                </a:ln>
+                <a:solidFill>
+                  <a:srgbClr val="0099CC"/>
+                </a:solidFill>
+                <a:effectLst/>
+                <a:latin typeface="Consolas" pitchFamily="49" charset="0"/>
+                <a:ea typeface="굴림" pitchFamily="50" charset="-127"/>
+                <a:cs typeface="굴림" pitchFamily="50" charset="-127"/>
+              </a:rPr>
+              <a:t>10.</a:t>
+            </a:r>
+            <a:r>
+              <a:rPr kumimoji="1" lang="ko-KR" altLang="ko-KR" sz="670" b="1" i="0" u="none" strike="noStrike" cap="none" normalizeH="0" baseline="0" dirty="0" smtClean="0">
+                <a:ln>
+                  <a:noFill/>
+                </a:ln>
+                <a:solidFill>
+                  <a:srgbClr val="010101"/>
+                </a:solidFill>
+                <a:effectLst/>
+                <a:latin typeface="Consolas" pitchFamily="49" charset="0"/>
+                <a:ea typeface="굴림" pitchFamily="50" charset="-127"/>
+                <a:cs typeface="굴림" pitchFamily="50" charset="-127"/>
+              </a:rPr>
+              <a:t>0_m </a:t>
+            </a:r>
+            <a:r>
+              <a:rPr kumimoji="1" lang="ko-KR" altLang="ko-KR" sz="670" b="1" i="0" u="none" strike="noStrike" cap="none" normalizeH="0" baseline="0" dirty="0" smtClean="0">
+                <a:ln>
+                  <a:noFill/>
+                </a:ln>
+                <a:solidFill>
+                  <a:srgbClr val="A71D5D"/>
+                </a:solidFill>
+                <a:effectLst/>
+                <a:latin typeface="Consolas" pitchFamily="49" charset="0"/>
+                <a:ea typeface="굴림" pitchFamily="50" charset="-127"/>
+                <a:cs typeface="굴림" pitchFamily="50" charset="-127"/>
+              </a:rPr>
+              <a:t>+</a:t>
+            </a:r>
+            <a:r>
+              <a:rPr kumimoji="1" lang="ko-KR" altLang="ko-KR" sz="670" b="1" i="0" u="none" strike="noStrike" cap="none" normalizeH="0" baseline="0" dirty="0" smtClean="0">
+                <a:ln>
+                  <a:noFill/>
+                </a:ln>
+                <a:solidFill>
+                  <a:srgbClr val="010101"/>
+                </a:solidFill>
+                <a:effectLst/>
+                <a:latin typeface="Consolas" pitchFamily="49" charset="0"/>
+                <a:ea typeface="굴림" pitchFamily="50" charset="-127"/>
+                <a:cs typeface="굴림" pitchFamily="50" charset="-127"/>
+              </a:rPr>
+              <a:t> </a:t>
+            </a:r>
+            <a:r>
+              <a:rPr kumimoji="1" lang="ko-KR" altLang="ko-KR" sz="670" b="1" i="0" u="none" strike="noStrike" cap="none" normalizeH="0" baseline="0" dirty="0" smtClean="0">
+                <a:ln>
+                  <a:noFill/>
+                </a:ln>
+                <a:solidFill>
+                  <a:srgbClr val="0099CC"/>
+                </a:solidFill>
+                <a:effectLst/>
+                <a:latin typeface="Consolas" pitchFamily="49" charset="0"/>
+                <a:ea typeface="굴림" pitchFamily="50" charset="-127"/>
+                <a:cs typeface="굴림" pitchFamily="50" charset="-127"/>
+              </a:rPr>
+              <a:t>0.</a:t>
+            </a:r>
+            <a:r>
+              <a:rPr kumimoji="1" lang="ko-KR" altLang="ko-KR" sz="670" b="1" i="0" u="none" strike="noStrike" cap="none" normalizeH="0" baseline="0" dirty="0" smtClean="0">
+                <a:ln>
+                  <a:noFill/>
+                </a:ln>
+                <a:solidFill>
+                  <a:srgbClr val="010101"/>
+                </a:solidFill>
+                <a:effectLst/>
+                <a:latin typeface="Consolas" pitchFamily="49" charset="0"/>
+                <a:ea typeface="굴림" pitchFamily="50" charset="-127"/>
+                <a:cs typeface="굴림" pitchFamily="50" charset="-127"/>
+              </a:rPr>
+              <a:t>3_cm </a:t>
+            </a:r>
+            <a:r>
+              <a:rPr kumimoji="1" lang="ko-KR" altLang="ko-KR" sz="670" b="1" i="0" u="none" strike="noStrike" cap="none" normalizeH="0" baseline="0" dirty="0" smtClean="0">
+                <a:ln>
+                  <a:noFill/>
+                </a:ln>
+                <a:solidFill>
+                  <a:srgbClr val="A71D5D"/>
+                </a:solidFill>
+                <a:effectLst/>
+                <a:latin typeface="Consolas" pitchFamily="49" charset="0"/>
+                <a:ea typeface="굴림" pitchFamily="50" charset="-127"/>
+                <a:cs typeface="굴림" pitchFamily="50" charset="-127"/>
+              </a:rPr>
+              <a:t>&lt;&lt;</a:t>
+            </a:r>
+            <a:r>
+              <a:rPr kumimoji="1" lang="ko-KR" altLang="ko-KR" sz="670" b="1" i="0" u="none" strike="noStrike" cap="none" normalizeH="0" baseline="0" dirty="0" smtClean="0">
+                <a:ln>
+                  <a:noFill/>
+                </a:ln>
+                <a:solidFill>
+                  <a:srgbClr val="010101"/>
+                </a:solidFill>
+                <a:effectLst/>
+                <a:latin typeface="Consolas" pitchFamily="49" charset="0"/>
+                <a:ea typeface="굴림" pitchFamily="50" charset="-127"/>
+                <a:cs typeface="굴림" pitchFamily="50" charset="-127"/>
+              </a:rPr>
+              <a:t> </a:t>
+            </a:r>
+            <a:r>
+              <a:rPr kumimoji="1" lang="ko-KR" altLang="ko-KR" sz="670" b="1" i="0" u="none" strike="noStrike" cap="none" normalizeH="0" baseline="0" dirty="0" smtClean="0">
+                <a:ln>
+                  <a:noFill/>
+                </a:ln>
+                <a:solidFill>
+                  <a:srgbClr val="63A35C"/>
+                </a:solidFill>
+                <a:effectLst/>
+                <a:latin typeface="Consolas" pitchFamily="49" charset="0"/>
+                <a:ea typeface="굴림" pitchFamily="50" charset="-127"/>
+                <a:cs typeface="굴림" pitchFamily="50" charset="-127"/>
+              </a:rPr>
+              <a:t>'\n'</a:t>
+            </a:r>
+            <a:r>
+              <a:rPr kumimoji="1" lang="ko-KR" altLang="ko-KR" sz="670" b="1" i="0" u="none" strike="noStrike" cap="none" normalizeH="0" baseline="0" dirty="0" smtClean="0">
+                <a:ln>
+                  <a:noFill/>
+                </a:ln>
+                <a:solidFill>
+                  <a:srgbClr val="010101"/>
+                </a:solidFill>
+                <a:effectLst/>
+                <a:latin typeface="Consolas" pitchFamily="49" charset="0"/>
+                <a:ea typeface="굴림" pitchFamily="50" charset="-127"/>
+                <a:cs typeface="굴림" pitchFamily="50" charset="-127"/>
+              </a:rPr>
+              <a:t>;</a:t>
+            </a:r>
+          </a:p>
+          <a:p>
+            <a:pPr marL="0" marR="0" lvl="0" indent="0" algn="l" defTabSz="914400" rtl="0" eaLnBrk="0" fontAlgn="base" latinLnBrk="0" hangingPunct="0">
+              <a:lnSpc>
+                <a:spcPct val="100000"/>
+              </a:lnSpc>
+              <a:spcBef>
+                <a:spcPct val="0"/>
+              </a:spcBef>
+              <a:spcAft>
+                <a:spcPct val="0"/>
+              </a:spcAft>
+              <a:buClrTx/>
+              <a:buSzTx/>
+              <a:buFontTx/>
+              <a:buNone/>
+              <a:tabLst/>
+            </a:pPr>
+            <a:r>
+              <a:rPr kumimoji="1" lang="en-US" altLang="ko-KR" sz="670" b="1" i="0" u="none" strike="noStrike" cap="none" normalizeH="0" baseline="0" dirty="0" smtClean="0">
+                <a:ln>
+                  <a:noFill/>
+                </a:ln>
+                <a:solidFill>
+                  <a:srgbClr val="066DE2"/>
+                </a:solidFill>
+                <a:effectLst/>
+                <a:latin typeface="Consolas" pitchFamily="49" charset="0"/>
+                <a:ea typeface="굴림" pitchFamily="50" charset="-127"/>
+                <a:cs typeface="굴림" pitchFamily="50" charset="-127"/>
+              </a:rPr>
+              <a:t>	</a:t>
+            </a:r>
+            <a:r>
+              <a:rPr kumimoji="1" lang="ko-KR" altLang="ko-KR" sz="670" b="1" i="0" u="none" strike="noStrike" cap="none" normalizeH="0" baseline="0" dirty="0" smtClean="0">
+                <a:ln>
+                  <a:noFill/>
+                </a:ln>
+                <a:solidFill>
+                  <a:srgbClr val="066DE2"/>
+                </a:solidFill>
+                <a:effectLst/>
+                <a:latin typeface="Consolas" pitchFamily="49" charset="0"/>
+                <a:ea typeface="굴림" pitchFamily="50" charset="-127"/>
+                <a:cs typeface="굴림" pitchFamily="50" charset="-127"/>
+              </a:rPr>
+              <a:t>std</a:t>
+            </a:r>
+            <a:r>
+              <a:rPr kumimoji="1" lang="ko-KR" altLang="ko-KR" sz="670" b="1" i="0" u="none" strike="noStrike" cap="none" normalizeH="0" baseline="0" dirty="0" smtClean="0">
+                <a:ln>
+                  <a:noFill/>
+                </a:ln>
+                <a:solidFill>
+                  <a:srgbClr val="010101"/>
+                </a:solidFill>
+                <a:effectLst/>
+                <a:latin typeface="Consolas" pitchFamily="49" charset="0"/>
+                <a:ea typeface="굴림" pitchFamily="50" charset="-127"/>
+                <a:cs typeface="굴림" pitchFamily="50" charset="-127"/>
+              </a:rPr>
+              <a:t>::</a:t>
+            </a:r>
+            <a:r>
+              <a:rPr kumimoji="1" lang="ko-KR" altLang="ko-KR" sz="670" b="1" i="0" u="none" strike="noStrike" cap="none" normalizeH="0" baseline="0" dirty="0" smtClean="0">
+                <a:ln>
+                  <a:noFill/>
+                </a:ln>
+                <a:solidFill>
+                  <a:srgbClr val="066DE2"/>
+                </a:solidFill>
+                <a:effectLst/>
+                <a:latin typeface="Consolas" pitchFamily="49" charset="0"/>
+                <a:ea typeface="굴림" pitchFamily="50" charset="-127"/>
+                <a:cs typeface="굴림" pitchFamily="50" charset="-127"/>
+              </a:rPr>
+              <a:t>cout</a:t>
+            </a:r>
+            <a:r>
+              <a:rPr kumimoji="1" lang="ko-KR" altLang="ko-KR" sz="670" b="1" i="0" u="none" strike="noStrike" cap="none" normalizeH="0" baseline="0" dirty="0" smtClean="0">
+                <a:ln>
+                  <a:noFill/>
+                </a:ln>
+                <a:solidFill>
+                  <a:srgbClr val="010101"/>
+                </a:solidFill>
+                <a:effectLst/>
+                <a:latin typeface="Consolas" pitchFamily="49" charset="0"/>
+                <a:ea typeface="굴림" pitchFamily="50" charset="-127"/>
+                <a:cs typeface="굴림" pitchFamily="50" charset="-127"/>
+              </a:rPr>
+              <a:t> </a:t>
+            </a:r>
+            <a:r>
+              <a:rPr kumimoji="1" lang="ko-KR" altLang="ko-KR" sz="670" b="1" i="0" u="none" strike="noStrike" cap="none" normalizeH="0" baseline="0" dirty="0" smtClean="0">
+                <a:ln>
+                  <a:noFill/>
+                </a:ln>
+                <a:solidFill>
+                  <a:srgbClr val="A71D5D"/>
+                </a:solidFill>
+                <a:effectLst/>
+                <a:latin typeface="Consolas" pitchFamily="49" charset="0"/>
+                <a:ea typeface="굴림" pitchFamily="50" charset="-127"/>
+                <a:cs typeface="굴림" pitchFamily="50" charset="-127"/>
+              </a:rPr>
+              <a:t>&lt;&lt;</a:t>
+            </a:r>
+            <a:r>
+              <a:rPr kumimoji="1" lang="ko-KR" altLang="ko-KR" sz="670" b="1" i="0" u="none" strike="noStrike" cap="none" normalizeH="0" baseline="0" dirty="0" smtClean="0">
+                <a:ln>
+                  <a:noFill/>
+                </a:ln>
+                <a:solidFill>
+                  <a:srgbClr val="010101"/>
+                </a:solidFill>
+                <a:effectLst/>
+                <a:latin typeface="Consolas" pitchFamily="49" charset="0"/>
+                <a:ea typeface="굴림" pitchFamily="50" charset="-127"/>
+                <a:cs typeface="굴림" pitchFamily="50" charset="-127"/>
+              </a:rPr>
+              <a:t> </a:t>
+            </a:r>
+            <a:r>
+              <a:rPr kumimoji="1" lang="ko-KR" altLang="ko-KR" sz="670" b="1" i="0" u="none" strike="noStrike" cap="none" normalizeH="0" baseline="0" dirty="0" smtClean="0">
+                <a:ln>
+                  <a:noFill/>
+                </a:ln>
+                <a:solidFill>
+                  <a:srgbClr val="63A35C"/>
+                </a:solidFill>
+                <a:effectLst/>
+                <a:latin typeface="Consolas" pitchFamily="49" charset="0"/>
+                <a:ea typeface="굴림" pitchFamily="50" charset="-127"/>
+                <a:cs typeface="굴림" pitchFamily="50" charset="-127"/>
+              </a:rPr>
+              <a:t>"4.2_km + 5.5_dm + 10.0_m + 0.3_cm: "</a:t>
+            </a:r>
+            <a:endParaRPr kumimoji="1" lang="ko-KR" altLang="ko-KR" sz="670" b="1" i="0" u="none" strike="noStrike" cap="none" normalizeH="0" baseline="0" dirty="0" smtClean="0">
+              <a:ln>
+                <a:noFill/>
+              </a:ln>
+              <a:solidFill>
+                <a:srgbClr val="010101"/>
+              </a:solidFill>
+              <a:effectLst/>
+              <a:latin typeface="Consolas" pitchFamily="49" charset="0"/>
+              <a:ea typeface="굴림" pitchFamily="50" charset="-127"/>
+              <a:cs typeface="굴림" pitchFamily="50" charset="-127"/>
+            </a:endParaRPr>
+          </a:p>
+          <a:p>
+            <a:pPr marL="0" marR="0" lvl="0" indent="0" algn="l" defTabSz="914400" rtl="0" eaLnBrk="0" fontAlgn="base" latinLnBrk="0" hangingPunct="0">
+              <a:lnSpc>
+                <a:spcPct val="100000"/>
+              </a:lnSpc>
+              <a:spcBef>
+                <a:spcPct val="0"/>
+              </a:spcBef>
+              <a:spcAft>
+                <a:spcPct val="0"/>
+              </a:spcAft>
+              <a:buClrTx/>
+              <a:buSzTx/>
+              <a:buFontTx/>
+              <a:buNone/>
+              <a:tabLst/>
+            </a:pPr>
+            <a:r>
+              <a:rPr kumimoji="1" lang="en-US" altLang="ko-KR" sz="670" b="1" i="0" u="none" strike="noStrike" cap="none" normalizeH="0" baseline="0" dirty="0" smtClean="0">
+                <a:ln>
+                  <a:noFill/>
+                </a:ln>
+                <a:solidFill>
+                  <a:srgbClr val="A71D5D"/>
+                </a:solidFill>
+                <a:effectLst/>
+                <a:latin typeface="Consolas" pitchFamily="49" charset="0"/>
+                <a:ea typeface="굴림" pitchFamily="50" charset="-127"/>
+                <a:cs typeface="굴림" pitchFamily="50" charset="-127"/>
+              </a:rPr>
+              <a:t>		</a:t>
+            </a:r>
+            <a:r>
+              <a:rPr kumimoji="1" lang="ko-KR" altLang="ko-KR" sz="670" b="1" i="0" u="none" strike="noStrike" cap="none" normalizeH="0" baseline="0" dirty="0" smtClean="0">
+                <a:ln>
+                  <a:noFill/>
+                </a:ln>
+                <a:solidFill>
+                  <a:srgbClr val="A71D5D"/>
+                </a:solidFill>
+                <a:effectLst/>
+                <a:latin typeface="Consolas" pitchFamily="49" charset="0"/>
+                <a:ea typeface="굴림" pitchFamily="50" charset="-127"/>
+                <a:cs typeface="굴림" pitchFamily="50" charset="-127"/>
+              </a:rPr>
+              <a:t>&lt;&lt;</a:t>
+            </a:r>
+            <a:r>
+              <a:rPr kumimoji="1" lang="ko-KR" altLang="ko-KR" sz="670" b="1" i="0" u="none" strike="noStrike" cap="none" normalizeH="0" baseline="0" dirty="0" smtClean="0">
+                <a:ln>
+                  <a:noFill/>
+                </a:ln>
+                <a:solidFill>
+                  <a:srgbClr val="010101"/>
+                </a:solidFill>
+                <a:effectLst/>
+                <a:latin typeface="Consolas" pitchFamily="49" charset="0"/>
+                <a:ea typeface="굴림" pitchFamily="50" charset="-127"/>
+                <a:cs typeface="굴림" pitchFamily="50" charset="-127"/>
+              </a:rPr>
+              <a:t> </a:t>
+            </a:r>
+            <a:r>
+              <a:rPr kumimoji="1" lang="ko-KR" altLang="ko-KR" sz="670" b="1" i="0" u="none" strike="noStrike" cap="none" normalizeH="0" baseline="0" dirty="0" smtClean="0">
+                <a:ln>
+                  <a:noFill/>
+                </a:ln>
+                <a:solidFill>
+                  <a:srgbClr val="0099CC"/>
+                </a:solidFill>
+                <a:effectLst/>
+                <a:latin typeface="Consolas" pitchFamily="49" charset="0"/>
+                <a:ea typeface="굴림" pitchFamily="50" charset="-127"/>
+                <a:cs typeface="굴림" pitchFamily="50" charset="-127"/>
+              </a:rPr>
+              <a:t>4.</a:t>
+            </a:r>
+            <a:r>
+              <a:rPr kumimoji="1" lang="ko-KR" altLang="ko-KR" sz="670" b="1" i="0" u="none" strike="noStrike" cap="none" normalizeH="0" baseline="0" dirty="0" smtClean="0">
+                <a:ln>
+                  <a:noFill/>
+                </a:ln>
+                <a:solidFill>
+                  <a:srgbClr val="010101"/>
+                </a:solidFill>
+                <a:effectLst/>
+                <a:latin typeface="Consolas" pitchFamily="49" charset="0"/>
+                <a:ea typeface="굴림" pitchFamily="50" charset="-127"/>
+                <a:cs typeface="굴림" pitchFamily="50" charset="-127"/>
+              </a:rPr>
+              <a:t>2_km </a:t>
+            </a:r>
+            <a:r>
+              <a:rPr kumimoji="1" lang="ko-KR" altLang="ko-KR" sz="670" b="1" i="0" u="none" strike="noStrike" cap="none" normalizeH="0" baseline="0" dirty="0" smtClean="0">
+                <a:ln>
+                  <a:noFill/>
+                </a:ln>
+                <a:solidFill>
+                  <a:srgbClr val="A71D5D"/>
+                </a:solidFill>
+                <a:effectLst/>
+                <a:latin typeface="Consolas" pitchFamily="49" charset="0"/>
+                <a:ea typeface="굴림" pitchFamily="50" charset="-127"/>
+                <a:cs typeface="굴림" pitchFamily="50" charset="-127"/>
+              </a:rPr>
+              <a:t>+</a:t>
+            </a:r>
+            <a:r>
+              <a:rPr kumimoji="1" lang="ko-KR" altLang="ko-KR" sz="670" b="1" i="0" u="none" strike="noStrike" cap="none" normalizeH="0" baseline="0" dirty="0" smtClean="0">
+                <a:ln>
+                  <a:noFill/>
+                </a:ln>
+                <a:solidFill>
+                  <a:srgbClr val="010101"/>
+                </a:solidFill>
+                <a:effectLst/>
+                <a:latin typeface="Consolas" pitchFamily="49" charset="0"/>
+                <a:ea typeface="굴림" pitchFamily="50" charset="-127"/>
+                <a:cs typeface="굴림" pitchFamily="50" charset="-127"/>
+              </a:rPr>
+              <a:t> </a:t>
+            </a:r>
+            <a:r>
+              <a:rPr kumimoji="1" lang="ko-KR" altLang="ko-KR" sz="670" b="1" i="0" u="none" strike="noStrike" cap="none" normalizeH="0" baseline="0" dirty="0" smtClean="0">
+                <a:ln>
+                  <a:noFill/>
+                </a:ln>
+                <a:solidFill>
+                  <a:srgbClr val="0099CC"/>
+                </a:solidFill>
+                <a:effectLst/>
+                <a:latin typeface="Consolas" pitchFamily="49" charset="0"/>
+                <a:ea typeface="굴림" pitchFamily="50" charset="-127"/>
+                <a:cs typeface="굴림" pitchFamily="50" charset="-127"/>
+              </a:rPr>
+              <a:t>5.</a:t>
+            </a:r>
+            <a:r>
+              <a:rPr kumimoji="1" lang="ko-KR" altLang="ko-KR" sz="670" b="1" i="0" u="none" strike="noStrike" cap="none" normalizeH="0" baseline="0" dirty="0" smtClean="0">
+                <a:ln>
+                  <a:noFill/>
+                </a:ln>
+                <a:solidFill>
+                  <a:srgbClr val="010101"/>
+                </a:solidFill>
+                <a:effectLst/>
+                <a:latin typeface="Consolas" pitchFamily="49" charset="0"/>
+                <a:ea typeface="굴림" pitchFamily="50" charset="-127"/>
+                <a:cs typeface="굴림" pitchFamily="50" charset="-127"/>
+              </a:rPr>
+              <a:t>5_dm </a:t>
+            </a:r>
+            <a:r>
+              <a:rPr kumimoji="1" lang="ko-KR" altLang="ko-KR" sz="670" b="1" i="0" u="none" strike="noStrike" cap="none" normalizeH="0" baseline="0" dirty="0" smtClean="0">
+                <a:ln>
+                  <a:noFill/>
+                </a:ln>
+                <a:solidFill>
+                  <a:srgbClr val="A71D5D"/>
+                </a:solidFill>
+                <a:effectLst/>
+                <a:latin typeface="Consolas" pitchFamily="49" charset="0"/>
+                <a:ea typeface="굴림" pitchFamily="50" charset="-127"/>
+                <a:cs typeface="굴림" pitchFamily="50" charset="-127"/>
+              </a:rPr>
+              <a:t>+</a:t>
+            </a:r>
+            <a:r>
+              <a:rPr kumimoji="1" lang="ko-KR" altLang="ko-KR" sz="670" b="1" i="0" u="none" strike="noStrike" cap="none" normalizeH="0" baseline="0" dirty="0" smtClean="0">
+                <a:ln>
+                  <a:noFill/>
+                </a:ln>
+                <a:solidFill>
+                  <a:srgbClr val="010101"/>
+                </a:solidFill>
+                <a:effectLst/>
+                <a:latin typeface="Consolas" pitchFamily="49" charset="0"/>
+                <a:ea typeface="굴림" pitchFamily="50" charset="-127"/>
+                <a:cs typeface="굴림" pitchFamily="50" charset="-127"/>
+              </a:rPr>
+              <a:t> </a:t>
+            </a:r>
+            <a:r>
+              <a:rPr kumimoji="1" lang="ko-KR" altLang="ko-KR" sz="670" b="1" i="0" u="none" strike="noStrike" cap="none" normalizeH="0" baseline="0" dirty="0" smtClean="0">
+                <a:ln>
+                  <a:noFill/>
+                </a:ln>
+                <a:solidFill>
+                  <a:srgbClr val="0099CC"/>
+                </a:solidFill>
+                <a:effectLst/>
+                <a:latin typeface="Consolas" pitchFamily="49" charset="0"/>
+                <a:ea typeface="굴림" pitchFamily="50" charset="-127"/>
+                <a:cs typeface="굴림" pitchFamily="50" charset="-127"/>
+              </a:rPr>
+              <a:t>10.</a:t>
+            </a:r>
+            <a:r>
+              <a:rPr kumimoji="1" lang="ko-KR" altLang="ko-KR" sz="670" b="1" i="0" u="none" strike="noStrike" cap="none" normalizeH="0" baseline="0" dirty="0" smtClean="0">
+                <a:ln>
+                  <a:noFill/>
+                </a:ln>
+                <a:solidFill>
+                  <a:srgbClr val="010101"/>
+                </a:solidFill>
+                <a:effectLst/>
+                <a:latin typeface="Consolas" pitchFamily="49" charset="0"/>
+                <a:ea typeface="굴림" pitchFamily="50" charset="-127"/>
+                <a:cs typeface="굴림" pitchFamily="50" charset="-127"/>
+              </a:rPr>
+              <a:t>0_m </a:t>
+            </a:r>
+            <a:r>
+              <a:rPr kumimoji="1" lang="ko-KR" altLang="ko-KR" sz="670" b="1" i="0" u="none" strike="noStrike" cap="none" normalizeH="0" baseline="0" dirty="0" smtClean="0">
+                <a:ln>
+                  <a:noFill/>
+                </a:ln>
+                <a:solidFill>
+                  <a:srgbClr val="A71D5D"/>
+                </a:solidFill>
+                <a:effectLst/>
+                <a:latin typeface="Consolas" pitchFamily="49" charset="0"/>
+                <a:ea typeface="굴림" pitchFamily="50" charset="-127"/>
+                <a:cs typeface="굴림" pitchFamily="50" charset="-127"/>
+              </a:rPr>
+              <a:t>+</a:t>
+            </a:r>
+            <a:r>
+              <a:rPr kumimoji="1" lang="ko-KR" altLang="ko-KR" sz="670" b="1" i="0" u="none" strike="noStrike" cap="none" normalizeH="0" baseline="0" dirty="0" smtClean="0">
+                <a:ln>
+                  <a:noFill/>
+                </a:ln>
+                <a:solidFill>
+                  <a:srgbClr val="010101"/>
+                </a:solidFill>
+                <a:effectLst/>
+                <a:latin typeface="Consolas" pitchFamily="49" charset="0"/>
+                <a:ea typeface="굴림" pitchFamily="50" charset="-127"/>
+                <a:cs typeface="굴림" pitchFamily="50" charset="-127"/>
+              </a:rPr>
+              <a:t> </a:t>
+            </a:r>
+            <a:r>
+              <a:rPr kumimoji="1" lang="ko-KR" altLang="ko-KR" sz="670" b="1" i="0" u="none" strike="noStrike" cap="none" normalizeH="0" baseline="0" dirty="0" smtClean="0">
+                <a:ln>
+                  <a:noFill/>
+                </a:ln>
+                <a:solidFill>
+                  <a:srgbClr val="0099CC"/>
+                </a:solidFill>
+                <a:effectLst/>
+                <a:latin typeface="Consolas" pitchFamily="49" charset="0"/>
+                <a:ea typeface="굴림" pitchFamily="50" charset="-127"/>
+                <a:cs typeface="굴림" pitchFamily="50" charset="-127"/>
+              </a:rPr>
+              <a:t>0.</a:t>
+            </a:r>
+            <a:r>
+              <a:rPr kumimoji="1" lang="ko-KR" altLang="ko-KR" sz="670" b="1" i="0" u="none" strike="noStrike" cap="none" normalizeH="0" baseline="0" dirty="0" smtClean="0">
+                <a:ln>
+                  <a:noFill/>
+                </a:ln>
+                <a:solidFill>
+                  <a:srgbClr val="010101"/>
+                </a:solidFill>
+                <a:effectLst/>
+                <a:latin typeface="Consolas" pitchFamily="49" charset="0"/>
+                <a:ea typeface="굴림" pitchFamily="50" charset="-127"/>
+                <a:cs typeface="굴림" pitchFamily="50" charset="-127"/>
+              </a:rPr>
+              <a:t>3_cm </a:t>
+            </a:r>
+            <a:r>
+              <a:rPr kumimoji="1" lang="ko-KR" altLang="ko-KR" sz="670" b="1" i="0" u="none" strike="noStrike" cap="none" normalizeH="0" baseline="0" dirty="0" smtClean="0">
+                <a:ln>
+                  <a:noFill/>
+                </a:ln>
+                <a:solidFill>
+                  <a:srgbClr val="A71D5D"/>
+                </a:solidFill>
+                <a:effectLst/>
+                <a:latin typeface="Consolas" pitchFamily="49" charset="0"/>
+                <a:ea typeface="굴림" pitchFamily="50" charset="-127"/>
+                <a:cs typeface="굴림" pitchFamily="50" charset="-127"/>
+              </a:rPr>
+              <a:t>&lt;&lt;</a:t>
+            </a:r>
+            <a:r>
+              <a:rPr kumimoji="1" lang="ko-KR" altLang="ko-KR" sz="670" b="1" i="0" u="none" strike="noStrike" cap="none" normalizeH="0" baseline="0" dirty="0" smtClean="0">
+                <a:ln>
+                  <a:noFill/>
+                </a:ln>
+                <a:solidFill>
+                  <a:srgbClr val="010101"/>
+                </a:solidFill>
+                <a:effectLst/>
+                <a:latin typeface="Consolas" pitchFamily="49" charset="0"/>
+                <a:ea typeface="굴림" pitchFamily="50" charset="-127"/>
+                <a:cs typeface="굴림" pitchFamily="50" charset="-127"/>
+              </a:rPr>
+              <a:t> </a:t>
+            </a:r>
+            <a:r>
+              <a:rPr kumimoji="1" lang="ko-KR" altLang="ko-KR" sz="670" b="1" i="0" u="none" strike="noStrike" cap="none" normalizeH="0" baseline="0" dirty="0" smtClean="0">
+                <a:ln>
+                  <a:noFill/>
+                </a:ln>
+                <a:solidFill>
+                  <a:srgbClr val="63A35C"/>
+                </a:solidFill>
+                <a:effectLst/>
+                <a:latin typeface="Consolas" pitchFamily="49" charset="0"/>
+                <a:ea typeface="굴림" pitchFamily="50" charset="-127"/>
+                <a:cs typeface="굴림" pitchFamily="50" charset="-127"/>
+              </a:rPr>
+              <a:t>'\n'</a:t>
+            </a:r>
+            <a:r>
+              <a:rPr kumimoji="1" lang="ko-KR" altLang="ko-KR" sz="670" b="1" i="0" u="none" strike="noStrike" cap="none" normalizeH="0" baseline="0" dirty="0" smtClean="0">
+                <a:ln>
+                  <a:noFill/>
+                </a:ln>
+                <a:solidFill>
+                  <a:srgbClr val="010101"/>
+                </a:solidFill>
+                <a:effectLst/>
+                <a:latin typeface="Consolas" pitchFamily="49" charset="0"/>
+                <a:ea typeface="굴림" pitchFamily="50" charset="-127"/>
+                <a:cs typeface="굴림" pitchFamily="50" charset="-127"/>
+              </a:rPr>
+              <a:t>;</a:t>
+            </a:r>
+          </a:p>
+          <a:p>
+            <a:pPr marL="0" marR="0" lvl="0" indent="0" algn="l" defTabSz="914400" rtl="0" eaLnBrk="0" fontAlgn="base" latinLnBrk="0" hangingPunct="0">
+              <a:lnSpc>
+                <a:spcPct val="100000"/>
+              </a:lnSpc>
+              <a:spcBef>
+                <a:spcPct val="0"/>
+              </a:spcBef>
+              <a:spcAft>
+                <a:spcPct val="0"/>
+              </a:spcAft>
+              <a:buClrTx/>
+              <a:buSzTx/>
+              <a:buFontTx/>
+              <a:buNone/>
+              <a:tabLst/>
+            </a:pPr>
+            <a:r>
+              <a:rPr kumimoji="1" lang="en-US" altLang="ko-KR" sz="670" b="1" i="0" u="none" strike="noStrike" cap="none" normalizeH="0" baseline="0" dirty="0" smtClean="0">
+                <a:ln>
+                  <a:noFill/>
+                </a:ln>
+                <a:solidFill>
+                  <a:srgbClr val="066DE2"/>
+                </a:solidFill>
+                <a:effectLst/>
+                <a:latin typeface="Consolas" pitchFamily="49" charset="0"/>
+                <a:ea typeface="굴림" pitchFamily="50" charset="-127"/>
+                <a:cs typeface="굴림" pitchFamily="50" charset="-127"/>
+              </a:rPr>
+              <a:t>	</a:t>
+            </a:r>
+            <a:r>
+              <a:rPr kumimoji="1" lang="ko-KR" altLang="ko-KR" sz="670" b="1" i="0" u="none" strike="noStrike" cap="none" normalizeH="0" baseline="0" dirty="0" smtClean="0">
+                <a:ln>
+                  <a:noFill/>
+                </a:ln>
+                <a:solidFill>
+                  <a:srgbClr val="066DE2"/>
+                </a:solidFill>
+                <a:effectLst/>
+                <a:latin typeface="Consolas" pitchFamily="49" charset="0"/>
+                <a:ea typeface="굴림" pitchFamily="50" charset="-127"/>
+                <a:cs typeface="굴림" pitchFamily="50" charset="-127"/>
+              </a:rPr>
+              <a:t>std</a:t>
+            </a:r>
+            <a:r>
+              <a:rPr kumimoji="1" lang="ko-KR" altLang="ko-KR" sz="670" b="1" i="0" u="none" strike="noStrike" cap="none" normalizeH="0" baseline="0" dirty="0" smtClean="0">
+                <a:ln>
+                  <a:noFill/>
+                </a:ln>
+                <a:solidFill>
+                  <a:srgbClr val="010101"/>
+                </a:solidFill>
+                <a:effectLst/>
+                <a:latin typeface="Consolas" pitchFamily="49" charset="0"/>
+                <a:ea typeface="굴림" pitchFamily="50" charset="-127"/>
+                <a:cs typeface="굴림" pitchFamily="50" charset="-127"/>
+              </a:rPr>
+              <a:t>::</a:t>
+            </a:r>
+            <a:r>
+              <a:rPr kumimoji="1" lang="ko-KR" altLang="ko-KR" sz="670" b="1" i="0" u="none" strike="noStrike" cap="none" normalizeH="0" baseline="0" dirty="0" smtClean="0">
+                <a:ln>
+                  <a:noFill/>
+                </a:ln>
+                <a:solidFill>
+                  <a:srgbClr val="066DE2"/>
+                </a:solidFill>
+                <a:effectLst/>
+                <a:latin typeface="Consolas" pitchFamily="49" charset="0"/>
+                <a:ea typeface="굴림" pitchFamily="50" charset="-127"/>
+                <a:cs typeface="굴림" pitchFamily="50" charset="-127"/>
+              </a:rPr>
+              <a:t>cout</a:t>
+            </a:r>
+            <a:r>
+              <a:rPr kumimoji="1" lang="ko-KR" altLang="ko-KR" sz="670" b="1" i="0" u="none" strike="noStrike" cap="none" normalizeH="0" baseline="0" dirty="0" smtClean="0">
+                <a:ln>
+                  <a:noFill/>
+                </a:ln>
+                <a:solidFill>
+                  <a:srgbClr val="010101"/>
+                </a:solidFill>
+                <a:effectLst/>
+                <a:latin typeface="Consolas" pitchFamily="49" charset="0"/>
+                <a:ea typeface="굴림" pitchFamily="50" charset="-127"/>
+                <a:cs typeface="굴림" pitchFamily="50" charset="-127"/>
+              </a:rPr>
+              <a:t> </a:t>
+            </a:r>
+            <a:r>
+              <a:rPr kumimoji="1" lang="ko-KR" altLang="ko-KR" sz="670" b="1" i="0" u="none" strike="noStrike" cap="none" normalizeH="0" baseline="0" dirty="0" smtClean="0">
+                <a:ln>
+                  <a:noFill/>
+                </a:ln>
+                <a:solidFill>
+                  <a:srgbClr val="A71D5D"/>
+                </a:solidFill>
+                <a:effectLst/>
+                <a:latin typeface="Consolas" pitchFamily="49" charset="0"/>
+                <a:ea typeface="굴림" pitchFamily="50" charset="-127"/>
+                <a:cs typeface="굴림" pitchFamily="50" charset="-127"/>
+              </a:rPr>
+              <a:t>&lt;&lt;</a:t>
+            </a:r>
+            <a:r>
+              <a:rPr kumimoji="1" lang="ko-KR" altLang="ko-KR" sz="670" b="1" i="0" u="none" strike="noStrike" cap="none" normalizeH="0" baseline="0" dirty="0" smtClean="0">
+                <a:ln>
+                  <a:noFill/>
+                </a:ln>
+                <a:solidFill>
+                  <a:srgbClr val="010101"/>
+                </a:solidFill>
+                <a:effectLst/>
+                <a:latin typeface="Consolas" pitchFamily="49" charset="0"/>
+                <a:ea typeface="굴림" pitchFamily="50" charset="-127"/>
+                <a:cs typeface="굴림" pitchFamily="50" charset="-127"/>
+              </a:rPr>
+              <a:t> </a:t>
+            </a:r>
+            <a:r>
+              <a:rPr kumimoji="1" lang="ko-KR" altLang="ko-KR" sz="670" b="1" i="0" u="none" strike="noStrike" cap="none" normalizeH="0" baseline="0" dirty="0" smtClean="0">
+                <a:ln>
+                  <a:noFill/>
+                </a:ln>
+                <a:solidFill>
+                  <a:srgbClr val="63A35C"/>
+                </a:solidFill>
+                <a:effectLst/>
+                <a:latin typeface="Consolas" pitchFamily="49" charset="0"/>
+                <a:ea typeface="굴림" pitchFamily="50" charset="-127"/>
+                <a:cs typeface="굴림" pitchFamily="50" charset="-127"/>
+              </a:rPr>
+              <a:t>'\n'</a:t>
+            </a:r>
+            <a:r>
+              <a:rPr kumimoji="1" lang="ko-KR" altLang="ko-KR" sz="670" b="1" i="0" u="none" strike="noStrike" cap="none" normalizeH="0" baseline="0" dirty="0" smtClean="0">
+                <a:ln>
+                  <a:noFill/>
+                </a:ln>
+                <a:solidFill>
+                  <a:srgbClr val="010101"/>
+                </a:solidFill>
+                <a:effectLst/>
+                <a:latin typeface="Consolas" pitchFamily="49" charset="0"/>
+                <a:ea typeface="굴림" pitchFamily="50" charset="-127"/>
+                <a:cs typeface="굴림" pitchFamily="50" charset="-127"/>
+              </a:rPr>
+              <a:t>;</a:t>
+            </a:r>
+          </a:p>
+          <a:p>
+            <a:pPr marL="0" marR="0" lvl="0" indent="0" algn="l" defTabSz="914400" rtl="0" eaLnBrk="0" fontAlgn="base" latinLnBrk="0" hangingPunct="0">
+              <a:lnSpc>
+                <a:spcPct val="100000"/>
+              </a:lnSpc>
+              <a:spcBef>
+                <a:spcPct val="0"/>
+              </a:spcBef>
+              <a:spcAft>
+                <a:spcPct val="0"/>
+              </a:spcAft>
+              <a:buClrTx/>
+              <a:buSzTx/>
+              <a:buFontTx/>
+              <a:buNone/>
+              <a:tabLst/>
+            </a:pPr>
+            <a:r>
+              <a:rPr kumimoji="1" lang="ko-KR" altLang="ko-KR" sz="670" b="1" i="0" u="none" strike="noStrike" cap="none" normalizeH="0" baseline="0" dirty="0" smtClean="0">
+                <a:ln>
+                  <a:noFill/>
+                </a:ln>
+                <a:solidFill>
+                  <a:srgbClr val="010101"/>
+                </a:solidFill>
+                <a:effectLst/>
+                <a:latin typeface="Consolas" pitchFamily="49" charset="0"/>
+                <a:ea typeface="굴림" pitchFamily="50" charset="-127"/>
+                <a:cs typeface="굴림" pitchFamily="50" charset="-127"/>
+              </a:rPr>
+              <a:t>}</a:t>
+            </a:r>
+            <a:endParaRPr kumimoji="1" lang="ko-KR" altLang="ko-KR" sz="670" b="1" i="0" u="none" strike="noStrike" cap="none" normalizeH="0" baseline="0" dirty="0" smtClean="0">
+              <a:ln>
+                <a:noFill/>
+              </a:ln>
+              <a:solidFill>
+                <a:schemeClr val="tx1"/>
+              </a:solidFill>
+              <a:effectLst/>
+              <a:latin typeface="굴림" pitchFamily="50" charset="-127"/>
+              <a:ea typeface="굴림" pitchFamily="50" charset="-127"/>
+              <a:cs typeface="굴림" pitchFamily="50" charset="-127"/>
+            </a:endParaRPr>
+          </a:p>
+        </p:txBody>
+      </p:sp>
+    </p:spTree>
+    <p:extLst>
+      <p:ext uri="{BB962C8B-B14F-4D97-AF65-F5344CB8AC3E}">
+        <p14:creationId xmlns:p14="http://schemas.microsoft.com/office/powerpoint/2010/main" val="1564440645"/>
+      </p:ext>
+    </p:extLst>
+  </p:cSld>
+  <p:clrMapOvr>
+    <a:masterClrMapping/>
+  </p:clrMapOvr>
+  <mc:AlternateContent xmlns:mc="http://schemas.openxmlformats.org/markup-compatibility/2006" xmlns:p14="http://schemas.microsoft.com/office/powerpoint/2010/main">
+    <mc:Choice Requires="p14">
+      <p:transition spd="med" p14:dur="700">
+        <p:fade/>
+      </p:transition>
+    </mc:Choice>
+    <mc:Fallback xmlns="">
+      <p:transition spd="med">
+        <p:fade/>
+      </p:transition>
+    </mc:Fallback>
+  </mc:AlternateContent>
+  <p:timing>
+    <p:tnLst>
+      <p:par>
+        <p:cTn id="1" dur="indefinite" restart="never" nodeType="tmRoot"/>
+      </p:par>
+    </p:tnLst>
+  </p:timing>
+</p:sld>
+</file>
+
+<file path=ppt/slides/slide7.xml><?xml version="1.0" encoding="utf-8"?>
+<p:sld xmlns:a="http://schemas.openxmlformats.org/drawingml/2006/main" xmlns:r="http://schemas.openxmlformats.org/officeDocument/2006/relationships" xmlns:p="http://schemas.openxmlformats.org/presentationml/2006/main">
+  <p:cSld>
+    <p:spTree>
+      <p:nvGrpSpPr>
+        <p:cNvPr id="1" name=""/>
+        <p:cNvGrpSpPr/>
+        <p:nvPr/>
+      </p:nvGrpSpPr>
+      <p:grpSpPr>
+        <a:xfrm>
+          <a:off x="0" y="0"/>
+          <a:ext cx="0" cy="0"/>
+          <a:chOff x="0" y="0"/>
+          <a:chExt cx="0" cy="0"/>
+        </a:xfrm>
+      </p:grpSpPr>
+      <p:cxnSp>
+        <p:nvCxnSpPr>
+          <p:cNvPr id="5" name="직선 연결선 4"/>
+          <p:cNvCxnSpPr/>
+          <p:nvPr/>
+        </p:nvCxnSpPr>
+        <p:spPr>
+          <a:xfrm flipH="1">
+            <a:off x="-252536" y="548680"/>
+            <a:ext cx="10240872" cy="0"/>
+          </a:xfrm>
+          <a:prstGeom prst="line">
+            <a:avLst/>
+          </a:prstGeom>
+          <a:ln>
+            <a:solidFill>
+              <a:schemeClr val="bg1">
+                <a:lumMod val="65000"/>
+                <a:alpha val="50000"/>
+              </a:schemeClr>
+            </a:solidFill>
+          </a:ln>
+        </p:spPr>
+        <p:style>
+          <a:lnRef idx="1">
+            <a:schemeClr val="accent1"/>
+          </a:lnRef>
+          <a:fillRef idx="0">
+            <a:schemeClr val="accent1"/>
+          </a:fillRef>
+          <a:effectRef idx="0">
+            <a:schemeClr val="accent1"/>
+          </a:effectRef>
+          <a:fontRef idx="minor">
+            <a:schemeClr val="tx1"/>
+          </a:fontRef>
+        </p:style>
+      </p:cxnSp>
+      <p:sp>
+        <p:nvSpPr>
+          <p:cNvPr id="21" name="TextBox 20"/>
+          <p:cNvSpPr txBox="1"/>
+          <p:nvPr/>
+        </p:nvSpPr>
+        <p:spPr>
+          <a:xfrm>
+            <a:off x="236725" y="56518"/>
+            <a:ext cx="1959011" cy="400110"/>
+          </a:xfrm>
+          <a:prstGeom prst="rect">
+            <a:avLst/>
+          </a:prstGeom>
+          <a:noFill/>
+        </p:spPr>
+        <p:txBody>
+          <a:bodyPr wrap="square" rtlCol="0">
+            <a:spAutoFit/>
+          </a:bodyPr>
+          <a:lstStyle/>
+          <a:p>
+            <a:pPr algn="ctr"/>
+            <a:r>
+              <a:rPr lang="en-US" altLang="ko-KR" sz="2000" b="1" dirty="0" smtClean="0">
+                <a:ln>
+                  <a:solidFill>
+                    <a:schemeClr val="tx1">
+                      <a:alpha val="30000"/>
+                    </a:schemeClr>
+                  </a:solidFill>
+                </a:ln>
+                <a:solidFill>
+                  <a:srgbClr val="272123"/>
+                </a:solidFill>
+                <a:latin typeface="HY강B" pitchFamily="18" charset="-127"/>
+                <a:ea typeface="HY강B" pitchFamily="18" charset="-127"/>
+              </a:rPr>
+              <a:t>Initializer List</a:t>
+            </a:r>
+            <a:endParaRPr lang="en-US" altLang="ko-KR" sz="2000" b="1" dirty="0" smtClean="0">
+              <a:ln>
+                <a:solidFill>
+                  <a:schemeClr val="tx1">
+                    <a:alpha val="30000"/>
+                  </a:schemeClr>
+                </a:solidFill>
+              </a:ln>
+              <a:solidFill>
+                <a:srgbClr val="272123"/>
+              </a:solidFill>
+              <a:latin typeface="HY강B" pitchFamily="18" charset="-127"/>
+              <a:ea typeface="HY강B" pitchFamily="18" charset="-127"/>
+            </a:endParaRPr>
+          </a:p>
+        </p:txBody>
+      </p:sp>
+      <p:sp>
+        <p:nvSpPr>
+          <p:cNvPr id="22" name="TextBox 21"/>
+          <p:cNvSpPr txBox="1"/>
+          <p:nvPr/>
+        </p:nvSpPr>
+        <p:spPr>
+          <a:xfrm>
+            <a:off x="467544" y="620688"/>
+            <a:ext cx="8640962" cy="1138773"/>
+          </a:xfrm>
+          <a:prstGeom prst="rect">
+            <a:avLst/>
+          </a:prstGeom>
+          <a:noFill/>
+        </p:spPr>
+        <p:txBody>
+          <a:bodyPr wrap="square" rtlCol="0">
+            <a:spAutoFit/>
+          </a:bodyPr>
+          <a:lstStyle/>
+          <a:p>
+            <a:pPr marL="285750" indent="-285750">
+              <a:buFont typeface="Arial" pitchFamily="34" charset="0"/>
+              <a:buChar char="•"/>
+            </a:pPr>
+            <a:r>
+              <a:rPr lang="en-US" altLang="ko-KR" sz="2000" dirty="0" smtClean="0">
+                <a:ln>
+                  <a:solidFill>
+                    <a:schemeClr val="tx1">
+                      <a:alpha val="30000"/>
+                    </a:schemeClr>
+                  </a:solidFill>
+                </a:ln>
+                <a:latin typeface="HY견고딕" pitchFamily="18" charset="-127"/>
+                <a:ea typeface="HY견고딕" pitchFamily="18" charset="-127"/>
+              </a:rPr>
+              <a:t>C.48</a:t>
+            </a:r>
+            <a:r>
+              <a:rPr lang="ko-KR" altLang="en-US" sz="2000" dirty="0" err="1" smtClean="0">
+                <a:ln>
+                  <a:solidFill>
+                    <a:schemeClr val="tx1">
+                      <a:alpha val="30000"/>
+                    </a:schemeClr>
+                  </a:solidFill>
+                </a:ln>
+                <a:latin typeface="HY견고딕" pitchFamily="18" charset="-127"/>
+                <a:ea typeface="HY견고딕" pitchFamily="18" charset="-127"/>
+              </a:rPr>
+              <a:t>생성자에서</a:t>
+            </a:r>
+            <a:r>
+              <a:rPr lang="ko-KR" altLang="en-US" sz="2000" dirty="0" smtClean="0">
+                <a:ln>
+                  <a:solidFill>
+                    <a:schemeClr val="tx1">
+                      <a:alpha val="30000"/>
+                    </a:schemeClr>
+                  </a:solidFill>
+                </a:ln>
+                <a:latin typeface="HY견고딕" pitchFamily="18" charset="-127"/>
+                <a:ea typeface="HY견고딕" pitchFamily="18" charset="-127"/>
+              </a:rPr>
+              <a:t> </a:t>
+            </a:r>
+            <a:r>
+              <a:rPr lang="ko-KR" altLang="en-US" sz="2000" dirty="0" err="1" smtClean="0">
+                <a:ln>
+                  <a:solidFill>
+                    <a:schemeClr val="tx1">
+                      <a:alpha val="30000"/>
+                    </a:schemeClr>
+                  </a:solidFill>
+                </a:ln>
+                <a:latin typeface="HY견고딕" pitchFamily="18" charset="-127"/>
+                <a:ea typeface="HY견고딕" pitchFamily="18" charset="-127"/>
+              </a:rPr>
+              <a:t>맴버를</a:t>
+            </a:r>
+            <a:r>
+              <a:rPr lang="ko-KR" altLang="en-US" sz="2000" dirty="0" smtClean="0">
+                <a:ln>
+                  <a:solidFill>
+                    <a:schemeClr val="tx1">
+                      <a:alpha val="30000"/>
+                    </a:schemeClr>
+                  </a:solidFill>
+                </a:ln>
+                <a:latin typeface="HY견고딕" pitchFamily="18" charset="-127"/>
+                <a:ea typeface="HY견고딕" pitchFamily="18" charset="-127"/>
+              </a:rPr>
+              <a:t> 상수로 초기화할 때 초기화 구문보다는 클래스 안 초기화 구문을 선호하라</a:t>
+            </a:r>
+            <a:r>
+              <a:rPr lang="en-US" altLang="ko-KR" sz="2000" dirty="0" smtClean="0">
+                <a:ln>
+                  <a:solidFill>
+                    <a:schemeClr val="tx1">
+                      <a:alpha val="30000"/>
+                    </a:schemeClr>
+                  </a:solidFill>
+                </a:ln>
+                <a:latin typeface="HY견고딕" pitchFamily="18" charset="-127"/>
+                <a:ea typeface="HY견고딕" pitchFamily="18" charset="-127"/>
+              </a:rPr>
+              <a:t>.</a:t>
+            </a:r>
+          </a:p>
+          <a:p>
+            <a:r>
+              <a:rPr lang="en-US" altLang="ko-KR" sz="1400" dirty="0" smtClean="0">
+                <a:ln>
+                  <a:solidFill>
+                    <a:schemeClr val="tx1">
+                      <a:alpha val="30000"/>
+                    </a:schemeClr>
+                  </a:solidFill>
+                </a:ln>
+                <a:latin typeface="HY중고딕" pitchFamily="18" charset="-127"/>
+                <a:ea typeface="HY중고딕" pitchFamily="18" charset="-127"/>
+              </a:rPr>
+              <a:t>	</a:t>
+            </a:r>
+            <a:r>
+              <a:rPr lang="ko-KR" altLang="en-US" sz="1400" dirty="0" smtClean="0">
+                <a:ln>
+                  <a:solidFill>
+                    <a:schemeClr val="tx1">
+                      <a:alpha val="30000"/>
+                    </a:schemeClr>
+                  </a:solidFill>
+                </a:ln>
+                <a:latin typeface="HY중고딕" pitchFamily="18" charset="-127"/>
+                <a:ea typeface="HY중고딕" pitchFamily="18" charset="-127"/>
+              </a:rPr>
+              <a:t>생성자의 초기화 구문으로 초기화 할 경우 일부 변수의 초기화를 놓치는 경우가 발생한다</a:t>
+            </a:r>
+            <a:r>
+              <a:rPr lang="en-US" altLang="ko-KR" sz="1400" dirty="0" smtClean="0">
+                <a:ln>
+                  <a:solidFill>
+                    <a:schemeClr val="tx1">
+                      <a:alpha val="30000"/>
+                    </a:schemeClr>
+                  </a:solidFill>
+                </a:ln>
+                <a:latin typeface="HY중고딕" pitchFamily="18" charset="-127"/>
+                <a:ea typeface="HY중고딕" pitchFamily="18" charset="-127"/>
+              </a:rPr>
+              <a:t>.</a:t>
+            </a:r>
+          </a:p>
+          <a:p>
+            <a:r>
+              <a:rPr lang="en-US" altLang="ko-KR" sz="1400" dirty="0">
+                <a:ln>
+                  <a:solidFill>
+                    <a:schemeClr val="tx1">
+                      <a:alpha val="30000"/>
+                    </a:schemeClr>
+                  </a:solidFill>
+                </a:ln>
+                <a:latin typeface="HY중고딕" pitchFamily="18" charset="-127"/>
+                <a:ea typeface="HY중고딕" pitchFamily="18" charset="-127"/>
+              </a:rPr>
+              <a:t>	</a:t>
+            </a:r>
+            <a:r>
+              <a:rPr lang="ko-KR" altLang="en-US" sz="1400" dirty="0" smtClean="0">
+                <a:ln>
+                  <a:solidFill>
+                    <a:schemeClr val="tx1">
+                      <a:alpha val="30000"/>
+                    </a:schemeClr>
+                  </a:solidFill>
+                </a:ln>
+                <a:latin typeface="HY중고딕" pitchFamily="18" charset="-127"/>
+                <a:ea typeface="HY중고딕" pitchFamily="18" charset="-127"/>
+              </a:rPr>
+              <a:t>대신 </a:t>
+            </a:r>
+            <a:r>
+              <a:rPr lang="en-US" altLang="ko-KR" sz="1400" dirty="0" smtClean="0">
+                <a:ln>
+                  <a:solidFill>
+                    <a:schemeClr val="tx1">
+                      <a:alpha val="30000"/>
+                    </a:schemeClr>
+                  </a:solidFill>
+                </a:ln>
+                <a:latin typeface="HY중고딕" pitchFamily="18" charset="-127"/>
+                <a:ea typeface="HY중고딕" pitchFamily="18" charset="-127"/>
+              </a:rPr>
+              <a:t>class </a:t>
+            </a:r>
+            <a:r>
+              <a:rPr lang="ko-KR" altLang="en-US" sz="1400" dirty="0" smtClean="0">
+                <a:ln>
+                  <a:solidFill>
+                    <a:schemeClr val="tx1">
+                      <a:alpha val="30000"/>
+                    </a:schemeClr>
+                  </a:solidFill>
+                </a:ln>
+                <a:latin typeface="HY중고딕" pitchFamily="18" charset="-127"/>
+                <a:ea typeface="HY중고딕" pitchFamily="18" charset="-127"/>
+              </a:rPr>
+              <a:t>안 초기화 구문을 사용할 경우 그러한 실수를 방지할 수 있다</a:t>
+            </a:r>
+            <a:r>
+              <a:rPr lang="en-US" altLang="ko-KR" sz="1400" dirty="0" smtClean="0">
+                <a:ln>
+                  <a:solidFill>
+                    <a:schemeClr val="tx1">
+                      <a:alpha val="30000"/>
+                    </a:schemeClr>
+                  </a:solidFill>
+                </a:ln>
+                <a:latin typeface="HY중고딕" pitchFamily="18" charset="-127"/>
+                <a:ea typeface="HY중고딕" pitchFamily="18" charset="-127"/>
+              </a:rPr>
+              <a:t>.</a:t>
+            </a:r>
+            <a:r>
+              <a:rPr lang="ko-KR" altLang="en-US" sz="1400" dirty="0" smtClean="0">
+                <a:ln>
+                  <a:solidFill>
+                    <a:schemeClr val="tx1">
+                      <a:alpha val="30000"/>
+                    </a:schemeClr>
+                  </a:solidFill>
+                </a:ln>
+                <a:latin typeface="HY중고딕" pitchFamily="18" charset="-127"/>
+                <a:ea typeface="HY중고딕" pitchFamily="18" charset="-127"/>
+              </a:rPr>
+              <a:t> </a:t>
+            </a:r>
+            <a:endParaRPr lang="en-US" altLang="ko-KR" dirty="0" smtClean="0">
+              <a:ln>
+                <a:solidFill>
+                  <a:schemeClr val="tx1">
+                    <a:alpha val="30000"/>
+                  </a:schemeClr>
+                </a:solidFill>
+              </a:ln>
+              <a:latin typeface="HY중고딕" pitchFamily="18" charset="-127"/>
+              <a:ea typeface="HY중고딕" pitchFamily="18" charset="-127"/>
+            </a:endParaRPr>
+          </a:p>
+        </p:txBody>
+      </p:sp>
+      <p:sp>
+        <p:nvSpPr>
+          <p:cNvPr id="4" name="Rectangle 2"/>
+          <p:cNvSpPr>
+            <a:spLocks noChangeArrowheads="1"/>
+          </p:cNvSpPr>
+          <p:nvPr/>
+        </p:nvSpPr>
+        <p:spPr bwMode="auto">
+          <a:xfrm>
+            <a:off x="2987824" y="1857593"/>
+            <a:ext cx="3109826" cy="4739759"/>
+          </a:xfrm>
+          <a:prstGeom prst="rect">
+            <a:avLst/>
+          </a:prstGeom>
+          <a:solidFill>
+            <a:srgbClr val="FFFFFF"/>
+          </a:solidFill>
+          <a:ln>
+            <a:noFill/>
+          </a:ln>
+          <a:effectLst/>
+          <a:extLst>
+            <a:ext uri="{91240B29-F687-4F45-9708-019B960494DF}">
+              <a14:hiddenLine xmlns:a14="http://schemas.microsoft.com/office/drawing/2010/main" w="9525">
+                <a:solidFill>
+                  <a:schemeClr val="tx1"/>
+                </a:solidFill>
+                <a:miter lim="800000"/>
+                <a:headEnd/>
+                <a:tailEnd/>
+              </a14:hiddenLine>
+            </a:ext>
+            <a:ext uri="{AF507438-7753-43E0-B8FC-AC1667EBCBE1}">
+              <a14:hiddenEffects xmlns:a14="http://schemas.microsoft.com/office/drawing/2010/main">
+                <a:effectLst>
+                  <a:outerShdw dist="35921" dir="2700000" algn="ctr" rotWithShape="0">
+                    <a:schemeClr val="bg2"/>
+                  </a:outerShdw>
+                </a:effectLst>
+              </a14:hiddenEffects>
+            </a:ext>
+          </a:extLst>
+        </p:spPr>
+        <p:txBody>
+          <a:bodyPr vert="horz" wrap="none" lIns="0" tIns="0" rIns="0" bIns="0" numCol="1" anchor="ctr" anchorCtr="0" compatLnSpc="1">
+            <a:prstTxWarp prst="textNoShape">
+              <a:avLst/>
+            </a:prstTxWarp>
+            <a:spAutoFit/>
+          </a:bodyPr>
+          <a:lstStyle/>
+          <a:p>
+            <a:pPr marL="0" marR="0" lvl="0" indent="0" algn="l" defTabSz="914400" rtl="0" eaLnBrk="1" fontAlgn="base" latinLnBrk="1" hangingPunct="1">
+              <a:lnSpc>
+                <a:spcPct val="100000"/>
+              </a:lnSpc>
+              <a:spcBef>
+                <a:spcPct val="0"/>
+              </a:spcBef>
+              <a:spcAft>
+                <a:spcPct val="0"/>
+              </a:spcAft>
+              <a:buClrTx/>
+              <a:buSzTx/>
+              <a:buFontTx/>
+              <a:buNone/>
+              <a:tabLst/>
+            </a:pPr>
+            <a:r>
+              <a:rPr kumimoji="1" lang="ko-KR" altLang="ko-KR" sz="1400" b="1" i="0" u="none" strike="noStrike" cap="none" normalizeH="0" baseline="0" dirty="0" smtClean="0">
+                <a:ln>
+                  <a:noFill/>
+                </a:ln>
+                <a:solidFill>
+                  <a:srgbClr val="0086B3"/>
+                </a:solidFill>
+                <a:effectLst/>
+                <a:latin typeface="Consolas" pitchFamily="49" charset="0"/>
+                <a:ea typeface="굴림" pitchFamily="50" charset="-127"/>
+                <a:cs typeface="굴림" pitchFamily="50" charset="-127"/>
+              </a:rPr>
+              <a:t>#include</a:t>
+            </a:r>
+            <a:r>
+              <a:rPr kumimoji="1" lang="ko-KR" altLang="ko-KR" sz="1400" b="1" i="0" u="none" strike="noStrike" cap="none" normalizeH="0" baseline="0" dirty="0" smtClean="0">
+                <a:ln>
+                  <a:noFill/>
+                </a:ln>
+                <a:solidFill>
+                  <a:srgbClr val="A71D5D"/>
+                </a:solidFill>
+                <a:effectLst/>
+                <a:latin typeface="Consolas" pitchFamily="49" charset="0"/>
+                <a:ea typeface="굴림" pitchFamily="50" charset="-127"/>
+                <a:cs typeface="굴림" pitchFamily="50" charset="-127"/>
+              </a:rPr>
+              <a:t>&lt;</a:t>
+            </a:r>
+            <a:r>
+              <a:rPr kumimoji="1" lang="ko-KR" altLang="ko-KR" sz="1400" b="1" i="0" u="none" strike="noStrike" cap="none" normalizeH="0" baseline="0" dirty="0" smtClean="0">
+                <a:ln>
+                  <a:noFill/>
+                </a:ln>
+                <a:solidFill>
+                  <a:srgbClr val="010101"/>
+                </a:solidFill>
+                <a:effectLst/>
+                <a:latin typeface="Consolas" pitchFamily="49" charset="0"/>
+                <a:ea typeface="굴림" pitchFamily="50" charset="-127"/>
+                <a:cs typeface="굴림" pitchFamily="50" charset="-127"/>
+              </a:rPr>
+              <a:t>iostream</a:t>
+            </a:r>
+            <a:r>
+              <a:rPr kumimoji="1" lang="ko-KR" altLang="ko-KR" sz="1400" b="1" i="0" u="none" strike="noStrike" cap="none" normalizeH="0" baseline="0" dirty="0" smtClean="0">
+                <a:ln>
+                  <a:noFill/>
+                </a:ln>
+                <a:solidFill>
+                  <a:srgbClr val="A71D5D"/>
+                </a:solidFill>
+                <a:effectLst/>
+                <a:latin typeface="Consolas" pitchFamily="49" charset="0"/>
+                <a:ea typeface="굴림" pitchFamily="50" charset="-127"/>
+                <a:cs typeface="굴림" pitchFamily="50" charset="-127"/>
+              </a:rPr>
+              <a:t>&gt;</a:t>
+            </a:r>
+            <a:endParaRPr kumimoji="1" lang="ko-KR" altLang="ko-KR" sz="1400" b="1" i="0" u="none" strike="noStrike" cap="none" normalizeH="0" baseline="0" dirty="0" smtClean="0">
+              <a:ln>
+                <a:noFill/>
+              </a:ln>
+              <a:solidFill>
+                <a:srgbClr val="010101"/>
+              </a:solidFill>
+              <a:effectLst/>
+              <a:latin typeface="Consolas" pitchFamily="49" charset="0"/>
+              <a:ea typeface="굴림" pitchFamily="50" charset="-127"/>
+              <a:cs typeface="굴림" pitchFamily="50" charset="-127"/>
+            </a:endParaRPr>
+          </a:p>
+          <a:p>
+            <a:pPr marL="0" marR="0" lvl="0" indent="0" algn="l" defTabSz="914400" rtl="0" eaLnBrk="0" fontAlgn="base" latinLnBrk="0" hangingPunct="0">
+              <a:lnSpc>
+                <a:spcPct val="100000"/>
+              </a:lnSpc>
+              <a:spcBef>
+                <a:spcPct val="0"/>
+              </a:spcBef>
+              <a:spcAft>
+                <a:spcPct val="0"/>
+              </a:spcAft>
+              <a:buClrTx/>
+              <a:buSzTx/>
+              <a:buFontTx/>
+              <a:buNone/>
+              <a:tabLst/>
+            </a:pPr>
+            <a:r>
+              <a:rPr kumimoji="1" lang="ko-KR" altLang="ko-KR" sz="1400" b="1" i="0" u="none" strike="noStrike" cap="none" normalizeH="0" baseline="0" dirty="0" smtClean="0">
+                <a:ln>
+                  <a:noFill/>
+                </a:ln>
+                <a:solidFill>
+                  <a:srgbClr val="A71D5D"/>
+                </a:solidFill>
+                <a:effectLst/>
+                <a:latin typeface="Consolas" pitchFamily="49" charset="0"/>
+                <a:ea typeface="굴림" pitchFamily="50" charset="-127"/>
+                <a:cs typeface="굴림" pitchFamily="50" charset="-127"/>
+              </a:rPr>
+              <a:t>class</a:t>
+            </a:r>
+            <a:r>
+              <a:rPr kumimoji="1" lang="ko-KR" altLang="ko-KR" sz="1400" b="1" i="0" u="none" strike="noStrike" cap="none" normalizeH="0" baseline="0" dirty="0" smtClean="0">
+                <a:ln>
+                  <a:noFill/>
+                </a:ln>
+                <a:solidFill>
+                  <a:srgbClr val="010101"/>
+                </a:solidFill>
+                <a:effectLst/>
+                <a:latin typeface="Consolas" pitchFamily="49" charset="0"/>
+                <a:ea typeface="굴림" pitchFamily="50" charset="-127"/>
+                <a:cs typeface="굴림" pitchFamily="50" charset="-127"/>
+              </a:rPr>
+              <a:t> Test</a:t>
+            </a:r>
+          </a:p>
+          <a:p>
+            <a:pPr marL="0" marR="0" lvl="0" indent="0" algn="l" defTabSz="914400" rtl="0" eaLnBrk="0" fontAlgn="base" latinLnBrk="0" hangingPunct="0">
+              <a:lnSpc>
+                <a:spcPct val="100000"/>
+              </a:lnSpc>
+              <a:spcBef>
+                <a:spcPct val="0"/>
+              </a:spcBef>
+              <a:spcAft>
+                <a:spcPct val="0"/>
+              </a:spcAft>
+              <a:buClrTx/>
+              <a:buSzTx/>
+              <a:buFontTx/>
+              <a:buNone/>
+              <a:tabLst/>
+            </a:pPr>
+            <a:r>
+              <a:rPr kumimoji="1" lang="ko-KR" altLang="ko-KR" sz="1400" b="1" i="0" u="none" strike="noStrike" cap="none" normalizeH="0" baseline="0" dirty="0" smtClean="0">
+                <a:ln>
+                  <a:noFill/>
+                </a:ln>
+                <a:solidFill>
+                  <a:srgbClr val="010101"/>
+                </a:solidFill>
+                <a:effectLst/>
+                <a:latin typeface="Consolas" pitchFamily="49" charset="0"/>
+                <a:ea typeface="굴림" pitchFamily="50" charset="-127"/>
+                <a:cs typeface="굴림" pitchFamily="50" charset="-127"/>
+              </a:rPr>
+              <a:t>{</a:t>
+            </a:r>
+          </a:p>
+          <a:p>
+            <a:pPr marL="0" marR="0" lvl="0" indent="0" algn="l" defTabSz="914400" rtl="0" eaLnBrk="0" fontAlgn="base" latinLnBrk="0" hangingPunct="0">
+              <a:lnSpc>
+                <a:spcPct val="100000"/>
+              </a:lnSpc>
+              <a:spcBef>
+                <a:spcPct val="0"/>
+              </a:spcBef>
+              <a:spcAft>
+                <a:spcPct val="0"/>
+              </a:spcAft>
+              <a:buClrTx/>
+              <a:buSzTx/>
+              <a:buFontTx/>
+              <a:buNone/>
+              <a:tabLst/>
+            </a:pPr>
+            <a:r>
+              <a:rPr kumimoji="1" lang="ko-KR" altLang="ko-KR" sz="1400" b="1" i="0" u="none" strike="noStrike" cap="none" normalizeH="0" baseline="0" dirty="0" smtClean="0">
+                <a:ln>
+                  <a:noFill/>
+                </a:ln>
+                <a:solidFill>
+                  <a:srgbClr val="A71D5D"/>
+                </a:solidFill>
+                <a:effectLst/>
+                <a:latin typeface="Consolas" pitchFamily="49" charset="0"/>
+                <a:ea typeface="굴림" pitchFamily="50" charset="-127"/>
+                <a:cs typeface="굴림" pitchFamily="50" charset="-127"/>
+              </a:rPr>
+              <a:t>private</a:t>
+            </a:r>
+            <a:r>
+              <a:rPr kumimoji="1" lang="ko-KR" altLang="ko-KR" sz="1400" b="1" i="0" u="none" strike="noStrike" cap="none" normalizeH="0" baseline="0" dirty="0" smtClean="0">
+                <a:ln>
+                  <a:noFill/>
+                </a:ln>
+                <a:solidFill>
+                  <a:srgbClr val="010101"/>
+                </a:solidFill>
+                <a:effectLst/>
+                <a:latin typeface="Consolas" pitchFamily="49" charset="0"/>
+                <a:ea typeface="굴림" pitchFamily="50" charset="-127"/>
+                <a:cs typeface="굴림" pitchFamily="50" charset="-127"/>
+              </a:rPr>
+              <a:t>:</a:t>
+            </a:r>
+          </a:p>
+          <a:p>
+            <a:pPr marL="0" marR="0" lvl="0" indent="0" algn="l" defTabSz="914400" rtl="0" eaLnBrk="0" fontAlgn="base" latinLnBrk="0" hangingPunct="0">
+              <a:lnSpc>
+                <a:spcPct val="100000"/>
+              </a:lnSpc>
+              <a:spcBef>
+                <a:spcPct val="0"/>
+              </a:spcBef>
+              <a:spcAft>
+                <a:spcPct val="0"/>
+              </a:spcAft>
+              <a:buClrTx/>
+              <a:buSzTx/>
+              <a:buFontTx/>
+              <a:buNone/>
+              <a:tabLst/>
+            </a:pPr>
+            <a:r>
+              <a:rPr kumimoji="1" lang="en-US" altLang="ko-KR" sz="1400" b="1" i="0" u="none" strike="noStrike" cap="none" normalizeH="0" baseline="0" dirty="0" smtClean="0">
+                <a:ln>
+                  <a:noFill/>
+                </a:ln>
+                <a:solidFill>
+                  <a:srgbClr val="066DE2"/>
+                </a:solidFill>
+                <a:effectLst/>
+                <a:latin typeface="Consolas" pitchFamily="49" charset="0"/>
+                <a:ea typeface="굴림" pitchFamily="50" charset="-127"/>
+                <a:cs typeface="굴림" pitchFamily="50" charset="-127"/>
+              </a:rPr>
+              <a:t>	</a:t>
+            </a:r>
+            <a:r>
+              <a:rPr kumimoji="1" lang="ko-KR" altLang="ko-KR" sz="1400" b="1" i="0" u="none" strike="noStrike" cap="none" normalizeH="0" baseline="0" dirty="0" smtClean="0">
+                <a:ln>
+                  <a:noFill/>
+                </a:ln>
+                <a:solidFill>
+                  <a:srgbClr val="066DE2"/>
+                </a:solidFill>
+                <a:effectLst/>
+                <a:latin typeface="Consolas" pitchFamily="49" charset="0"/>
+                <a:ea typeface="굴림" pitchFamily="50" charset="-127"/>
+                <a:cs typeface="굴림" pitchFamily="50" charset="-127"/>
+              </a:rPr>
+              <a:t>int</a:t>
+            </a:r>
+            <a:r>
+              <a:rPr kumimoji="1" lang="ko-KR" altLang="ko-KR" sz="1400" b="1" i="0" u="none" strike="noStrike" cap="none" normalizeH="0" baseline="0" dirty="0" smtClean="0">
+                <a:ln>
+                  <a:noFill/>
+                </a:ln>
+                <a:solidFill>
+                  <a:srgbClr val="010101"/>
+                </a:solidFill>
+                <a:effectLst/>
+                <a:latin typeface="Consolas" pitchFamily="49" charset="0"/>
+                <a:ea typeface="굴림" pitchFamily="50" charset="-127"/>
+                <a:cs typeface="굴림" pitchFamily="50" charset="-127"/>
+              </a:rPr>
+              <a:t> m_iNum1;</a:t>
+            </a:r>
+          </a:p>
+          <a:p>
+            <a:pPr marL="0" marR="0" lvl="0" indent="0" algn="l" defTabSz="914400" rtl="0" eaLnBrk="0" fontAlgn="base" latinLnBrk="0" hangingPunct="0">
+              <a:lnSpc>
+                <a:spcPct val="100000"/>
+              </a:lnSpc>
+              <a:spcBef>
+                <a:spcPct val="0"/>
+              </a:spcBef>
+              <a:spcAft>
+                <a:spcPct val="0"/>
+              </a:spcAft>
+              <a:buClrTx/>
+              <a:buSzTx/>
+              <a:buFontTx/>
+              <a:buNone/>
+              <a:tabLst/>
+            </a:pPr>
+            <a:r>
+              <a:rPr kumimoji="1" lang="en-US" altLang="ko-KR" sz="1400" b="1" i="0" u="none" strike="noStrike" cap="none" normalizeH="0" baseline="0" dirty="0" smtClean="0">
+                <a:ln>
+                  <a:noFill/>
+                </a:ln>
+                <a:solidFill>
+                  <a:srgbClr val="066DE2"/>
+                </a:solidFill>
+                <a:effectLst/>
+                <a:latin typeface="Consolas" pitchFamily="49" charset="0"/>
+                <a:ea typeface="굴림" pitchFamily="50" charset="-127"/>
+                <a:cs typeface="굴림" pitchFamily="50" charset="-127"/>
+              </a:rPr>
+              <a:t>	</a:t>
+            </a:r>
+            <a:r>
+              <a:rPr kumimoji="1" lang="ko-KR" altLang="ko-KR" sz="1400" b="1" i="0" u="none" strike="noStrike" cap="none" normalizeH="0" baseline="0" dirty="0" smtClean="0">
+                <a:ln>
+                  <a:noFill/>
+                </a:ln>
+                <a:solidFill>
+                  <a:srgbClr val="066DE2"/>
+                </a:solidFill>
+                <a:effectLst/>
+                <a:latin typeface="Consolas" pitchFamily="49" charset="0"/>
+                <a:ea typeface="굴림" pitchFamily="50" charset="-127"/>
+                <a:cs typeface="굴림" pitchFamily="50" charset="-127"/>
+              </a:rPr>
+              <a:t>int</a:t>
+            </a:r>
+            <a:r>
+              <a:rPr kumimoji="1" lang="ko-KR" altLang="ko-KR" sz="1400" b="1" i="0" u="none" strike="noStrike" cap="none" normalizeH="0" baseline="0" dirty="0" smtClean="0">
+                <a:ln>
+                  <a:noFill/>
+                </a:ln>
+                <a:solidFill>
+                  <a:srgbClr val="010101"/>
+                </a:solidFill>
+                <a:effectLst/>
+                <a:latin typeface="Consolas" pitchFamily="49" charset="0"/>
+                <a:ea typeface="굴림" pitchFamily="50" charset="-127"/>
+                <a:cs typeface="굴림" pitchFamily="50" charset="-127"/>
+              </a:rPr>
+              <a:t> m_iNum2;</a:t>
+            </a:r>
+          </a:p>
+          <a:p>
+            <a:pPr marL="0" marR="0" lvl="0" indent="0" algn="l" defTabSz="914400" rtl="0" eaLnBrk="0" fontAlgn="base" latinLnBrk="0" hangingPunct="0">
+              <a:lnSpc>
+                <a:spcPct val="100000"/>
+              </a:lnSpc>
+              <a:spcBef>
+                <a:spcPct val="0"/>
+              </a:spcBef>
+              <a:spcAft>
+                <a:spcPct val="0"/>
+              </a:spcAft>
+              <a:buClrTx/>
+              <a:buSzTx/>
+              <a:buFontTx/>
+              <a:buNone/>
+              <a:tabLst/>
+            </a:pPr>
+            <a:r>
+              <a:rPr kumimoji="1" lang="ko-KR" altLang="ko-KR" sz="1400" b="1" i="0" u="none" strike="noStrike" cap="none" normalizeH="0" baseline="0" dirty="0" smtClean="0">
+                <a:ln>
+                  <a:noFill/>
+                </a:ln>
+                <a:solidFill>
+                  <a:srgbClr val="A71D5D"/>
+                </a:solidFill>
+                <a:effectLst/>
+                <a:latin typeface="Consolas" pitchFamily="49" charset="0"/>
+                <a:ea typeface="굴림" pitchFamily="50" charset="-127"/>
+                <a:cs typeface="굴림" pitchFamily="50" charset="-127"/>
+              </a:rPr>
+              <a:t>public</a:t>
+            </a:r>
+            <a:r>
+              <a:rPr kumimoji="1" lang="ko-KR" altLang="ko-KR" sz="1400" b="1" i="0" u="none" strike="noStrike" cap="none" normalizeH="0" baseline="0" dirty="0" smtClean="0">
+                <a:ln>
+                  <a:noFill/>
+                </a:ln>
+                <a:solidFill>
+                  <a:srgbClr val="010101"/>
+                </a:solidFill>
+                <a:effectLst/>
+                <a:latin typeface="Consolas" pitchFamily="49" charset="0"/>
+                <a:ea typeface="굴림" pitchFamily="50" charset="-127"/>
+                <a:cs typeface="굴림" pitchFamily="50" charset="-127"/>
+              </a:rPr>
+              <a:t>:</a:t>
+            </a:r>
+          </a:p>
+          <a:p>
+            <a:pPr marL="0" marR="0" lvl="0" indent="0" algn="l" defTabSz="914400" rtl="0" eaLnBrk="0" fontAlgn="base" latinLnBrk="0" hangingPunct="0">
+              <a:lnSpc>
+                <a:spcPct val="100000"/>
+              </a:lnSpc>
+              <a:spcBef>
+                <a:spcPct val="0"/>
+              </a:spcBef>
+              <a:spcAft>
+                <a:spcPct val="0"/>
+              </a:spcAft>
+              <a:buClrTx/>
+              <a:buSzTx/>
+              <a:buFontTx/>
+              <a:buNone/>
+              <a:tabLst/>
+            </a:pPr>
+            <a:r>
+              <a:rPr kumimoji="1" lang="en-US" altLang="ko-KR" sz="1400" b="1" i="0" u="none" strike="noStrike" cap="none" normalizeH="0" baseline="0" dirty="0" smtClean="0">
+                <a:ln>
+                  <a:noFill/>
+                </a:ln>
+                <a:solidFill>
+                  <a:srgbClr val="010101"/>
+                </a:solidFill>
+                <a:effectLst/>
+                <a:latin typeface="Consolas" pitchFamily="49" charset="0"/>
+                <a:ea typeface="굴림" pitchFamily="50" charset="-127"/>
+                <a:cs typeface="굴림" pitchFamily="50" charset="-127"/>
+              </a:rPr>
+              <a:t>	</a:t>
+            </a:r>
+            <a:r>
+              <a:rPr kumimoji="1" lang="ko-KR" altLang="ko-KR" sz="1400" b="1" i="0" u="none" strike="noStrike" cap="none" normalizeH="0" baseline="0" dirty="0" smtClean="0">
+                <a:ln>
+                  <a:noFill/>
+                </a:ln>
+                <a:solidFill>
+                  <a:srgbClr val="010101"/>
+                </a:solidFill>
+                <a:effectLst/>
+                <a:latin typeface="Consolas" pitchFamily="49" charset="0"/>
+                <a:ea typeface="굴림" pitchFamily="50" charset="-127"/>
+                <a:cs typeface="굴림" pitchFamily="50" charset="-127"/>
+              </a:rPr>
+              <a:t>Test() : m_iNum1(</a:t>
+            </a:r>
+            <a:r>
+              <a:rPr kumimoji="1" lang="ko-KR" altLang="ko-KR" sz="1400" b="1" i="0" u="none" strike="noStrike" cap="none" normalizeH="0" baseline="0" dirty="0" smtClean="0">
+                <a:ln>
+                  <a:noFill/>
+                </a:ln>
+                <a:solidFill>
+                  <a:srgbClr val="0099CC"/>
+                </a:solidFill>
+                <a:effectLst/>
+                <a:latin typeface="Consolas" pitchFamily="49" charset="0"/>
+                <a:ea typeface="굴림" pitchFamily="50" charset="-127"/>
+                <a:cs typeface="굴림" pitchFamily="50" charset="-127"/>
+              </a:rPr>
+              <a:t>10</a:t>
+            </a:r>
+            <a:r>
+              <a:rPr kumimoji="1" lang="ko-KR" altLang="ko-KR" sz="1400" b="1" i="0" u="none" strike="noStrike" cap="none" normalizeH="0" baseline="0" dirty="0" smtClean="0">
+                <a:ln>
+                  <a:noFill/>
+                </a:ln>
+                <a:solidFill>
+                  <a:srgbClr val="010101"/>
+                </a:solidFill>
+                <a:effectLst/>
+                <a:latin typeface="Consolas" pitchFamily="49" charset="0"/>
+                <a:ea typeface="굴림" pitchFamily="50" charset="-127"/>
+                <a:cs typeface="굴림" pitchFamily="50" charset="-127"/>
+              </a:rPr>
+              <a:t>){}</a:t>
+            </a:r>
+          </a:p>
+          <a:p>
+            <a:pPr marL="0" marR="0" lvl="0" indent="0" algn="l" defTabSz="914400" rtl="0" eaLnBrk="0" fontAlgn="base" latinLnBrk="0" hangingPunct="0">
+              <a:lnSpc>
+                <a:spcPct val="100000"/>
+              </a:lnSpc>
+              <a:spcBef>
+                <a:spcPct val="0"/>
+              </a:spcBef>
+              <a:spcAft>
+                <a:spcPct val="0"/>
+              </a:spcAft>
+              <a:buClrTx/>
+              <a:buSzTx/>
+              <a:buFontTx/>
+              <a:buNone/>
+              <a:tabLst/>
+            </a:pPr>
+            <a:r>
+              <a:rPr kumimoji="1" lang="ko-KR" altLang="ko-KR" sz="1400" b="1" i="0" u="none" strike="noStrike" cap="none" normalizeH="0" baseline="0" dirty="0" smtClean="0">
+                <a:ln>
+                  <a:noFill/>
+                </a:ln>
+                <a:solidFill>
+                  <a:srgbClr val="010101"/>
+                </a:solidFill>
+                <a:effectLst/>
+                <a:latin typeface="Consolas" pitchFamily="49" charset="0"/>
+                <a:ea typeface="굴림" pitchFamily="50" charset="-127"/>
+                <a:cs typeface="굴림" pitchFamily="50" charset="-127"/>
+              </a:rPr>
+              <a:t>};</a:t>
+            </a:r>
+          </a:p>
+          <a:p>
+            <a:pPr marL="0" marR="0" lvl="0" indent="0" algn="l" defTabSz="914400" rtl="0" eaLnBrk="0" fontAlgn="base" latinLnBrk="0" hangingPunct="0">
+              <a:lnSpc>
+                <a:spcPct val="100000"/>
+              </a:lnSpc>
+              <a:spcBef>
+                <a:spcPct val="0"/>
+              </a:spcBef>
+              <a:spcAft>
+                <a:spcPct val="0"/>
+              </a:spcAft>
+              <a:buClrTx/>
+              <a:buSzTx/>
+              <a:buFontTx/>
+              <a:buNone/>
+              <a:tabLst/>
+            </a:pPr>
+            <a:r>
+              <a:rPr kumimoji="1" lang="ko-KR" altLang="ko-KR" sz="1400" b="1" i="0" u="none" strike="noStrike" cap="none" normalizeH="0" baseline="0" dirty="0" smtClean="0">
+                <a:ln>
+                  <a:noFill/>
+                </a:ln>
+                <a:solidFill>
+                  <a:srgbClr val="A71D5D"/>
+                </a:solidFill>
+                <a:effectLst/>
+                <a:latin typeface="Consolas" pitchFamily="49" charset="0"/>
+                <a:ea typeface="굴림" pitchFamily="50" charset="-127"/>
+                <a:cs typeface="굴림" pitchFamily="50" charset="-127"/>
+              </a:rPr>
+              <a:t>class</a:t>
+            </a:r>
+            <a:r>
+              <a:rPr kumimoji="1" lang="ko-KR" altLang="ko-KR" sz="1400" b="1" i="0" u="none" strike="noStrike" cap="none" normalizeH="0" baseline="0" dirty="0" smtClean="0">
+                <a:ln>
+                  <a:noFill/>
+                </a:ln>
+                <a:solidFill>
+                  <a:srgbClr val="010101"/>
+                </a:solidFill>
+                <a:effectLst/>
+                <a:latin typeface="Consolas" pitchFamily="49" charset="0"/>
+                <a:ea typeface="굴림" pitchFamily="50" charset="-127"/>
+                <a:cs typeface="굴림" pitchFamily="50" charset="-127"/>
+              </a:rPr>
+              <a:t> Test2</a:t>
+            </a:r>
+          </a:p>
+          <a:p>
+            <a:pPr marL="0" marR="0" lvl="0" indent="0" algn="l" defTabSz="914400" rtl="0" eaLnBrk="0" fontAlgn="base" latinLnBrk="0" hangingPunct="0">
+              <a:lnSpc>
+                <a:spcPct val="100000"/>
+              </a:lnSpc>
+              <a:spcBef>
+                <a:spcPct val="0"/>
+              </a:spcBef>
+              <a:spcAft>
+                <a:spcPct val="0"/>
+              </a:spcAft>
+              <a:buClrTx/>
+              <a:buSzTx/>
+              <a:buFontTx/>
+              <a:buNone/>
+              <a:tabLst/>
+            </a:pPr>
+            <a:r>
+              <a:rPr kumimoji="1" lang="ko-KR" altLang="ko-KR" sz="1400" b="1" i="0" u="none" strike="noStrike" cap="none" normalizeH="0" baseline="0" dirty="0" smtClean="0">
+                <a:ln>
+                  <a:noFill/>
+                </a:ln>
+                <a:solidFill>
+                  <a:srgbClr val="010101"/>
+                </a:solidFill>
+                <a:effectLst/>
+                <a:latin typeface="Consolas" pitchFamily="49" charset="0"/>
+                <a:ea typeface="굴림" pitchFamily="50" charset="-127"/>
+                <a:cs typeface="굴림" pitchFamily="50" charset="-127"/>
+              </a:rPr>
+              <a:t>{</a:t>
+            </a:r>
+          </a:p>
+          <a:p>
+            <a:pPr marL="0" marR="0" lvl="0" indent="0" algn="l" defTabSz="914400" rtl="0" eaLnBrk="0" fontAlgn="base" latinLnBrk="0" hangingPunct="0">
+              <a:lnSpc>
+                <a:spcPct val="100000"/>
+              </a:lnSpc>
+              <a:spcBef>
+                <a:spcPct val="0"/>
+              </a:spcBef>
+              <a:spcAft>
+                <a:spcPct val="0"/>
+              </a:spcAft>
+              <a:buClrTx/>
+              <a:buSzTx/>
+              <a:buFontTx/>
+              <a:buNone/>
+              <a:tabLst/>
+            </a:pPr>
+            <a:r>
+              <a:rPr kumimoji="1" lang="ko-KR" altLang="ko-KR" sz="1400" b="1" i="0" u="none" strike="noStrike" cap="none" normalizeH="0" baseline="0" dirty="0" smtClean="0">
+                <a:ln>
+                  <a:noFill/>
+                </a:ln>
+                <a:solidFill>
+                  <a:srgbClr val="A71D5D"/>
+                </a:solidFill>
+                <a:effectLst/>
+                <a:latin typeface="Consolas" pitchFamily="49" charset="0"/>
+                <a:ea typeface="굴림" pitchFamily="50" charset="-127"/>
+                <a:cs typeface="굴림" pitchFamily="50" charset="-127"/>
+              </a:rPr>
+              <a:t>private</a:t>
+            </a:r>
+            <a:r>
+              <a:rPr kumimoji="1" lang="ko-KR" altLang="ko-KR" sz="1400" b="1" i="0" u="none" strike="noStrike" cap="none" normalizeH="0" baseline="0" dirty="0" smtClean="0">
+                <a:ln>
+                  <a:noFill/>
+                </a:ln>
+                <a:solidFill>
+                  <a:srgbClr val="010101"/>
+                </a:solidFill>
+                <a:effectLst/>
+                <a:latin typeface="Consolas" pitchFamily="49" charset="0"/>
+                <a:ea typeface="굴림" pitchFamily="50" charset="-127"/>
+                <a:cs typeface="굴림" pitchFamily="50" charset="-127"/>
+              </a:rPr>
+              <a:t>:</a:t>
+            </a:r>
+          </a:p>
+          <a:p>
+            <a:pPr marL="0" marR="0" lvl="0" indent="0" algn="l" defTabSz="914400" rtl="0" eaLnBrk="0" fontAlgn="base" latinLnBrk="0" hangingPunct="0">
+              <a:lnSpc>
+                <a:spcPct val="100000"/>
+              </a:lnSpc>
+              <a:spcBef>
+                <a:spcPct val="0"/>
+              </a:spcBef>
+              <a:spcAft>
+                <a:spcPct val="0"/>
+              </a:spcAft>
+              <a:buClrTx/>
+              <a:buSzTx/>
+              <a:buFontTx/>
+              <a:buNone/>
+              <a:tabLst/>
+            </a:pPr>
+            <a:r>
+              <a:rPr kumimoji="1" lang="en-US" altLang="ko-KR" sz="1400" b="1" i="0" u="none" strike="noStrike" cap="none" normalizeH="0" baseline="0" dirty="0" smtClean="0">
+                <a:ln>
+                  <a:noFill/>
+                </a:ln>
+                <a:solidFill>
+                  <a:srgbClr val="066DE2"/>
+                </a:solidFill>
+                <a:effectLst/>
+                <a:latin typeface="Consolas" pitchFamily="49" charset="0"/>
+                <a:ea typeface="굴림" pitchFamily="50" charset="-127"/>
+                <a:cs typeface="굴림" pitchFamily="50" charset="-127"/>
+              </a:rPr>
+              <a:t>	</a:t>
+            </a:r>
+            <a:r>
+              <a:rPr kumimoji="1" lang="ko-KR" altLang="ko-KR" sz="1400" b="1" i="0" u="none" strike="noStrike" cap="none" normalizeH="0" baseline="0" dirty="0" smtClean="0">
+                <a:ln>
+                  <a:noFill/>
+                </a:ln>
+                <a:solidFill>
+                  <a:srgbClr val="066DE2"/>
+                </a:solidFill>
+                <a:effectLst/>
+                <a:latin typeface="Consolas" pitchFamily="49" charset="0"/>
+                <a:ea typeface="굴림" pitchFamily="50" charset="-127"/>
+                <a:cs typeface="굴림" pitchFamily="50" charset="-127"/>
+              </a:rPr>
+              <a:t>int</a:t>
+            </a:r>
+            <a:r>
+              <a:rPr kumimoji="1" lang="ko-KR" altLang="ko-KR" sz="1400" b="1" i="0" u="none" strike="noStrike" cap="none" normalizeH="0" baseline="0" dirty="0" smtClean="0">
+                <a:ln>
+                  <a:noFill/>
+                </a:ln>
+                <a:solidFill>
+                  <a:srgbClr val="010101"/>
+                </a:solidFill>
+                <a:effectLst/>
+                <a:latin typeface="Consolas" pitchFamily="49" charset="0"/>
+                <a:ea typeface="굴림" pitchFamily="50" charset="-127"/>
+                <a:cs typeface="굴림" pitchFamily="50" charset="-127"/>
+              </a:rPr>
+              <a:t> m_iNum1{ </a:t>
+            </a:r>
+            <a:r>
+              <a:rPr kumimoji="1" lang="ko-KR" altLang="ko-KR" sz="1400" b="1" i="0" u="none" strike="noStrike" cap="none" normalizeH="0" baseline="0" dirty="0" smtClean="0">
+                <a:ln>
+                  <a:noFill/>
+                </a:ln>
+                <a:solidFill>
+                  <a:srgbClr val="0099CC"/>
+                </a:solidFill>
+                <a:effectLst/>
+                <a:latin typeface="Consolas" pitchFamily="49" charset="0"/>
+                <a:ea typeface="굴림" pitchFamily="50" charset="-127"/>
+                <a:cs typeface="굴림" pitchFamily="50" charset="-127"/>
+              </a:rPr>
+              <a:t>10</a:t>
+            </a:r>
+            <a:r>
+              <a:rPr kumimoji="1" lang="ko-KR" altLang="ko-KR" sz="1400" b="1" i="0" u="none" strike="noStrike" cap="none" normalizeH="0" baseline="0" dirty="0" smtClean="0">
+                <a:ln>
+                  <a:noFill/>
+                </a:ln>
+                <a:solidFill>
+                  <a:srgbClr val="010101"/>
+                </a:solidFill>
+                <a:effectLst/>
+                <a:latin typeface="Consolas" pitchFamily="49" charset="0"/>
+                <a:ea typeface="굴림" pitchFamily="50" charset="-127"/>
+                <a:cs typeface="굴림" pitchFamily="50" charset="-127"/>
+              </a:rPr>
+              <a:t> };</a:t>
+            </a:r>
+          </a:p>
+          <a:p>
+            <a:pPr marL="0" marR="0" lvl="0" indent="0" algn="l" defTabSz="914400" rtl="0" eaLnBrk="0" fontAlgn="base" latinLnBrk="0" hangingPunct="0">
+              <a:lnSpc>
+                <a:spcPct val="100000"/>
+              </a:lnSpc>
+              <a:spcBef>
+                <a:spcPct val="0"/>
+              </a:spcBef>
+              <a:spcAft>
+                <a:spcPct val="0"/>
+              </a:spcAft>
+              <a:buClrTx/>
+              <a:buSzTx/>
+              <a:buFontTx/>
+              <a:buNone/>
+              <a:tabLst/>
+            </a:pPr>
+            <a:r>
+              <a:rPr kumimoji="1" lang="en-US" altLang="ko-KR" sz="1400" b="1" i="0" u="none" strike="noStrike" cap="none" normalizeH="0" baseline="0" dirty="0" smtClean="0">
+                <a:ln>
+                  <a:noFill/>
+                </a:ln>
+                <a:solidFill>
+                  <a:srgbClr val="066DE2"/>
+                </a:solidFill>
+                <a:effectLst/>
+                <a:latin typeface="Consolas" pitchFamily="49" charset="0"/>
+                <a:ea typeface="굴림" pitchFamily="50" charset="-127"/>
+                <a:cs typeface="굴림" pitchFamily="50" charset="-127"/>
+              </a:rPr>
+              <a:t>	</a:t>
+            </a:r>
+            <a:r>
+              <a:rPr kumimoji="1" lang="ko-KR" altLang="ko-KR" sz="1400" b="1" i="0" u="none" strike="noStrike" cap="none" normalizeH="0" baseline="0" dirty="0" smtClean="0">
+                <a:ln>
+                  <a:noFill/>
+                </a:ln>
+                <a:solidFill>
+                  <a:srgbClr val="066DE2"/>
+                </a:solidFill>
+                <a:effectLst/>
+                <a:latin typeface="Consolas" pitchFamily="49" charset="0"/>
+                <a:ea typeface="굴림" pitchFamily="50" charset="-127"/>
+                <a:cs typeface="굴림" pitchFamily="50" charset="-127"/>
+              </a:rPr>
+              <a:t>int</a:t>
+            </a:r>
+            <a:r>
+              <a:rPr kumimoji="1" lang="ko-KR" altLang="ko-KR" sz="1400" b="1" i="0" u="none" strike="noStrike" cap="none" normalizeH="0" baseline="0" dirty="0" smtClean="0">
+                <a:ln>
+                  <a:noFill/>
+                </a:ln>
+                <a:solidFill>
+                  <a:srgbClr val="010101"/>
+                </a:solidFill>
+                <a:effectLst/>
+                <a:latin typeface="Consolas" pitchFamily="49" charset="0"/>
+                <a:ea typeface="굴림" pitchFamily="50" charset="-127"/>
+                <a:cs typeface="굴림" pitchFamily="50" charset="-127"/>
+              </a:rPr>
+              <a:t> m_iNum2{ </a:t>
+            </a:r>
+            <a:r>
+              <a:rPr kumimoji="1" lang="ko-KR" altLang="ko-KR" sz="1400" b="1" i="0" u="none" strike="noStrike" cap="none" normalizeH="0" baseline="0" dirty="0" smtClean="0">
+                <a:ln>
+                  <a:noFill/>
+                </a:ln>
+                <a:solidFill>
+                  <a:srgbClr val="0099CC"/>
+                </a:solidFill>
+                <a:effectLst/>
+                <a:latin typeface="Consolas" pitchFamily="49" charset="0"/>
+                <a:ea typeface="굴림" pitchFamily="50" charset="-127"/>
+                <a:cs typeface="굴림" pitchFamily="50" charset="-127"/>
+              </a:rPr>
+              <a:t>20</a:t>
+            </a:r>
+            <a:r>
+              <a:rPr kumimoji="1" lang="ko-KR" altLang="ko-KR" sz="1400" b="1" i="0" u="none" strike="noStrike" cap="none" normalizeH="0" baseline="0" dirty="0" smtClean="0">
+                <a:ln>
+                  <a:noFill/>
+                </a:ln>
+                <a:solidFill>
+                  <a:srgbClr val="010101"/>
+                </a:solidFill>
+                <a:effectLst/>
+                <a:latin typeface="Consolas" pitchFamily="49" charset="0"/>
+                <a:ea typeface="굴림" pitchFamily="50" charset="-127"/>
+                <a:cs typeface="굴림" pitchFamily="50" charset="-127"/>
+              </a:rPr>
+              <a:t> };</a:t>
+            </a:r>
+          </a:p>
+          <a:p>
+            <a:pPr marL="0" marR="0" lvl="0" indent="0" algn="l" defTabSz="914400" rtl="0" eaLnBrk="0" fontAlgn="base" latinLnBrk="0" hangingPunct="0">
+              <a:lnSpc>
+                <a:spcPct val="100000"/>
+              </a:lnSpc>
+              <a:spcBef>
+                <a:spcPct val="0"/>
+              </a:spcBef>
+              <a:spcAft>
+                <a:spcPct val="0"/>
+              </a:spcAft>
+              <a:buClrTx/>
+              <a:buSzTx/>
+              <a:buFontTx/>
+              <a:buNone/>
+              <a:tabLst/>
+            </a:pPr>
+            <a:r>
+              <a:rPr kumimoji="1" lang="ko-KR" altLang="ko-KR" sz="1400" b="1" i="0" u="none" strike="noStrike" cap="none" normalizeH="0" baseline="0" dirty="0" smtClean="0">
+                <a:ln>
+                  <a:noFill/>
+                </a:ln>
+                <a:solidFill>
+                  <a:srgbClr val="A71D5D"/>
+                </a:solidFill>
+                <a:effectLst/>
+                <a:latin typeface="Consolas" pitchFamily="49" charset="0"/>
+                <a:ea typeface="굴림" pitchFamily="50" charset="-127"/>
+                <a:cs typeface="굴림" pitchFamily="50" charset="-127"/>
+              </a:rPr>
+              <a:t>public</a:t>
+            </a:r>
+            <a:r>
+              <a:rPr kumimoji="1" lang="ko-KR" altLang="ko-KR" sz="1400" b="1" i="0" u="none" strike="noStrike" cap="none" normalizeH="0" baseline="0" dirty="0" smtClean="0">
+                <a:ln>
+                  <a:noFill/>
+                </a:ln>
+                <a:solidFill>
+                  <a:srgbClr val="010101"/>
+                </a:solidFill>
+                <a:effectLst/>
+                <a:latin typeface="Consolas" pitchFamily="49" charset="0"/>
+                <a:ea typeface="굴림" pitchFamily="50" charset="-127"/>
+                <a:cs typeface="굴림" pitchFamily="50" charset="-127"/>
+              </a:rPr>
+              <a:t>:</a:t>
+            </a:r>
+          </a:p>
+          <a:p>
+            <a:pPr marL="0" marR="0" lvl="0" indent="0" algn="l" defTabSz="914400" rtl="0" eaLnBrk="0" fontAlgn="base" latinLnBrk="0" hangingPunct="0">
+              <a:lnSpc>
+                <a:spcPct val="100000"/>
+              </a:lnSpc>
+              <a:spcBef>
+                <a:spcPct val="0"/>
+              </a:spcBef>
+              <a:spcAft>
+                <a:spcPct val="0"/>
+              </a:spcAft>
+              <a:buClrTx/>
+              <a:buSzTx/>
+              <a:buFontTx/>
+              <a:buNone/>
+              <a:tabLst/>
+            </a:pPr>
+            <a:r>
+              <a:rPr kumimoji="1" lang="en-US" altLang="ko-KR" sz="1400" b="1" i="0" u="none" strike="noStrike" cap="none" normalizeH="0" baseline="0" dirty="0" smtClean="0">
+                <a:ln>
+                  <a:noFill/>
+                </a:ln>
+                <a:solidFill>
+                  <a:srgbClr val="010101"/>
+                </a:solidFill>
+                <a:effectLst/>
+                <a:latin typeface="Consolas" pitchFamily="49" charset="0"/>
+                <a:ea typeface="굴림" pitchFamily="50" charset="-127"/>
+                <a:cs typeface="굴림" pitchFamily="50" charset="-127"/>
+              </a:rPr>
+              <a:t>	</a:t>
+            </a:r>
+            <a:r>
+              <a:rPr kumimoji="1" lang="ko-KR" altLang="ko-KR" sz="1400" b="1" i="0" u="none" strike="noStrike" cap="none" normalizeH="0" baseline="0" dirty="0" smtClean="0">
+                <a:ln>
+                  <a:noFill/>
+                </a:ln>
+                <a:solidFill>
+                  <a:srgbClr val="010101"/>
+                </a:solidFill>
+                <a:effectLst/>
+                <a:latin typeface="Consolas" pitchFamily="49" charset="0"/>
+                <a:ea typeface="굴림" pitchFamily="50" charset="-127"/>
+                <a:cs typeface="굴림" pitchFamily="50" charset="-127"/>
+              </a:rPr>
+              <a:t>Test2() </a:t>
+            </a:r>
+            <a:r>
+              <a:rPr kumimoji="1" lang="ko-KR" altLang="ko-KR" sz="1400" b="1" i="0" u="none" strike="noStrike" cap="none" normalizeH="0" baseline="0" dirty="0" smtClean="0">
+                <a:ln>
+                  <a:noFill/>
+                </a:ln>
+                <a:solidFill>
+                  <a:srgbClr val="A71D5D"/>
+                </a:solidFill>
+                <a:effectLst/>
+                <a:latin typeface="Consolas" pitchFamily="49" charset="0"/>
+                <a:ea typeface="굴림" pitchFamily="50" charset="-127"/>
+                <a:cs typeface="굴림" pitchFamily="50" charset="-127"/>
+              </a:rPr>
+              <a:t>=</a:t>
+            </a:r>
+            <a:r>
+              <a:rPr kumimoji="1" lang="ko-KR" altLang="ko-KR" sz="1400" b="1" i="0" u="none" strike="noStrike" cap="none" normalizeH="0" baseline="0" dirty="0" smtClean="0">
+                <a:ln>
+                  <a:noFill/>
+                </a:ln>
+                <a:solidFill>
+                  <a:srgbClr val="010101"/>
+                </a:solidFill>
+                <a:effectLst/>
+                <a:latin typeface="Consolas" pitchFamily="49" charset="0"/>
+                <a:ea typeface="굴림" pitchFamily="50" charset="-127"/>
+                <a:cs typeface="굴림" pitchFamily="50" charset="-127"/>
+              </a:rPr>
+              <a:t> </a:t>
+            </a:r>
+            <a:r>
+              <a:rPr kumimoji="1" lang="ko-KR" altLang="ko-KR" sz="1400" b="1" i="0" u="none" strike="noStrike" cap="none" normalizeH="0" baseline="0" dirty="0" smtClean="0">
+                <a:ln>
+                  <a:noFill/>
+                </a:ln>
+                <a:solidFill>
+                  <a:srgbClr val="A71D5D"/>
+                </a:solidFill>
+                <a:effectLst/>
+                <a:latin typeface="Consolas" pitchFamily="49" charset="0"/>
+                <a:ea typeface="굴림" pitchFamily="50" charset="-127"/>
+                <a:cs typeface="굴림" pitchFamily="50" charset="-127"/>
+              </a:rPr>
+              <a:t>default</a:t>
+            </a:r>
+            <a:r>
+              <a:rPr kumimoji="1" lang="ko-KR" altLang="ko-KR" sz="1400" b="1" i="0" u="none" strike="noStrike" cap="none" normalizeH="0" baseline="0" dirty="0" smtClean="0">
+                <a:ln>
+                  <a:noFill/>
+                </a:ln>
+                <a:solidFill>
+                  <a:srgbClr val="010101"/>
+                </a:solidFill>
+                <a:effectLst/>
+                <a:latin typeface="Consolas" pitchFamily="49" charset="0"/>
+                <a:ea typeface="굴림" pitchFamily="50" charset="-127"/>
+                <a:cs typeface="굴림" pitchFamily="50" charset="-127"/>
+              </a:rPr>
+              <a:t>;</a:t>
+            </a:r>
+          </a:p>
+          <a:p>
+            <a:pPr marL="0" marR="0" lvl="0" indent="0" algn="l" defTabSz="914400" rtl="0" eaLnBrk="0" fontAlgn="base" latinLnBrk="0" hangingPunct="0">
+              <a:lnSpc>
+                <a:spcPct val="100000"/>
+              </a:lnSpc>
+              <a:spcBef>
+                <a:spcPct val="0"/>
+              </a:spcBef>
+              <a:spcAft>
+                <a:spcPct val="0"/>
+              </a:spcAft>
+              <a:buClrTx/>
+              <a:buSzTx/>
+              <a:buFontTx/>
+              <a:buNone/>
+              <a:tabLst/>
+            </a:pPr>
+            <a:r>
+              <a:rPr kumimoji="1" lang="ko-KR" altLang="ko-KR" sz="1400" b="1" i="0" u="none" strike="noStrike" cap="none" normalizeH="0" baseline="0" dirty="0" smtClean="0">
+                <a:ln>
+                  <a:noFill/>
+                </a:ln>
+                <a:solidFill>
+                  <a:srgbClr val="010101"/>
+                </a:solidFill>
+                <a:effectLst/>
+                <a:latin typeface="Consolas" pitchFamily="49" charset="0"/>
+                <a:ea typeface="굴림" pitchFamily="50" charset="-127"/>
+                <a:cs typeface="굴림" pitchFamily="50" charset="-127"/>
+              </a:rPr>
+              <a:t>};</a:t>
+            </a:r>
+          </a:p>
+          <a:p>
+            <a:pPr marL="0" marR="0" lvl="0" indent="0" algn="l" defTabSz="914400" rtl="0" eaLnBrk="0" fontAlgn="base" latinLnBrk="0" hangingPunct="0">
+              <a:lnSpc>
+                <a:spcPct val="100000"/>
+              </a:lnSpc>
+              <a:spcBef>
+                <a:spcPct val="0"/>
+              </a:spcBef>
+              <a:spcAft>
+                <a:spcPct val="0"/>
+              </a:spcAft>
+              <a:buClrTx/>
+              <a:buSzTx/>
+              <a:buFontTx/>
+              <a:buNone/>
+              <a:tabLst/>
+            </a:pPr>
+            <a:r>
+              <a:rPr kumimoji="1" lang="ko-KR" altLang="ko-KR" sz="1400" b="1" i="0" u="none" strike="noStrike" cap="none" normalizeH="0" baseline="0" dirty="0" smtClean="0">
+                <a:ln>
+                  <a:noFill/>
+                </a:ln>
+                <a:solidFill>
+                  <a:srgbClr val="A71D5D"/>
+                </a:solidFill>
+                <a:effectLst/>
+                <a:latin typeface="Consolas" pitchFamily="49" charset="0"/>
+                <a:ea typeface="굴림" pitchFamily="50" charset="-127"/>
+                <a:cs typeface="굴림" pitchFamily="50" charset="-127"/>
+              </a:rPr>
+              <a:t>void</a:t>
+            </a:r>
+            <a:r>
+              <a:rPr kumimoji="1" lang="ko-KR" altLang="ko-KR" sz="1400" b="1" i="0" u="none" strike="noStrike" cap="none" normalizeH="0" baseline="0" dirty="0" smtClean="0">
+                <a:ln>
+                  <a:noFill/>
+                </a:ln>
+                <a:solidFill>
+                  <a:srgbClr val="010101"/>
+                </a:solidFill>
+                <a:effectLst/>
+                <a:latin typeface="Consolas" pitchFamily="49" charset="0"/>
+                <a:ea typeface="굴림" pitchFamily="50" charset="-127"/>
+                <a:cs typeface="굴림" pitchFamily="50" charset="-127"/>
+              </a:rPr>
+              <a:t> main()</a:t>
+            </a:r>
+          </a:p>
+          <a:p>
+            <a:pPr marL="0" marR="0" lvl="0" indent="0" algn="l" defTabSz="914400" rtl="0" eaLnBrk="0" fontAlgn="base" latinLnBrk="0" hangingPunct="0">
+              <a:lnSpc>
+                <a:spcPct val="100000"/>
+              </a:lnSpc>
+              <a:spcBef>
+                <a:spcPct val="0"/>
+              </a:spcBef>
+              <a:spcAft>
+                <a:spcPct val="0"/>
+              </a:spcAft>
+              <a:buClrTx/>
+              <a:buSzTx/>
+              <a:buFontTx/>
+              <a:buNone/>
+              <a:tabLst/>
+            </a:pPr>
+            <a:r>
+              <a:rPr kumimoji="1" lang="ko-KR" altLang="ko-KR" sz="1400" b="1" i="0" u="none" strike="noStrike" cap="none" normalizeH="0" baseline="0" dirty="0" smtClean="0">
+                <a:ln>
+                  <a:noFill/>
+                </a:ln>
+                <a:solidFill>
+                  <a:srgbClr val="010101"/>
+                </a:solidFill>
+                <a:effectLst/>
+                <a:latin typeface="Consolas" pitchFamily="49" charset="0"/>
+                <a:ea typeface="굴림" pitchFamily="50" charset="-127"/>
+                <a:cs typeface="굴림" pitchFamily="50" charset="-127"/>
+              </a:rPr>
+              <a:t>{</a:t>
+            </a:r>
+          </a:p>
+          <a:p>
+            <a:pPr marL="0" marR="0" lvl="0" indent="0" algn="l" defTabSz="914400" rtl="0" eaLnBrk="0" fontAlgn="base" latinLnBrk="0" hangingPunct="0">
+              <a:lnSpc>
+                <a:spcPct val="100000"/>
+              </a:lnSpc>
+              <a:spcBef>
+                <a:spcPct val="0"/>
+              </a:spcBef>
+              <a:spcAft>
+                <a:spcPct val="0"/>
+              </a:spcAft>
+              <a:buClrTx/>
+              <a:buSzTx/>
+              <a:buFontTx/>
+              <a:buNone/>
+              <a:tabLst/>
+            </a:pPr>
+            <a:r>
+              <a:rPr kumimoji="1" lang="en-US" altLang="ko-KR" sz="1400" b="1" i="0" u="none" strike="noStrike" cap="none" normalizeH="0" baseline="0" dirty="0" smtClean="0">
+                <a:ln>
+                  <a:noFill/>
+                </a:ln>
+                <a:solidFill>
+                  <a:srgbClr val="010101"/>
+                </a:solidFill>
+                <a:effectLst/>
+                <a:latin typeface="Consolas" pitchFamily="49" charset="0"/>
+                <a:ea typeface="굴림" pitchFamily="50" charset="-127"/>
+                <a:cs typeface="굴림" pitchFamily="50" charset="-127"/>
+              </a:rPr>
+              <a:t>	</a:t>
+            </a:r>
+            <a:r>
+              <a:rPr kumimoji="1" lang="ko-KR" altLang="ko-KR" sz="1400" b="1" i="0" u="none" strike="noStrike" cap="none" normalizeH="0" baseline="0" dirty="0" smtClean="0">
+                <a:ln>
+                  <a:noFill/>
+                </a:ln>
+                <a:solidFill>
+                  <a:srgbClr val="010101"/>
+                </a:solidFill>
+                <a:effectLst/>
+                <a:latin typeface="Consolas" pitchFamily="49" charset="0"/>
+                <a:ea typeface="굴림" pitchFamily="50" charset="-127"/>
+                <a:cs typeface="굴림" pitchFamily="50" charset="-127"/>
+              </a:rPr>
+              <a:t>Test t1;</a:t>
+            </a:r>
+          </a:p>
+          <a:p>
+            <a:pPr marL="0" marR="0" lvl="0" indent="0" algn="l" defTabSz="914400" rtl="0" eaLnBrk="0" fontAlgn="base" latinLnBrk="0" hangingPunct="0">
+              <a:lnSpc>
+                <a:spcPct val="100000"/>
+              </a:lnSpc>
+              <a:spcBef>
+                <a:spcPct val="0"/>
+              </a:spcBef>
+              <a:spcAft>
+                <a:spcPct val="0"/>
+              </a:spcAft>
+              <a:buClrTx/>
+              <a:buSzTx/>
+              <a:buFontTx/>
+              <a:buNone/>
+              <a:tabLst/>
+            </a:pPr>
+            <a:r>
+              <a:rPr kumimoji="1" lang="en-US" altLang="ko-KR" sz="1400" b="1" i="0" u="none" strike="noStrike" cap="none" normalizeH="0" baseline="0" dirty="0" smtClean="0">
+                <a:ln>
+                  <a:noFill/>
+                </a:ln>
+                <a:solidFill>
+                  <a:srgbClr val="010101"/>
+                </a:solidFill>
+                <a:effectLst/>
+                <a:latin typeface="Consolas" pitchFamily="49" charset="0"/>
+                <a:ea typeface="굴림" pitchFamily="50" charset="-127"/>
+                <a:cs typeface="굴림" pitchFamily="50" charset="-127"/>
+              </a:rPr>
+              <a:t>	</a:t>
+            </a:r>
+            <a:r>
+              <a:rPr kumimoji="1" lang="ko-KR" altLang="ko-KR" sz="1400" b="1" i="0" u="none" strike="noStrike" cap="none" normalizeH="0" baseline="0" dirty="0" smtClean="0">
+                <a:ln>
+                  <a:noFill/>
+                </a:ln>
+                <a:solidFill>
+                  <a:srgbClr val="010101"/>
+                </a:solidFill>
+                <a:effectLst/>
+                <a:latin typeface="Consolas" pitchFamily="49" charset="0"/>
+                <a:ea typeface="굴림" pitchFamily="50" charset="-127"/>
+                <a:cs typeface="굴림" pitchFamily="50" charset="-127"/>
+              </a:rPr>
+              <a:t>Test2 t2;</a:t>
+            </a:r>
+          </a:p>
+          <a:p>
+            <a:pPr marL="0" marR="0" lvl="0" indent="0" algn="l" defTabSz="914400" rtl="0" eaLnBrk="0" fontAlgn="base" latinLnBrk="0" hangingPunct="0">
+              <a:lnSpc>
+                <a:spcPct val="100000"/>
+              </a:lnSpc>
+              <a:spcBef>
+                <a:spcPct val="0"/>
+              </a:spcBef>
+              <a:spcAft>
+                <a:spcPct val="0"/>
+              </a:spcAft>
+              <a:buClrTx/>
+              <a:buSzTx/>
+              <a:buFontTx/>
+              <a:buNone/>
+              <a:tabLst/>
+            </a:pPr>
+            <a:r>
+              <a:rPr kumimoji="1" lang="ko-KR" altLang="ko-KR" sz="1400" b="1" i="0" u="none" strike="noStrike" cap="none" normalizeH="0" baseline="0" dirty="0" smtClean="0">
+                <a:ln>
+                  <a:noFill/>
+                </a:ln>
+                <a:solidFill>
+                  <a:srgbClr val="010101"/>
+                </a:solidFill>
+                <a:effectLst/>
+                <a:latin typeface="Consolas" pitchFamily="49" charset="0"/>
+                <a:ea typeface="굴림" pitchFamily="50" charset="-127"/>
+                <a:cs typeface="굴림" pitchFamily="50" charset="-127"/>
+              </a:rPr>
+              <a:t>}</a:t>
+            </a:r>
+            <a:endParaRPr kumimoji="1" lang="ko-KR" altLang="ko-KR" sz="3600" b="1" i="0" u="none" strike="noStrike" cap="none" normalizeH="0" baseline="0" dirty="0" smtClean="0">
+              <a:ln>
+                <a:noFill/>
+              </a:ln>
+              <a:solidFill>
+                <a:schemeClr val="tx1"/>
+              </a:solidFill>
+              <a:effectLst/>
+              <a:latin typeface="굴림" pitchFamily="50" charset="-127"/>
+              <a:ea typeface="굴림" pitchFamily="50" charset="-127"/>
+              <a:cs typeface="굴림" pitchFamily="50" charset="-127"/>
+            </a:endParaRPr>
+          </a:p>
+        </p:txBody>
+      </p:sp>
+    </p:spTree>
+    <p:extLst>
+      <p:ext uri="{BB962C8B-B14F-4D97-AF65-F5344CB8AC3E}">
+        <p14:creationId xmlns:p14="http://schemas.microsoft.com/office/powerpoint/2010/main" val="2885853796"/>
+      </p:ext>
+    </p:extLst>
+  </p:cSld>
+  <p:clrMapOvr>
+    <a:masterClrMapping/>
+  </p:clrMapOvr>
+  <mc:AlternateContent xmlns:mc="http://schemas.openxmlformats.org/markup-compatibility/2006" xmlns:p14="http://schemas.microsoft.com/office/powerpoint/2010/main">
+    <mc:Choice Requires="p14">
+      <p:transition spd="med" p14:dur="700">
+        <p:fade/>
+      </p:transition>
+    </mc:Choice>
+    <mc:Fallback xmlns="">
+      <p:transition spd="med">
+        <p:fade/>
+      </p:transition>
+    </mc:Fallback>
+  </mc:AlternateContent>
+  <p:timing>
+    <p:tnLst>
+      <p:par>
+        <p:cTn id="1" dur="indefinite" restart="never" nodeType="tmRoot"/>
+      </p:par>
+    </p:tnLst>
+  </p:timing>
+</p:sld>
+</file>
+
+<file path=ppt/slides/slide8.xml><?xml version="1.0" encoding="utf-8"?>
 <p:sld xmlns:a="http://schemas.openxmlformats.org/drawingml/2006/main" xmlns:r="http://schemas.openxmlformats.org/officeDocument/2006/relationships" xmlns:p="http://schemas.openxmlformats.org/presentationml/2006/main">
   <p:cSld>
     <p:bg>
